--- a/발표양식.pptx
+++ b/발표양식.pptx
@@ -10,15 +10,15 @@
   <p:sldIdLst>
     <p:sldId id="256" r:id="rId2"/>
     <p:sldId id="262" r:id="rId3"/>
-    <p:sldId id="263" r:id="rId4"/>
+    <p:sldId id="269" r:id="rId4"/>
     <p:sldId id="264" r:id="rId5"/>
     <p:sldId id="265" r:id="rId6"/>
-    <p:sldId id="266" r:id="rId7"/>
-    <p:sldId id="257" r:id="rId8"/>
-    <p:sldId id="258" r:id="rId9"/>
-    <p:sldId id="261" r:id="rId10"/>
-    <p:sldId id="260" r:id="rId11"/>
-    <p:sldId id="259" r:id="rId12"/>
+    <p:sldId id="267" r:id="rId7"/>
+    <p:sldId id="266" r:id="rId8"/>
+    <p:sldId id="257" r:id="rId9"/>
+    <p:sldId id="258" r:id="rId10"/>
+    <p:sldId id="261" r:id="rId11"/>
+    <p:sldId id="270" r:id="rId12"/>
   </p:sldIdLst>
   <p:sldSz cx="12192000" cy="6858000"/>
   <p:notesSz cx="6858000" cy="9144000"/>
@@ -252,8 +252,11 @@
     </a:lvl9pPr>
   </p:defaultTextStyle>
   <p:extLst>
+    <p:ext uri="{EFAFB233-063F-42B5-8137-9DF3F51BA10A}">
+      <p15:sldGuideLst xmlns:p15="http://schemas.microsoft.com/office/powerpoint/2012/main"/>
+    </p:ext>
     <p:ext uri="GoogleSlidesCustomDataVersion2">
-      <go:slidesCustomData xmlns:go="http://customooxmlschemas.google.com/" xmlns:ahyp="http://schemas.microsoft.com/office/drawing/2018/hyperlinkcolor" xmlns:p15="http://schemas.microsoft.com/office/powerpoint/2012/main" xmlns:p14="http://schemas.microsoft.com/office/powerpoint/2010/main" xmlns:com="http://schemas.openxmlformats.org/drawingml/2006/compatibility" xmlns:pvml="urn:schemas-microsoft-com:office:powerpoint" xmlns:v="urn:schemas-microsoft-com:vml" xmlns:o="urn:schemas-microsoft-com:office:office" xmlns:dgm="http://schemas.openxmlformats.org/drawingml/2006/diagram" xmlns:c="http://schemas.openxmlformats.org/drawingml/2006/chart" xmlns:mv="urn:schemas-microsoft-com:mac:vml" xmlns:mc="http://schemas.openxmlformats.org/markup-compatibility/2006" xmlns="" r:id="rId14" roundtripDataSignature="AMtx7mj5GdbxsaFl02bTEFBl/9s84/Z/Bw=="/>
+      <go:slidesCustomData xmlns="" xmlns:mc="http://schemas.openxmlformats.org/markup-compatibility/2006" xmlns:mv="urn:schemas-microsoft-com:mac:vml" xmlns:c="http://schemas.openxmlformats.org/drawingml/2006/chart" xmlns:dgm="http://schemas.openxmlformats.org/drawingml/2006/diagram" xmlns:o="urn:schemas-microsoft-com:office:office" xmlns:v="urn:schemas-microsoft-com:vml" xmlns:pvml="urn:schemas-microsoft-com:office:powerpoint" xmlns:com="http://schemas.openxmlformats.org/drawingml/2006/compatibility" xmlns:p14="http://schemas.microsoft.com/office/powerpoint/2010/main" xmlns:p15="http://schemas.microsoft.com/office/powerpoint/2012/main" xmlns:ahyp="http://schemas.microsoft.com/office/drawing/2018/hyperlinkcolor" xmlns:go="http://customooxmlschemas.google.com/" r:id="rId14" roundtripDataSignature="AMtx7mj5GdbxsaFl02bTEFBl/9s84/Z/Bw=="/>
     </p:ext>
   </p:extLst>
 </p:presentation>
@@ -767,8 +770,8 @@
         </p:nvSpPr>
         <p:spPr>
           <a:xfrm>
-            <a:off x="1143225" y="685800"/>
-            <a:ext cx="4572225" cy="3429000"/>
+            <a:off x="381000" y="685800"/>
+            <a:ext cx="6096000" cy="3429000"/>
           </a:xfrm>
           <a:custGeom>
             <a:avLst/>
@@ -977,219 +980,6 @@
           <a:xfrm>
             <a:off x="381000" y="685800"/>
             <a:ext cx="6096000" cy="3429000"/>
-          </a:xfrm>
-          <a:custGeom>
-            <a:avLst/>
-            <a:gdLst/>
-            <a:ahLst/>
-            <a:cxnLst/>
-            <a:rect l="l" t="t" r="r" b="b"/>
-            <a:pathLst>
-              <a:path w="120000" h="120000" extrusionOk="0">
-                <a:moveTo>
-                  <a:pt x="0" y="0"/>
-                </a:moveTo>
-                <a:lnTo>
-                  <a:pt x="120000" y="0"/>
-                </a:lnTo>
-                <a:lnTo>
-                  <a:pt x="120000" y="120000"/>
-                </a:lnTo>
-                <a:lnTo>
-                  <a:pt x="0" y="120000"/>
-                </a:lnTo>
-                <a:close/>
-              </a:path>
-            </a:pathLst>
-          </a:custGeom>
-        </p:spPr>
-      </p:sp>
-    </p:spTree>
-  </p:cSld>
-  <p:clrMapOvr>
-    <a:masterClrMapping/>
-  </p:clrMapOvr>
-</p:notes>
-</file>
-
-<file path=ppt/notesSlides/notesSlide4.xml><?xml version="1.0" encoding="utf-8"?>
-<p:notes xmlns:a="http://schemas.openxmlformats.org/drawingml/2006/main" xmlns:r="http://schemas.openxmlformats.org/officeDocument/2006/relationships" xmlns:p="http://schemas.openxmlformats.org/presentationml/2006/main" showMasterSp="0" showMasterPhAnim="0">
-  <p:cSld>
-    <p:spTree>
-      <p:nvGrpSpPr>
-        <p:cNvPr id="1" name="Shape 55"/>
-        <p:cNvGrpSpPr/>
-        <p:nvPr/>
-      </p:nvGrpSpPr>
-      <p:grpSpPr>
-        <a:xfrm>
-          <a:off x="0" y="0"/>
-          <a:ext cx="0" cy="0"/>
-          <a:chOff x="0" y="0"/>
-          <a:chExt cx="0" cy="0"/>
-        </a:xfrm>
-      </p:grpSpPr>
-      <p:sp>
-        <p:nvSpPr>
-          <p:cNvPr id="56" name="Google Shape;56;p3:notes"/>
-          <p:cNvSpPr txBox="1">
-            <a:spLocks noGrp="1"/>
-          </p:cNvSpPr>
-          <p:nvPr>
-            <p:ph type="body" idx="1"/>
-          </p:nvPr>
-        </p:nvSpPr>
-        <p:spPr>
-          <a:xfrm>
-            <a:off x="685800" y="4343400"/>
-            <a:ext cx="5486400" cy="4114800"/>
-          </a:xfrm>
-          <a:prstGeom prst="rect">
-            <a:avLst/>
-          </a:prstGeom>
-        </p:spPr>
-        <p:txBody>
-          <a:bodyPr spcFirstLastPara="1" wrap="square" lIns="91425" tIns="91425" rIns="91425" bIns="91425" anchor="t" anchorCtr="0">
-            <a:noAutofit/>
-          </a:bodyPr>
-          <a:lstStyle/>
-          <a:p>
-            <a:pPr marL="0" lvl="0" indent="0" algn="l" rtl="0">
-              <a:spcBef>
-                <a:spcPts val="0"/>
-              </a:spcBef>
-              <a:spcAft>
-                <a:spcPts val="0"/>
-              </a:spcAft>
-              <a:buNone/>
-            </a:pPr>
-            <a:endParaRPr/>
-          </a:p>
-        </p:txBody>
-      </p:sp>
-      <p:sp>
-        <p:nvSpPr>
-          <p:cNvPr id="57" name="Google Shape;57;p3:notes"/>
-          <p:cNvSpPr>
-            <a:spLocks noGrp="1" noRot="1" noChangeAspect="1"/>
-          </p:cNvSpPr>
-          <p:nvPr>
-            <p:ph type="sldImg" idx="2"/>
-          </p:nvPr>
-        </p:nvSpPr>
-        <p:spPr>
-          <a:xfrm>
-            <a:off x="381000" y="685800"/>
-            <a:ext cx="6096000" cy="3429000"/>
-          </a:xfrm>
-          <a:custGeom>
-            <a:avLst/>
-            <a:gdLst/>
-            <a:ahLst/>
-            <a:cxnLst/>
-            <a:rect l="l" t="t" r="r" b="b"/>
-            <a:pathLst>
-              <a:path w="120000" h="120000" extrusionOk="0">
-                <a:moveTo>
-                  <a:pt x="0" y="0"/>
-                </a:moveTo>
-                <a:lnTo>
-                  <a:pt x="120000" y="0"/>
-                </a:lnTo>
-                <a:lnTo>
-                  <a:pt x="120000" y="120000"/>
-                </a:lnTo>
-                <a:lnTo>
-                  <a:pt x="0" y="120000"/>
-                </a:lnTo>
-                <a:close/>
-              </a:path>
-            </a:pathLst>
-          </a:custGeom>
-        </p:spPr>
-      </p:sp>
-    </p:spTree>
-    <p:extLst>
-      <p:ext uri="{BB962C8B-B14F-4D97-AF65-F5344CB8AC3E}">
-        <p14:creationId xmlns:p14="http://schemas.microsoft.com/office/powerpoint/2010/main" val="1873757863"/>
-      </p:ext>
-    </p:extLst>
-  </p:cSld>
-  <p:clrMapOvr>
-    <a:masterClrMapping/>
-  </p:clrMapOvr>
-</p:notes>
-</file>
-
-<file path=ppt/notesSlides/notesSlide5.xml><?xml version="1.0" encoding="utf-8"?>
-<p:notes xmlns:a="http://schemas.openxmlformats.org/drawingml/2006/main" xmlns:r="http://schemas.openxmlformats.org/officeDocument/2006/relationships" xmlns:p="http://schemas.openxmlformats.org/presentationml/2006/main" showMasterSp="0" showMasterPhAnim="0">
-  <p:cSld>
-    <p:spTree>
-      <p:nvGrpSpPr>
-        <p:cNvPr id="1" name="Shape 61"/>
-        <p:cNvGrpSpPr/>
-        <p:nvPr/>
-      </p:nvGrpSpPr>
-      <p:grpSpPr>
-        <a:xfrm>
-          <a:off x="0" y="0"/>
-          <a:ext cx="0" cy="0"/>
-          <a:chOff x="0" y="0"/>
-          <a:chExt cx="0" cy="0"/>
-        </a:xfrm>
-      </p:grpSpPr>
-      <p:sp>
-        <p:nvSpPr>
-          <p:cNvPr id="62" name="Google Shape;62;p4:notes"/>
-          <p:cNvSpPr txBox="1">
-            <a:spLocks noGrp="1"/>
-          </p:cNvSpPr>
-          <p:nvPr>
-            <p:ph type="body" idx="1"/>
-          </p:nvPr>
-        </p:nvSpPr>
-        <p:spPr>
-          <a:xfrm>
-            <a:off x="685800" y="4343400"/>
-            <a:ext cx="5486400" cy="4114800"/>
-          </a:xfrm>
-          <a:prstGeom prst="rect">
-            <a:avLst/>
-          </a:prstGeom>
-        </p:spPr>
-        <p:txBody>
-          <a:bodyPr spcFirstLastPara="1" wrap="square" lIns="91425" tIns="91425" rIns="91425" bIns="91425" anchor="t" anchorCtr="0">
-            <a:noAutofit/>
-          </a:bodyPr>
-          <a:lstStyle/>
-          <a:p>
-            <a:pPr marL="0" lvl="0" indent="0" algn="l" rtl="0">
-              <a:spcBef>
-                <a:spcPts val="0"/>
-              </a:spcBef>
-              <a:spcAft>
-                <a:spcPts val="0"/>
-              </a:spcAft>
-              <a:buNone/>
-            </a:pPr>
-            <a:endParaRPr/>
-          </a:p>
-        </p:txBody>
-      </p:sp>
-      <p:sp>
-        <p:nvSpPr>
-          <p:cNvPr id="63" name="Google Shape;63;p4:notes"/>
-          <p:cNvSpPr>
-            <a:spLocks noGrp="1" noRot="1" noChangeAspect="1"/>
-          </p:cNvSpPr>
-          <p:nvPr>
-            <p:ph type="sldImg" idx="2"/>
-          </p:nvPr>
-        </p:nvSpPr>
-        <p:spPr>
-          <a:xfrm>
-            <a:off x="1143225" y="685800"/>
-            <a:ext cx="4572225" cy="3429000"/>
           </a:xfrm>
           <a:custGeom>
             <a:avLst/>
@@ -3355,31 +3145,6 @@
 </p:sldLayout>
 </file>
 
-<file path=ppt/slideLayouts/slideLayout4.xml><?xml version="1.0" encoding="utf-8"?>
-<p:sldLayout xmlns:a="http://schemas.openxmlformats.org/drawingml/2006/main" xmlns:r="http://schemas.openxmlformats.org/officeDocument/2006/relationships" xmlns:p="http://schemas.openxmlformats.org/presentationml/2006/main" matchingName="1_사용자 지정 레이아웃">
-  <p:cSld name="1_사용자 지정 레이아웃">
-    <p:spTree>
-      <p:nvGrpSpPr>
-        <p:cNvPr id="1" name="Shape 41"/>
-        <p:cNvGrpSpPr/>
-        <p:nvPr/>
-      </p:nvGrpSpPr>
-      <p:grpSpPr>
-        <a:xfrm>
-          <a:off x="0" y="0"/>
-          <a:ext cx="0" cy="0"/>
-          <a:chOff x="0" y="0"/>
-          <a:chExt cx="0" cy="0"/>
-        </a:xfrm>
-      </p:grpSpPr>
-    </p:spTree>
-  </p:cSld>
-  <p:clrMapOvr>
-    <a:masterClrMapping/>
-  </p:clrMapOvr>
-</p:sldLayout>
-</file>
-
 <file path=ppt/slideMasters/slideMaster1.xml><?xml version="1.0" encoding="utf-8"?>
 <p:sldMaster xmlns:a="http://schemas.openxmlformats.org/drawingml/2006/main" xmlns:r="http://schemas.openxmlformats.org/officeDocument/2006/relationships" xmlns:p="http://schemas.openxmlformats.org/presentationml/2006/main">
   <p:cSld>
@@ -4420,7 +4185,6 @@
     <p:sldLayoutId id="2147483649" r:id="rId1"/>
     <p:sldLayoutId id="2147483650" r:id="rId2"/>
     <p:sldLayoutId id="2147483651" r:id="rId3"/>
-    <p:sldLayoutId id="2147483652" r:id="rId4"/>
   </p:sldLayoutIdLst>
   <p:hf sldNum="0" hdr="0" ftr="0" dt="0"/>
   <p:txStyles>
@@ -5341,7 +5105,7 @@
   <p:cSld>
     <p:spTree>
       <p:nvGrpSpPr>
-        <p:cNvPr id="1" name="Shape 58"/>
+        <p:cNvPr id="1" name=""/>
         <p:cNvGrpSpPr/>
         <p:nvPr/>
       </p:nvGrpSpPr>
@@ -5355,52 +5119,29 @@
       </p:grpSpPr>
       <p:sp>
         <p:nvSpPr>
-          <p:cNvPr id="59" name="Google Shape;59;p3"/>
-          <p:cNvSpPr txBox="1">
+          <p:cNvPr id="2" name="제목 1">
+            <a:extLst>
+              <a:ext uri="{FF2B5EF4-FFF2-40B4-BE49-F238E27FC236}">
+                <a16:creationId xmlns:a16="http://schemas.microsoft.com/office/drawing/2014/main" id="{B775D6FF-C6D6-40BC-86EF-11BCF98147DD}"/>
+              </a:ext>
+            </a:extLst>
+          </p:cNvPr>
+          <p:cNvSpPr>
             <a:spLocks noGrp="1"/>
           </p:cNvSpPr>
           <p:nvPr>
             <p:ph type="title"/>
           </p:nvPr>
         </p:nvSpPr>
-        <p:spPr>
-          <a:xfrm>
-            <a:off x="605980" y="310143"/>
-            <a:ext cx="10515600" cy="649800"/>
-          </a:xfrm>
-          <a:prstGeom prst="rect">
-            <a:avLst/>
-          </a:prstGeom>
-          <a:noFill/>
-          <a:ln>
-            <a:noFill/>
-          </a:ln>
-        </p:spPr>
+        <p:spPr/>
         <p:txBody>
-          <a:bodyPr spcFirstLastPara="1" wrap="square" lIns="91425" tIns="45700" rIns="91425" bIns="45700" anchor="ctr" anchorCtr="0">
+          <a:bodyPr>
             <a:normAutofit fontScale="90000"/>
           </a:bodyPr>
           <a:lstStyle/>
           <a:p>
-            <a:pPr marL="0" lvl="0" indent="0" algn="l" rtl="0">
-              <a:lnSpc>
-                <a:spcPct val="90000"/>
-              </a:lnSpc>
-              <a:spcBef>
-                <a:spcPts val="0"/>
-              </a:spcBef>
-              <a:spcAft>
-                <a:spcPts val="0"/>
-              </a:spcAft>
-              <a:buClr>
-                <a:schemeClr val="dk1"/>
-              </a:buClr>
-              <a:buSzPts val="4400"/>
-              <a:buFont typeface="Malgun Gothic"/>
-              <a:buNone/>
-            </a:pPr>
-            <a:r>
-              <a:rPr lang="en-US" dirty="0"/>
+            <a:r>
+              <a:rPr lang="en-US" altLang="ko-KR" dirty="0"/>
               <a:t>OOP Level</a:t>
             </a:r>
             <a:r>
@@ -5423,14 +5164,20 @@
               <a:rPr lang="en-US" altLang="ko-KR" sz="3100" dirty="0" err="1"/>
               <a:t>CommandHandler</a:t>
             </a:r>
-            <a:endParaRPr dirty="0"/>
+            <a:endParaRPr lang="ko-KR" altLang="en-US" dirty="0"/>
           </a:p>
         </p:txBody>
       </p:sp>
       <p:sp>
         <p:nvSpPr>
-          <p:cNvPr id="60" name="Google Shape;60;p3"/>
-          <p:cNvSpPr txBox="1">
+          <p:cNvPr id="3" name="텍스트 개체 틀 2">
+            <a:extLst>
+              <a:ext uri="{FF2B5EF4-FFF2-40B4-BE49-F238E27FC236}">
+                <a16:creationId xmlns:a16="http://schemas.microsoft.com/office/drawing/2014/main" id="{5DFD70C0-00DC-474A-99DD-06B487A2AC72}"/>
+              </a:ext>
+            </a:extLst>
+          </p:cNvPr>
+          <p:cNvSpPr>
             <a:spLocks noGrp="1"/>
           </p:cNvSpPr>
           <p:nvPr>
@@ -5439,41 +5186,310 @@
         </p:nvSpPr>
         <p:spPr>
           <a:xfrm>
-            <a:off x="605980" y="1316376"/>
-            <a:ext cx="10515600" cy="4927800"/>
+            <a:off x="134640" y="1077796"/>
+            <a:ext cx="10515600" cy="4927686"/>
+          </a:xfrm>
+        </p:spPr>
+        <p:txBody>
+          <a:bodyPr/>
+          <a:lstStyle/>
+          <a:p>
+            <a:r>
+              <a:rPr lang="en-US" altLang="ko-KR" dirty="0"/>
+              <a:t>Factory Pattern </a:t>
+            </a:r>
+            <a:r>
+              <a:rPr lang="ko-KR" altLang="en-US" dirty="0"/>
+              <a:t>적용</a:t>
+            </a:r>
+          </a:p>
+        </p:txBody>
+      </p:sp>
+      <p:sp>
+        <p:nvSpPr>
+          <p:cNvPr id="8" name="직사각형 7">
+            <a:extLst>
+              <a:ext uri="{FF2B5EF4-FFF2-40B4-BE49-F238E27FC236}">
+                <a16:creationId xmlns:a16="http://schemas.microsoft.com/office/drawing/2014/main" id="{91B2509E-CBF3-40C3-B04B-5CA3D4D43696}"/>
+              </a:ext>
+            </a:extLst>
+          </p:cNvPr>
+          <p:cNvSpPr/>
+          <p:nvPr/>
+        </p:nvSpPr>
+        <p:spPr>
+          <a:xfrm>
+            <a:off x="4821958" y="1077796"/>
+            <a:ext cx="7051084" cy="5670179"/>
           </a:xfrm>
           <a:prstGeom prst="rect">
             <a:avLst/>
           </a:prstGeom>
           <a:noFill/>
-          <a:ln>
-            <a:noFill/>
-          </a:ln>
+          <a:ln w="57150"/>
+          <a:effectLst>
+            <a:glow rad="101600">
+              <a:schemeClr val="bg2">
+                <a:lumMod val="75000"/>
+                <a:lumOff val="25000"/>
+                <a:alpha val="60000"/>
+              </a:schemeClr>
+            </a:glow>
+          </a:effectLst>
+        </p:spPr>
+        <p:style>
+          <a:lnRef idx="2">
+            <a:schemeClr val="accent1"/>
+          </a:lnRef>
+          <a:fillRef idx="1">
+            <a:schemeClr val="lt1"/>
+          </a:fillRef>
+          <a:effectRef idx="0">
+            <a:schemeClr val="accent1"/>
+          </a:effectRef>
+          <a:fontRef idx="minor">
+            <a:schemeClr val="dk1"/>
+          </a:fontRef>
+        </p:style>
+        <p:txBody>
+          <a:bodyPr rtlCol="0" anchor="ctr"/>
+          <a:lstStyle/>
+          <a:p>
+            <a:pPr algn="ctr"/>
+            <a:endParaRPr lang="ko-KR" altLang="en-US"/>
+          </a:p>
+        </p:txBody>
+      </p:sp>
+      <p:pic>
+        <p:nvPicPr>
+          <p:cNvPr id="10" name="그림 9">
+            <a:extLst>
+              <a:ext uri="{FF2B5EF4-FFF2-40B4-BE49-F238E27FC236}">
+                <a16:creationId xmlns:a16="http://schemas.microsoft.com/office/drawing/2014/main" id="{0684E565-7AF5-4431-8543-871ED644685E}"/>
+              </a:ext>
+            </a:extLst>
+          </p:cNvPr>
+          <p:cNvPicPr>
+            <a:picLocks noChangeAspect="1"/>
+          </p:cNvPicPr>
+          <p:nvPr/>
+        </p:nvPicPr>
+        <p:blipFill>
+          <a:blip r:embed="rId2"/>
+          <a:stretch>
+            <a:fillRect/>
+          </a:stretch>
+        </p:blipFill>
+        <p:spPr>
+          <a:xfrm>
+            <a:off x="4956599" y="1310407"/>
+            <a:ext cx="6781800" cy="1571625"/>
+          </a:xfrm>
+          <a:prstGeom prst="rect">
+            <a:avLst/>
+          </a:prstGeom>
+        </p:spPr>
+      </p:pic>
+      <p:pic>
+        <p:nvPicPr>
+          <p:cNvPr id="12" name="그림 11">
+            <a:extLst>
+              <a:ext uri="{FF2B5EF4-FFF2-40B4-BE49-F238E27FC236}">
+                <a16:creationId xmlns:a16="http://schemas.microsoft.com/office/drawing/2014/main" id="{93A2D020-F68E-4DDE-B561-1A8F8BA9C6CA}"/>
+              </a:ext>
+            </a:extLst>
+          </p:cNvPr>
+          <p:cNvPicPr>
+            <a:picLocks noChangeAspect="1"/>
+          </p:cNvPicPr>
+          <p:nvPr/>
+        </p:nvPicPr>
+        <p:blipFill>
+          <a:blip r:embed="rId3"/>
+          <a:stretch>
+            <a:fillRect/>
+          </a:stretch>
+        </p:blipFill>
+        <p:spPr>
+          <a:xfrm>
+            <a:off x="4956599" y="4686269"/>
+            <a:ext cx="6781801" cy="1809750"/>
+          </a:xfrm>
+          <a:prstGeom prst="rect">
+            <a:avLst/>
+          </a:prstGeom>
+        </p:spPr>
+      </p:pic>
+      <p:sp>
+        <p:nvSpPr>
+          <p:cNvPr id="13" name="화살표: 아래쪽 12">
+            <a:extLst>
+              <a:ext uri="{FF2B5EF4-FFF2-40B4-BE49-F238E27FC236}">
+                <a16:creationId xmlns:a16="http://schemas.microsoft.com/office/drawing/2014/main" id="{5E22C041-13D5-440E-8D26-0B6D7941C58B}"/>
+              </a:ext>
+            </a:extLst>
+          </p:cNvPr>
+          <p:cNvSpPr/>
+          <p:nvPr/>
+        </p:nvSpPr>
+        <p:spPr>
+          <a:xfrm>
+            <a:off x="7739470" y="3101418"/>
+            <a:ext cx="1216058" cy="1332893"/>
+          </a:xfrm>
+          <a:prstGeom prst="downArrow">
+            <a:avLst/>
+          </a:prstGeom>
+        </p:spPr>
+        <p:style>
+          <a:lnRef idx="2">
+            <a:schemeClr val="accent1"/>
+          </a:lnRef>
+          <a:fillRef idx="1">
+            <a:schemeClr val="lt1"/>
+          </a:fillRef>
+          <a:effectRef idx="0">
+            <a:schemeClr val="accent1"/>
+          </a:effectRef>
+          <a:fontRef idx="minor">
+            <a:schemeClr val="dk1"/>
+          </a:fontRef>
+        </p:style>
+        <p:txBody>
+          <a:bodyPr rtlCol="0" anchor="ctr"/>
+          <a:lstStyle/>
+          <a:p>
+            <a:pPr algn="ctr"/>
+            <a:r>
+              <a:rPr lang="ko-KR" altLang="en-US" dirty="0"/>
+              <a:t>호출</a:t>
+            </a:r>
+          </a:p>
+        </p:txBody>
+      </p:sp>
+      <p:sp>
+        <p:nvSpPr>
+          <p:cNvPr id="14" name="직사각형 13">
+            <a:extLst>
+              <a:ext uri="{FF2B5EF4-FFF2-40B4-BE49-F238E27FC236}">
+                <a16:creationId xmlns:a16="http://schemas.microsoft.com/office/drawing/2014/main" id="{71A81BE5-B49F-4A7E-BF98-1D77B4963E28}"/>
+              </a:ext>
+            </a:extLst>
+          </p:cNvPr>
+          <p:cNvSpPr/>
+          <p:nvPr/>
+        </p:nvSpPr>
+        <p:spPr>
+          <a:xfrm>
+            <a:off x="7940835" y="1809444"/>
+            <a:ext cx="3645185" cy="264453"/>
+          </a:xfrm>
+          <a:prstGeom prst="rect">
+            <a:avLst/>
+          </a:prstGeom>
+          <a:noFill/>
+        </p:spPr>
+        <p:style>
+          <a:lnRef idx="2">
+            <a:schemeClr val="dk1"/>
+          </a:lnRef>
+          <a:fillRef idx="1">
+            <a:schemeClr val="lt1"/>
+          </a:fillRef>
+          <a:effectRef idx="0">
+            <a:schemeClr val="dk1"/>
+          </a:effectRef>
+          <a:fontRef idx="minor">
+            <a:schemeClr val="dk1"/>
+          </a:fontRef>
+        </p:style>
+        <p:txBody>
+          <a:bodyPr rtlCol="0" anchor="ctr"/>
+          <a:lstStyle/>
+          <a:p>
+            <a:pPr algn="ctr"/>
+            <a:endParaRPr lang="ko-KR" altLang="en-US"/>
+          </a:p>
+        </p:txBody>
+      </p:sp>
+      <p:sp>
+        <p:nvSpPr>
+          <p:cNvPr id="16" name="TextBox 15">
+            <a:extLst>
+              <a:ext uri="{FF2B5EF4-FFF2-40B4-BE49-F238E27FC236}">
+                <a16:creationId xmlns:a16="http://schemas.microsoft.com/office/drawing/2014/main" id="{39DAC403-CFD3-4119-A952-6944D609C8E3}"/>
+              </a:ext>
+            </a:extLst>
+          </p:cNvPr>
+          <p:cNvSpPr txBox="1"/>
+          <p:nvPr/>
+        </p:nvSpPr>
+        <p:spPr>
+          <a:xfrm>
+            <a:off x="318958" y="1809444"/>
+            <a:ext cx="4739018" cy="523220"/>
+          </a:xfrm>
+          <a:prstGeom prst="rect">
+            <a:avLst/>
+          </a:prstGeom>
+          <a:noFill/>
         </p:spPr>
         <p:txBody>
-          <a:bodyPr spcFirstLastPara="1" wrap="square" lIns="91425" tIns="45700" rIns="91425" bIns="45700" anchor="t" anchorCtr="0">
-            <a:normAutofit/>
+          <a:bodyPr wrap="square" rtlCol="0">
+            <a:spAutoFit/>
           </a:bodyPr>
           <a:lstStyle/>
           <a:p>
-            <a:pPr marL="635000" indent="-457200">
-              <a:spcBef>
-                <a:spcPts val="0"/>
-              </a:spcBef>
-              <a:buSzPts val="2800"/>
+            <a:pPr marL="285750" indent="-285750">
+              <a:buFont typeface="Arial" panose="020B0604020202020204" pitchFamily="34" charset="0"/>
+              <a:buChar char="•"/>
             </a:pPr>
             <a:r>
-              <a:rPr lang="en-US" dirty="0"/>
-              <a:t> Command Pattern</a:t>
-            </a:r>
-            <a:endParaRPr dirty="0"/>
+              <a:rPr lang="en-US" altLang="ko-KR" dirty="0"/>
+              <a:t>Opcode</a:t>
+            </a:r>
+            <a:r>
+              <a:rPr lang="ko-KR" altLang="en-US" dirty="0"/>
+              <a:t>에 따른 </a:t>
+            </a:r>
+            <a:r>
+              <a:rPr lang="en-US" altLang="ko-KR" dirty="0"/>
+              <a:t>command handler </a:t>
+            </a:r>
+            <a:r>
+              <a:rPr lang="ko-KR" altLang="en-US" dirty="0"/>
+              <a:t>생성</a:t>
+            </a:r>
+            <a:endParaRPr lang="en-US" altLang="ko-KR" dirty="0"/>
+          </a:p>
+          <a:p>
+            <a:pPr marL="285750" indent="-285750">
+              <a:buFont typeface="Arial" panose="020B0604020202020204" pitchFamily="34" charset="0"/>
+              <a:buChar char="•"/>
+            </a:pPr>
+            <a:r>
+              <a:rPr lang="en-US" altLang="ko-KR" dirty="0"/>
+              <a:t>flush, erase</a:t>
+            </a:r>
+            <a:r>
+              <a:rPr lang="ko-KR" altLang="en-US" dirty="0"/>
+              <a:t>도 아래에 추가하여 </a:t>
+            </a:r>
+            <a:r>
+              <a:rPr lang="en-US" altLang="ko-KR" dirty="0"/>
+              <a:t>factory </a:t>
+            </a:r>
+            <a:r>
+              <a:rPr lang="ko-KR" altLang="en-US" dirty="0"/>
+              <a:t>기능 사용함</a:t>
+            </a:r>
           </a:p>
         </p:txBody>
       </p:sp>
     </p:spTree>
     <p:extLst>
       <p:ext uri="{BB962C8B-B14F-4D97-AF65-F5344CB8AC3E}">
-        <p14:creationId xmlns:p14="http://schemas.microsoft.com/office/powerpoint/2010/main" val="2242425677"/>
+        <p14:creationId xmlns:p14="http://schemas.microsoft.com/office/powerpoint/2010/main" val="573894847"/>
       </p:ext>
     </p:extLst>
   </p:cSld>
@@ -5488,7 +5504,7 @@
   <p:cSld>
     <p:spTree>
       <p:nvGrpSpPr>
-        <p:cNvPr id="1" name="Shape 64"/>
+        <p:cNvPr id="1" name=""/>
         <p:cNvGrpSpPr/>
         <p:nvPr/>
       </p:nvGrpSpPr>
@@ -5500,7 +5516,426 @@
           <a:chExt cx="0" cy="0"/>
         </a:xfrm>
       </p:grpSpPr>
+      <p:sp>
+        <p:nvSpPr>
+          <p:cNvPr id="2" name="제목 1">
+            <a:extLst>
+              <a:ext uri="{FF2B5EF4-FFF2-40B4-BE49-F238E27FC236}">
+                <a16:creationId xmlns:a16="http://schemas.microsoft.com/office/drawing/2014/main" id="{B775D6FF-C6D6-40BC-86EF-11BCF98147DD}"/>
+              </a:ext>
+            </a:extLst>
+          </p:cNvPr>
+          <p:cNvSpPr>
+            <a:spLocks noGrp="1"/>
+          </p:cNvSpPr>
+          <p:nvPr>
+            <p:ph type="title"/>
+          </p:nvPr>
+        </p:nvSpPr>
+        <p:spPr/>
+        <p:txBody>
+          <a:bodyPr>
+            <a:normAutofit fontScale="90000"/>
+          </a:bodyPr>
+          <a:lstStyle/>
+          <a:p>
+            <a:r>
+              <a:rPr lang="en-US" altLang="ko-KR" dirty="0"/>
+              <a:t>OOP Level</a:t>
+            </a:r>
+            <a:r>
+              <a:rPr lang="ko-KR" altLang="en-US" dirty="0"/>
+              <a:t>의 </a:t>
+            </a:r>
+            <a:r>
+              <a:rPr lang="ko-KR" altLang="en-US" dirty="0" err="1"/>
+              <a:t>리팩토링</a:t>
+            </a:r>
+            <a:r>
+              <a:rPr lang="en-US" altLang="ko-KR" dirty="0"/>
+              <a:t> –</a:t>
+            </a:r>
+            <a:r>
+              <a:rPr lang="ko-KR" altLang="en-US" dirty="0"/>
+              <a:t> </a:t>
+            </a:r>
+            <a:r>
+              <a:rPr lang="en-US" altLang="ko-KR" sz="3100" dirty="0" err="1"/>
+              <a:t>CommandHandler</a:t>
+            </a:r>
+            <a:endParaRPr lang="ko-KR" altLang="en-US" dirty="0"/>
+          </a:p>
+        </p:txBody>
+      </p:sp>
+      <p:sp>
+        <p:nvSpPr>
+          <p:cNvPr id="3" name="텍스트 개체 틀 2">
+            <a:extLst>
+              <a:ext uri="{FF2B5EF4-FFF2-40B4-BE49-F238E27FC236}">
+                <a16:creationId xmlns:a16="http://schemas.microsoft.com/office/drawing/2014/main" id="{5DFD70C0-00DC-474A-99DD-06B487A2AC72}"/>
+              </a:ext>
+            </a:extLst>
+          </p:cNvPr>
+          <p:cNvSpPr>
+            <a:spLocks noGrp="1"/>
+          </p:cNvSpPr>
+          <p:nvPr>
+            <p:ph type="body" idx="1"/>
+          </p:nvPr>
+        </p:nvSpPr>
+        <p:spPr>
+          <a:xfrm>
+            <a:off x="134640" y="1077796"/>
+            <a:ext cx="10515600" cy="4927686"/>
+          </a:xfrm>
+        </p:spPr>
+        <p:txBody>
+          <a:bodyPr/>
+          <a:lstStyle/>
+          <a:p>
+            <a:r>
+              <a:rPr lang="en-US" altLang="ko-KR" dirty="0"/>
+              <a:t>Command Pattern </a:t>
+            </a:r>
+            <a:r>
+              <a:rPr lang="ko-KR" altLang="en-US" dirty="0"/>
+              <a:t>적용</a:t>
+            </a:r>
+          </a:p>
+        </p:txBody>
+      </p:sp>
+      <p:sp>
+        <p:nvSpPr>
+          <p:cNvPr id="16" name="TextBox 15">
+            <a:extLst>
+              <a:ext uri="{FF2B5EF4-FFF2-40B4-BE49-F238E27FC236}">
+                <a16:creationId xmlns:a16="http://schemas.microsoft.com/office/drawing/2014/main" id="{39DAC403-CFD3-4119-A952-6944D609C8E3}"/>
+              </a:ext>
+            </a:extLst>
+          </p:cNvPr>
+          <p:cNvSpPr txBox="1"/>
+          <p:nvPr/>
+        </p:nvSpPr>
+        <p:spPr>
+          <a:xfrm>
+            <a:off x="318958" y="1809444"/>
+            <a:ext cx="4739018" cy="738664"/>
+          </a:xfrm>
+          <a:prstGeom prst="rect">
+            <a:avLst/>
+          </a:prstGeom>
+          <a:noFill/>
+        </p:spPr>
+        <p:txBody>
+          <a:bodyPr wrap="square" rtlCol="0">
+            <a:spAutoFit/>
+          </a:bodyPr>
+          <a:lstStyle/>
+          <a:p>
+            <a:pPr marL="285750" indent="-285750">
+              <a:buFont typeface="Arial" panose="020B0604020202020204" pitchFamily="34" charset="0"/>
+              <a:buChar char="•"/>
+            </a:pPr>
+            <a:r>
+              <a:rPr lang="en-US" altLang="ko-KR" dirty="0" err="1"/>
+              <a:t>CmdHandler</a:t>
+            </a:r>
+            <a:r>
+              <a:rPr lang="en-US" altLang="ko-KR" dirty="0"/>
+              <a:t> base class</a:t>
+            </a:r>
+            <a:r>
+              <a:rPr lang="ko-KR" altLang="en-US" dirty="0"/>
+              <a:t>를 통해</a:t>
+            </a:r>
+            <a:br>
+              <a:rPr lang="en-US" altLang="ko-KR" dirty="0"/>
+            </a:br>
+            <a:r>
+              <a:rPr lang="en-US" altLang="ko-KR" dirty="0"/>
+              <a:t>opcode</a:t>
+            </a:r>
+            <a:r>
+              <a:rPr lang="ko-KR" altLang="en-US" dirty="0"/>
+              <a:t>에 따른 각각의 </a:t>
+            </a:r>
+            <a:r>
+              <a:rPr lang="en-US" altLang="ko-KR" dirty="0"/>
+              <a:t>handler </a:t>
+            </a:r>
+            <a:r>
+              <a:rPr lang="ko-KR" altLang="en-US" dirty="0"/>
+              <a:t>호출될 수 있도록 함</a:t>
+            </a:r>
+            <a:endParaRPr lang="en-US" altLang="ko-KR" dirty="0"/>
+          </a:p>
+          <a:p>
+            <a:pPr marL="285750" indent="-285750">
+              <a:buFont typeface="Arial" panose="020B0604020202020204" pitchFamily="34" charset="0"/>
+              <a:buChar char="•"/>
+            </a:pPr>
+            <a:endParaRPr lang="ko-KR" altLang="en-US" dirty="0"/>
+          </a:p>
+        </p:txBody>
+      </p:sp>
+      <p:sp>
+        <p:nvSpPr>
+          <p:cNvPr id="11" name="직사각형 10">
+            <a:extLst>
+              <a:ext uri="{FF2B5EF4-FFF2-40B4-BE49-F238E27FC236}">
+                <a16:creationId xmlns:a16="http://schemas.microsoft.com/office/drawing/2014/main" id="{01939241-8F13-4FF2-88F3-C980AD1AD8C9}"/>
+              </a:ext>
+            </a:extLst>
+          </p:cNvPr>
+          <p:cNvSpPr/>
+          <p:nvPr/>
+        </p:nvSpPr>
+        <p:spPr>
+          <a:xfrm>
+            <a:off x="4821958" y="1077796"/>
+            <a:ext cx="7051084" cy="5670179"/>
+          </a:xfrm>
+          <a:prstGeom prst="rect">
+            <a:avLst/>
+          </a:prstGeom>
+          <a:noFill/>
+          <a:ln w="57150"/>
+          <a:effectLst>
+            <a:glow rad="101600">
+              <a:schemeClr val="bg2">
+                <a:lumMod val="75000"/>
+                <a:lumOff val="25000"/>
+                <a:alpha val="60000"/>
+              </a:schemeClr>
+            </a:glow>
+          </a:effectLst>
+        </p:spPr>
+        <p:style>
+          <a:lnRef idx="2">
+            <a:schemeClr val="accent1"/>
+          </a:lnRef>
+          <a:fillRef idx="1">
+            <a:schemeClr val="lt1"/>
+          </a:fillRef>
+          <a:effectRef idx="0">
+            <a:schemeClr val="accent1"/>
+          </a:effectRef>
+          <a:fontRef idx="minor">
+            <a:schemeClr val="dk1"/>
+          </a:fontRef>
+        </p:style>
+        <p:txBody>
+          <a:bodyPr rtlCol="0" anchor="ctr"/>
+          <a:lstStyle/>
+          <a:p>
+            <a:pPr algn="ctr"/>
+            <a:endParaRPr lang="ko-KR" altLang="en-US"/>
+          </a:p>
+        </p:txBody>
+      </p:sp>
+      <p:pic>
+        <p:nvPicPr>
+          <p:cNvPr id="15" name="그림 14">
+            <a:extLst>
+              <a:ext uri="{FF2B5EF4-FFF2-40B4-BE49-F238E27FC236}">
+                <a16:creationId xmlns:a16="http://schemas.microsoft.com/office/drawing/2014/main" id="{41AFBBD5-2AE7-4B5A-B836-323D3F8BECE1}"/>
+              </a:ext>
+            </a:extLst>
+          </p:cNvPr>
+          <p:cNvPicPr>
+            <a:picLocks noChangeAspect="1"/>
+          </p:cNvPicPr>
+          <p:nvPr/>
+        </p:nvPicPr>
+        <p:blipFill>
+          <a:blip r:embed="rId2"/>
+          <a:stretch>
+            <a:fillRect/>
+          </a:stretch>
+        </p:blipFill>
+        <p:spPr>
+          <a:xfrm>
+            <a:off x="4956599" y="1310407"/>
+            <a:ext cx="6781800" cy="1571625"/>
+          </a:xfrm>
+          <a:prstGeom prst="rect">
+            <a:avLst/>
+          </a:prstGeom>
+        </p:spPr>
+      </p:pic>
+      <p:sp>
+        <p:nvSpPr>
+          <p:cNvPr id="17" name="화살표: 아래쪽 16">
+            <a:extLst>
+              <a:ext uri="{FF2B5EF4-FFF2-40B4-BE49-F238E27FC236}">
+                <a16:creationId xmlns:a16="http://schemas.microsoft.com/office/drawing/2014/main" id="{9BCEC264-28B3-4689-A508-4F3BCE154244}"/>
+              </a:ext>
+            </a:extLst>
+          </p:cNvPr>
+          <p:cNvSpPr/>
+          <p:nvPr/>
+        </p:nvSpPr>
+        <p:spPr>
+          <a:xfrm>
+            <a:off x="7739470" y="2708730"/>
+            <a:ext cx="1216058" cy="1332893"/>
+          </a:xfrm>
+          <a:prstGeom prst="downArrow">
+            <a:avLst/>
+          </a:prstGeom>
+        </p:spPr>
+        <p:style>
+          <a:lnRef idx="2">
+            <a:schemeClr val="accent1"/>
+          </a:lnRef>
+          <a:fillRef idx="1">
+            <a:schemeClr val="lt1"/>
+          </a:fillRef>
+          <a:effectRef idx="0">
+            <a:schemeClr val="accent1"/>
+          </a:effectRef>
+          <a:fontRef idx="minor">
+            <a:schemeClr val="dk1"/>
+          </a:fontRef>
+        </p:style>
+        <p:txBody>
+          <a:bodyPr rtlCol="0" anchor="ctr"/>
+          <a:lstStyle/>
+          <a:p>
+            <a:pPr algn="ctr"/>
+            <a:r>
+              <a:rPr lang="ko-KR" altLang="en-US" dirty="0"/>
+              <a:t>호출</a:t>
+            </a:r>
+          </a:p>
+        </p:txBody>
+      </p:sp>
+      <p:sp>
+        <p:nvSpPr>
+          <p:cNvPr id="18" name="직사각형 17">
+            <a:extLst>
+              <a:ext uri="{FF2B5EF4-FFF2-40B4-BE49-F238E27FC236}">
+                <a16:creationId xmlns:a16="http://schemas.microsoft.com/office/drawing/2014/main" id="{50D4A75E-5D29-4A04-90A5-43859A688211}"/>
+              </a:ext>
+            </a:extLst>
+          </p:cNvPr>
+          <p:cNvSpPr/>
+          <p:nvPr/>
+        </p:nvSpPr>
+        <p:spPr>
+          <a:xfrm>
+            <a:off x="5339039" y="2092248"/>
+            <a:ext cx="3974643" cy="523220"/>
+          </a:xfrm>
+          <a:prstGeom prst="rect">
+            <a:avLst/>
+          </a:prstGeom>
+          <a:noFill/>
+        </p:spPr>
+        <p:style>
+          <a:lnRef idx="2">
+            <a:schemeClr val="dk1"/>
+          </a:lnRef>
+          <a:fillRef idx="1">
+            <a:schemeClr val="lt1"/>
+          </a:fillRef>
+          <a:effectRef idx="0">
+            <a:schemeClr val="dk1"/>
+          </a:effectRef>
+          <a:fontRef idx="minor">
+            <a:schemeClr val="dk1"/>
+          </a:fontRef>
+        </p:style>
+        <p:txBody>
+          <a:bodyPr rtlCol="0" anchor="ctr"/>
+          <a:lstStyle/>
+          <a:p>
+            <a:pPr algn="ctr"/>
+            <a:endParaRPr lang="ko-KR" altLang="en-US"/>
+          </a:p>
+        </p:txBody>
+      </p:sp>
+      <p:pic>
+        <p:nvPicPr>
+          <p:cNvPr id="19" name="그림 18">
+            <a:extLst>
+              <a:ext uri="{FF2B5EF4-FFF2-40B4-BE49-F238E27FC236}">
+                <a16:creationId xmlns:a16="http://schemas.microsoft.com/office/drawing/2014/main" id="{57646656-2E40-4084-9C1C-559E43B8BF30}"/>
+              </a:ext>
+            </a:extLst>
+          </p:cNvPr>
+          <p:cNvPicPr>
+            <a:picLocks noChangeAspect="1"/>
+          </p:cNvPicPr>
+          <p:nvPr/>
+        </p:nvPicPr>
+        <p:blipFill>
+          <a:blip r:embed="rId3"/>
+          <a:stretch>
+            <a:fillRect/>
+          </a:stretch>
+        </p:blipFill>
+        <p:spPr>
+          <a:xfrm>
+            <a:off x="5192619" y="4100520"/>
+            <a:ext cx="5396700" cy="2354620"/>
+          </a:xfrm>
+          <a:prstGeom prst="rect">
+            <a:avLst/>
+          </a:prstGeom>
+        </p:spPr>
+      </p:pic>
+      <p:sp>
+        <p:nvSpPr>
+          <p:cNvPr id="20" name="직사각형 19">
+            <a:extLst>
+              <a:ext uri="{FF2B5EF4-FFF2-40B4-BE49-F238E27FC236}">
+                <a16:creationId xmlns:a16="http://schemas.microsoft.com/office/drawing/2014/main" id="{1848C0A8-D4D3-4149-8D7B-D2CF80DFFC0B}"/>
+              </a:ext>
+            </a:extLst>
+          </p:cNvPr>
+          <p:cNvSpPr/>
+          <p:nvPr/>
+        </p:nvSpPr>
+        <p:spPr>
+          <a:xfrm>
+            <a:off x="5486400" y="4441093"/>
+            <a:ext cx="5005633" cy="894477"/>
+          </a:xfrm>
+          <a:prstGeom prst="rect">
+            <a:avLst/>
+          </a:prstGeom>
+          <a:noFill/>
+        </p:spPr>
+        <p:style>
+          <a:lnRef idx="2">
+            <a:schemeClr val="dk1"/>
+          </a:lnRef>
+          <a:fillRef idx="1">
+            <a:schemeClr val="lt1"/>
+          </a:fillRef>
+          <a:effectRef idx="0">
+            <a:schemeClr val="dk1"/>
+          </a:effectRef>
+          <a:fontRef idx="minor">
+            <a:schemeClr val="dk1"/>
+          </a:fontRef>
+        </p:style>
+        <p:txBody>
+          <a:bodyPr rtlCol="0" anchor="ctr"/>
+          <a:lstStyle/>
+          <a:p>
+            <a:pPr algn="ctr"/>
+            <a:endParaRPr lang="ko-KR" altLang="en-US"/>
+          </a:p>
+        </p:txBody>
+      </p:sp>
     </p:spTree>
+    <p:extLst>
+      <p:ext uri="{BB962C8B-B14F-4D97-AF65-F5344CB8AC3E}">
+        <p14:creationId xmlns:p14="http://schemas.microsoft.com/office/powerpoint/2010/main" val="1507441414"/>
+      </p:ext>
+    </p:extLst>
   </p:cSld>
   <p:clrMapOvr>
     <a:masterClrMapping/>
@@ -5560,30 +5995,96 @@
           </a:p>
         </p:txBody>
       </p:sp>
-      <p:sp>
-        <p:nvSpPr>
-          <p:cNvPr id="3" name="텍스트 개체 틀 2">
+      <p:pic>
+        <p:nvPicPr>
+          <p:cNvPr id="1026" name="Picture 2">
             <a:extLst>
               <a:ext uri="{FF2B5EF4-FFF2-40B4-BE49-F238E27FC236}">
-                <a16:creationId xmlns:a16="http://schemas.microsoft.com/office/drawing/2014/main" id="{7ADBB035-E6D4-4409-95D5-DA646282A299}"/>
+                <a16:creationId xmlns:a16="http://schemas.microsoft.com/office/drawing/2014/main" id="{63AAF87D-F3F2-47EA-88BA-54610768F0B1}"/>
               </a:ext>
             </a:extLst>
           </p:cNvPr>
-          <p:cNvSpPr>
-            <a:spLocks noGrp="1"/>
-          </p:cNvSpPr>
-          <p:nvPr>
-            <p:ph type="body" idx="1"/>
-          </p:nvPr>
+          <p:cNvPicPr>
+            <a:picLocks noChangeAspect="1" noChangeArrowheads="1"/>
+          </p:cNvPicPr>
+          <p:nvPr/>
+        </p:nvPicPr>
+        <p:blipFill>
+          <a:blip r:embed="rId2">
+            <a:extLst>
+              <a:ext uri="{28A0092B-C50C-407E-A947-70E740481C1C}">
+                <a14:useLocalDpi xmlns:a14="http://schemas.microsoft.com/office/drawing/2010/main" val="0"/>
+              </a:ext>
+            </a:extLst>
+          </a:blip>
+          <a:srcRect/>
+          <a:stretch>
+            <a:fillRect/>
+          </a:stretch>
+        </p:blipFill>
+        <p:spPr bwMode="auto">
+          <a:xfrm>
+            <a:off x="2516957" y="960002"/>
+            <a:ext cx="6457360" cy="5823458"/>
+          </a:xfrm>
+          <a:prstGeom prst="rect">
+            <a:avLst/>
+          </a:prstGeom>
+          <a:noFill/>
+          <a:extLst>
+            <a:ext uri="{909E8E84-426E-40DD-AFC4-6F175D3DCCD1}">
+              <a14:hiddenFill xmlns:a14="http://schemas.microsoft.com/office/drawing/2010/main">
+                <a:solidFill>
+                  <a:srgbClr val="FFFFFF"/>
+                </a:solidFill>
+              </a14:hiddenFill>
+            </a:ext>
+          </a:extLst>
+        </p:spPr>
+      </p:pic>
+      <p:sp>
+        <p:nvSpPr>
+          <p:cNvPr id="6" name="직사각형 5">
+            <a:extLst>
+              <a:ext uri="{FF2B5EF4-FFF2-40B4-BE49-F238E27FC236}">
+                <a16:creationId xmlns:a16="http://schemas.microsoft.com/office/drawing/2014/main" id="{21192456-BA9F-43B4-B8FA-346F3B8F10CD}"/>
+              </a:ext>
+            </a:extLst>
+          </p:cNvPr>
+          <p:cNvSpPr/>
+          <p:nvPr/>
         </p:nvSpPr>
-        <p:spPr/>
+        <p:spPr>
+          <a:xfrm>
+            <a:off x="518473" y="1336484"/>
+            <a:ext cx="2262433" cy="546754"/>
+          </a:xfrm>
+          <a:prstGeom prst="rect">
+            <a:avLst/>
+          </a:prstGeom>
+        </p:spPr>
+        <p:style>
+          <a:lnRef idx="2">
+            <a:schemeClr val="dk1"/>
+          </a:lnRef>
+          <a:fillRef idx="1">
+            <a:schemeClr val="lt1"/>
+          </a:fillRef>
+          <a:effectRef idx="0">
+            <a:schemeClr val="dk1"/>
+          </a:effectRef>
+          <a:fontRef idx="minor">
+            <a:schemeClr val="dk1"/>
+          </a:fontRef>
+        </p:style>
         <p:txBody>
-          <a:bodyPr/>
+          <a:bodyPr rtlCol="0" anchor="ctr"/>
           <a:lstStyle/>
           <a:p>
-            <a:r>
-              <a:rPr lang="en-US" altLang="ko-KR" dirty="0" err="1"/>
-              <a:t>ssd</a:t>
+            <a:pPr algn="ctr"/>
+            <a:r>
+              <a:rPr lang="en-US" altLang="ko-KR" dirty="0"/>
+              <a:t>SSD</a:t>
             </a:r>
             <a:endParaRPr lang="ko-KR" altLang="en-US" dirty="0"/>
           </a:p>
@@ -5656,37 +6157,103 @@
       </p:sp>
       <p:sp>
         <p:nvSpPr>
-          <p:cNvPr id="3" name="텍스트 개체 틀 2">
+          <p:cNvPr id="6" name="직사각형 5">
             <a:extLst>
               <a:ext uri="{FF2B5EF4-FFF2-40B4-BE49-F238E27FC236}">
-                <a16:creationId xmlns:a16="http://schemas.microsoft.com/office/drawing/2014/main" id="{7ADBB035-E6D4-4409-95D5-DA646282A299}"/>
+                <a16:creationId xmlns:a16="http://schemas.microsoft.com/office/drawing/2014/main" id="{21192456-BA9F-43B4-B8FA-346F3B8F10CD}"/>
               </a:ext>
             </a:extLst>
           </p:cNvPr>
-          <p:cNvSpPr>
-            <a:spLocks noGrp="1"/>
-          </p:cNvSpPr>
-          <p:nvPr>
-            <p:ph type="body" idx="1"/>
-          </p:nvPr>
+          <p:cNvSpPr/>
+          <p:nvPr/>
         </p:nvSpPr>
-        <p:spPr/>
+        <p:spPr>
+          <a:xfrm>
+            <a:off x="518473" y="1336484"/>
+            <a:ext cx="2262433" cy="546754"/>
+          </a:xfrm>
+          <a:prstGeom prst="rect">
+            <a:avLst/>
+          </a:prstGeom>
+        </p:spPr>
+        <p:style>
+          <a:lnRef idx="2">
+            <a:schemeClr val="dk1"/>
+          </a:lnRef>
+          <a:fillRef idx="1">
+            <a:schemeClr val="lt1"/>
+          </a:fillRef>
+          <a:effectRef idx="0">
+            <a:schemeClr val="dk1"/>
+          </a:effectRef>
+          <a:fontRef idx="minor">
+            <a:schemeClr val="dk1"/>
+          </a:fontRef>
+        </p:style>
         <p:txBody>
-          <a:bodyPr/>
+          <a:bodyPr rtlCol="0" anchor="ctr"/>
           <a:lstStyle/>
           <a:p>
+            <a:pPr algn="ctr"/>
             <a:r>
               <a:rPr lang="en-US" altLang="ko-KR" dirty="0"/>
-              <a:t>Shell script</a:t>
+              <a:t>SHELL</a:t>
             </a:r>
             <a:endParaRPr lang="ko-KR" altLang="en-US" dirty="0"/>
           </a:p>
         </p:txBody>
       </p:sp>
+      <p:pic>
+        <p:nvPicPr>
+          <p:cNvPr id="2050" name="Picture 2">
+            <a:extLst>
+              <a:ext uri="{FF2B5EF4-FFF2-40B4-BE49-F238E27FC236}">
+                <a16:creationId xmlns:a16="http://schemas.microsoft.com/office/drawing/2014/main" id="{2959BB15-7151-46F1-952E-1B09FBC38E78}"/>
+              </a:ext>
+            </a:extLst>
+          </p:cNvPr>
+          <p:cNvPicPr>
+            <a:picLocks noChangeAspect="1" noChangeArrowheads="1"/>
+          </p:cNvPicPr>
+          <p:nvPr/>
+        </p:nvPicPr>
+        <p:blipFill>
+          <a:blip r:embed="rId2">
+            <a:extLst>
+              <a:ext uri="{28A0092B-C50C-407E-A947-70E740481C1C}">
+                <a14:useLocalDpi xmlns:a14="http://schemas.microsoft.com/office/drawing/2010/main" val="0"/>
+              </a:ext>
+            </a:extLst>
+          </a:blip>
+          <a:srcRect/>
+          <a:stretch>
+            <a:fillRect/>
+          </a:stretch>
+        </p:blipFill>
+        <p:spPr bwMode="auto">
+          <a:xfrm>
+            <a:off x="256488" y="2045967"/>
+            <a:ext cx="11679024" cy="4501890"/>
+          </a:xfrm>
+          <a:prstGeom prst="rect">
+            <a:avLst/>
+          </a:prstGeom>
+          <a:noFill/>
+          <a:extLst>
+            <a:ext uri="{909E8E84-426E-40DD-AFC4-6F175D3DCCD1}">
+              <a14:hiddenFill xmlns:a14="http://schemas.microsoft.com/office/drawing/2010/main">
+                <a:solidFill>
+                  <a:srgbClr val="FFFFFF"/>
+                </a:solidFill>
+              </a14:hiddenFill>
+            </a:ext>
+          </a:extLst>
+        </p:spPr>
+      </p:pic>
     </p:spTree>
     <p:extLst>
       <p:ext uri="{BB962C8B-B14F-4D97-AF65-F5344CB8AC3E}">
-        <p14:creationId xmlns:p14="http://schemas.microsoft.com/office/powerpoint/2010/main" val="1622975583"/>
+        <p14:creationId xmlns:p14="http://schemas.microsoft.com/office/powerpoint/2010/main" val="2302890199"/>
       </p:ext>
     </p:extLst>
   </p:cSld>
@@ -5775,6 +6342,36 @@
           <a:chExt cx="0" cy="0"/>
         </a:xfrm>
       </p:grpSpPr>
+      <p:pic>
+        <p:nvPicPr>
+          <p:cNvPr id="5" name="그림 4">
+            <a:extLst>
+              <a:ext uri="{FF2B5EF4-FFF2-40B4-BE49-F238E27FC236}">
+                <a16:creationId xmlns:a16="http://schemas.microsoft.com/office/drawing/2014/main" id="{27051898-689F-4824-9ED3-0EB5C2DBBAAA}"/>
+              </a:ext>
+            </a:extLst>
+          </p:cNvPr>
+          <p:cNvPicPr>
+            <a:picLocks noChangeAspect="1"/>
+          </p:cNvPicPr>
+          <p:nvPr/>
+        </p:nvPicPr>
+        <p:blipFill>
+          <a:blip r:embed="rId2"/>
+          <a:stretch>
+            <a:fillRect/>
+          </a:stretch>
+        </p:blipFill>
+        <p:spPr>
+          <a:xfrm>
+            <a:off x="605980" y="1316376"/>
+            <a:ext cx="6600825" cy="3219450"/>
+          </a:xfrm>
+          <a:prstGeom prst="rect">
+            <a:avLst/>
+          </a:prstGeom>
+        </p:spPr>
+      </p:pic>
       <p:sp>
         <p:nvSpPr>
           <p:cNvPr id="2" name="제목 1">
@@ -5824,26 +6421,243 @@
       </p:sp>
       <p:sp>
         <p:nvSpPr>
-          <p:cNvPr id="3" name="텍스트 개체 틀 2">
+          <p:cNvPr id="6" name="직사각형 5">
             <a:extLst>
               <a:ext uri="{FF2B5EF4-FFF2-40B4-BE49-F238E27FC236}">
-                <a16:creationId xmlns:a16="http://schemas.microsoft.com/office/drawing/2014/main" id="{1AD3E0EC-DA4E-44D2-A0EC-D249665804F8}"/>
+                <a16:creationId xmlns:a16="http://schemas.microsoft.com/office/drawing/2014/main" id="{12F4DB92-138F-44B9-9C1E-BAE03AE9A6E7}"/>
               </a:ext>
             </a:extLst>
           </p:cNvPr>
-          <p:cNvSpPr>
-            <a:spLocks noGrp="1"/>
-          </p:cNvSpPr>
-          <p:nvPr>
-            <p:ph type="body" idx="1"/>
-          </p:nvPr>
+          <p:cNvSpPr/>
+          <p:nvPr/>
         </p:nvSpPr>
-        <p:spPr/>
+        <p:spPr>
+          <a:xfrm>
+            <a:off x="914399" y="2289291"/>
+            <a:ext cx="6363094" cy="303079"/>
+          </a:xfrm>
+          <a:prstGeom prst="rect">
+            <a:avLst/>
+          </a:prstGeom>
+          <a:noFill/>
+        </p:spPr>
+        <p:style>
+          <a:lnRef idx="2">
+            <a:schemeClr val="dk1"/>
+          </a:lnRef>
+          <a:fillRef idx="1">
+            <a:schemeClr val="lt1"/>
+          </a:fillRef>
+          <a:effectRef idx="0">
+            <a:schemeClr val="dk1"/>
+          </a:effectRef>
+          <a:fontRef idx="minor">
+            <a:schemeClr val="dk1"/>
+          </a:fontRef>
+        </p:style>
         <p:txBody>
-          <a:bodyPr/>
+          <a:bodyPr rtlCol="0" anchor="ctr"/>
           <a:lstStyle/>
           <a:p>
+            <a:pPr algn="ctr"/>
             <a:endParaRPr lang="ko-KR" altLang="en-US"/>
+          </a:p>
+        </p:txBody>
+      </p:sp>
+      <p:sp>
+        <p:nvSpPr>
+          <p:cNvPr id="7" name="직사각형 6">
+            <a:extLst>
+              <a:ext uri="{FF2B5EF4-FFF2-40B4-BE49-F238E27FC236}">
+                <a16:creationId xmlns:a16="http://schemas.microsoft.com/office/drawing/2014/main" id="{AFC71855-118E-4295-88E2-EB406AE65170}"/>
+              </a:ext>
+            </a:extLst>
+          </p:cNvPr>
+          <p:cNvSpPr/>
+          <p:nvPr/>
+        </p:nvSpPr>
+        <p:spPr>
+          <a:xfrm>
+            <a:off x="923826" y="3962552"/>
+            <a:ext cx="5590096" cy="303079"/>
+          </a:xfrm>
+          <a:prstGeom prst="rect">
+            <a:avLst/>
+          </a:prstGeom>
+          <a:noFill/>
+        </p:spPr>
+        <p:style>
+          <a:lnRef idx="2">
+            <a:schemeClr val="dk1"/>
+          </a:lnRef>
+          <a:fillRef idx="1">
+            <a:schemeClr val="lt1"/>
+          </a:fillRef>
+          <a:effectRef idx="0">
+            <a:schemeClr val="dk1"/>
+          </a:effectRef>
+          <a:fontRef idx="minor">
+            <a:schemeClr val="dk1"/>
+          </a:fontRef>
+        </p:style>
+        <p:txBody>
+          <a:bodyPr rtlCol="0" anchor="ctr"/>
+          <a:lstStyle/>
+          <a:p>
+            <a:pPr algn="ctr"/>
+            <a:endParaRPr lang="ko-KR" altLang="en-US"/>
+          </a:p>
+        </p:txBody>
+      </p:sp>
+      <p:sp>
+        <p:nvSpPr>
+          <p:cNvPr id="8" name="직사각형 7">
+            <a:extLst>
+              <a:ext uri="{FF2B5EF4-FFF2-40B4-BE49-F238E27FC236}">
+                <a16:creationId xmlns:a16="http://schemas.microsoft.com/office/drawing/2014/main" id="{FAB753AC-3B08-4B24-BD9F-DF50D36D5A80}"/>
+              </a:ext>
+            </a:extLst>
+          </p:cNvPr>
+          <p:cNvSpPr/>
+          <p:nvPr/>
+        </p:nvSpPr>
+        <p:spPr>
+          <a:xfrm>
+            <a:off x="914399" y="2575928"/>
+            <a:ext cx="6363094" cy="303079"/>
+          </a:xfrm>
+          <a:prstGeom prst="rect">
+            <a:avLst/>
+          </a:prstGeom>
+          <a:noFill/>
+        </p:spPr>
+        <p:style>
+          <a:lnRef idx="2">
+            <a:schemeClr val="dk1"/>
+          </a:lnRef>
+          <a:fillRef idx="1">
+            <a:schemeClr val="lt1"/>
+          </a:fillRef>
+          <a:effectRef idx="0">
+            <a:schemeClr val="dk1"/>
+          </a:effectRef>
+          <a:fontRef idx="minor">
+            <a:schemeClr val="dk1"/>
+          </a:fontRef>
+        </p:style>
+        <p:txBody>
+          <a:bodyPr rtlCol="0" anchor="ctr"/>
+          <a:lstStyle/>
+          <a:p>
+            <a:pPr algn="ctr"/>
+            <a:r>
+              <a:rPr lang="en-US" altLang="ko-KR" dirty="0"/>
+              <a:t>Write </a:t>
+            </a:r>
+            <a:r>
+              <a:rPr lang="ko-KR" altLang="en-US" dirty="0"/>
+              <a:t>시 </a:t>
+            </a:r>
+            <a:r>
+              <a:rPr lang="en-US" altLang="ko-KR" dirty="0"/>
+              <a:t>LBA</a:t>
+            </a:r>
+            <a:r>
+              <a:rPr lang="ko-KR" altLang="en-US" dirty="0"/>
+              <a:t> </a:t>
+            </a:r>
+            <a:r>
+              <a:rPr lang="en-US" altLang="ko-KR" dirty="0"/>
+              <a:t>100</a:t>
+            </a:r>
+            <a:r>
+              <a:rPr lang="ko-KR" altLang="en-US" dirty="0"/>
+              <a:t> 이상이면 </a:t>
+            </a:r>
+            <a:r>
+              <a:rPr lang="en-US" altLang="ko-KR" dirty="0"/>
+              <a:t>error</a:t>
+            </a:r>
+            <a:r>
+              <a:rPr lang="ko-KR" altLang="en-US" dirty="0"/>
+              <a:t>나도록 확인</a:t>
+            </a:r>
+          </a:p>
+        </p:txBody>
+      </p:sp>
+      <p:sp>
+        <p:nvSpPr>
+          <p:cNvPr id="10" name="직사각형 9">
+            <a:extLst>
+              <a:ext uri="{FF2B5EF4-FFF2-40B4-BE49-F238E27FC236}">
+                <a16:creationId xmlns:a16="http://schemas.microsoft.com/office/drawing/2014/main" id="{07F92C4A-6A2D-4B53-8347-03AAF8DAD249}"/>
+              </a:ext>
+            </a:extLst>
+          </p:cNvPr>
+          <p:cNvSpPr/>
+          <p:nvPr/>
+        </p:nvSpPr>
+        <p:spPr>
+          <a:xfrm>
+            <a:off x="914399" y="4265631"/>
+            <a:ext cx="6363094" cy="303079"/>
+          </a:xfrm>
+          <a:prstGeom prst="rect">
+            <a:avLst/>
+          </a:prstGeom>
+          <a:noFill/>
+        </p:spPr>
+        <p:style>
+          <a:lnRef idx="2">
+            <a:schemeClr val="dk1"/>
+          </a:lnRef>
+          <a:fillRef idx="1">
+            <a:schemeClr val="lt1"/>
+          </a:fillRef>
+          <a:effectRef idx="0">
+            <a:schemeClr val="dk1"/>
+          </a:effectRef>
+          <a:fontRef idx="minor">
+            <a:schemeClr val="dk1"/>
+          </a:fontRef>
+        </p:style>
+        <p:txBody>
+          <a:bodyPr rtlCol="0" anchor="ctr"/>
+          <a:lstStyle/>
+          <a:p>
+            <a:pPr algn="ctr"/>
+            <a:r>
+              <a:rPr lang="en-US" altLang="ko-KR" dirty="0"/>
+              <a:t>Read </a:t>
+            </a:r>
+            <a:r>
+              <a:rPr lang="ko-KR" altLang="en-US" dirty="0"/>
+              <a:t>시 </a:t>
+            </a:r>
+            <a:r>
+              <a:rPr lang="en-US" altLang="ko-KR" dirty="0"/>
+              <a:t>LBA</a:t>
+            </a:r>
+            <a:r>
+              <a:rPr lang="ko-KR" altLang="en-US" dirty="0"/>
+              <a:t> </a:t>
+            </a:r>
+            <a:r>
+              <a:rPr lang="en-US" altLang="ko-KR" dirty="0"/>
+              <a:t>100</a:t>
+            </a:r>
+            <a:r>
+              <a:rPr lang="ko-KR" altLang="en-US" dirty="0"/>
+              <a:t> 이상이면 </a:t>
+            </a:r>
+            <a:r>
+              <a:rPr lang="en-US" altLang="ko-KR" dirty="0"/>
+              <a:t>error</a:t>
+            </a:r>
+            <a:r>
+              <a:rPr lang="ko-KR" altLang="en-US" dirty="0"/>
+              <a:t>나도록 확인</a:t>
+            </a:r>
           </a:p>
         </p:txBody>
       </p:sp>
@@ -5882,6 +6696,564 @@
           <p:cNvPr id="2" name="제목 1">
             <a:extLst>
               <a:ext uri="{FF2B5EF4-FFF2-40B4-BE49-F238E27FC236}">
+                <a16:creationId xmlns:a16="http://schemas.microsoft.com/office/drawing/2014/main" id="{0AB15691-B7F7-4F94-A8CA-A032911217FF}"/>
+              </a:ext>
+            </a:extLst>
+          </p:cNvPr>
+          <p:cNvSpPr>
+            <a:spLocks noGrp="1"/>
+          </p:cNvSpPr>
+          <p:nvPr>
+            <p:ph type="title"/>
+          </p:nvPr>
+        </p:nvSpPr>
+        <p:spPr/>
+        <p:txBody>
+          <a:bodyPr>
+            <a:normAutofit fontScale="90000"/>
+          </a:bodyPr>
+          <a:lstStyle/>
+          <a:p>
+            <a:r>
+              <a:rPr lang="en-US" altLang="ko-KR" dirty="0"/>
+              <a:t>TDD</a:t>
+            </a:r>
+            <a:r>
+              <a:rPr lang="ko-KR" altLang="en-US" dirty="0"/>
+              <a:t> </a:t>
+            </a:r>
+            <a:r>
+              <a:rPr lang="en-US" altLang="ko-KR" dirty="0"/>
+              <a:t>–</a:t>
+            </a:r>
+            <a:r>
+              <a:rPr lang="ko-KR" altLang="en-US" dirty="0"/>
+              <a:t> </a:t>
+            </a:r>
+            <a:r>
+              <a:rPr lang="en-US" altLang="ko-KR" dirty="0"/>
+              <a:t>Command Handler</a:t>
+            </a:r>
+            <a:endParaRPr lang="ko-KR" altLang="en-US" dirty="0"/>
+          </a:p>
+        </p:txBody>
+      </p:sp>
+      <p:pic>
+        <p:nvPicPr>
+          <p:cNvPr id="6" name="그림 5">
+            <a:extLst>
+              <a:ext uri="{FF2B5EF4-FFF2-40B4-BE49-F238E27FC236}">
+                <a16:creationId xmlns:a16="http://schemas.microsoft.com/office/drawing/2014/main" id="{33F25C9A-3649-4F52-82C4-95727C268924}"/>
+              </a:ext>
+            </a:extLst>
+          </p:cNvPr>
+          <p:cNvPicPr>
+            <a:picLocks noChangeAspect="1"/>
+          </p:cNvPicPr>
+          <p:nvPr/>
+        </p:nvPicPr>
+        <p:blipFill>
+          <a:blip r:embed="rId2"/>
+          <a:stretch>
+            <a:fillRect/>
+          </a:stretch>
+        </p:blipFill>
+        <p:spPr>
+          <a:xfrm>
+            <a:off x="605980" y="1316376"/>
+            <a:ext cx="6419850" cy="3371850"/>
+          </a:xfrm>
+          <a:prstGeom prst="rect">
+            <a:avLst/>
+          </a:prstGeom>
+        </p:spPr>
+      </p:pic>
+      <p:sp>
+        <p:nvSpPr>
+          <p:cNvPr id="7" name="직사각형 6">
+            <a:extLst>
+              <a:ext uri="{FF2B5EF4-FFF2-40B4-BE49-F238E27FC236}">
+                <a16:creationId xmlns:a16="http://schemas.microsoft.com/office/drawing/2014/main" id="{8A07FCA0-69B6-460A-A2EC-0DAC4A6EF404}"/>
+              </a:ext>
+            </a:extLst>
+          </p:cNvPr>
+          <p:cNvSpPr/>
+          <p:nvPr/>
+        </p:nvSpPr>
+        <p:spPr>
+          <a:xfrm>
+            <a:off x="914399" y="2289291"/>
+            <a:ext cx="6363094" cy="303079"/>
+          </a:xfrm>
+          <a:prstGeom prst="rect">
+            <a:avLst/>
+          </a:prstGeom>
+          <a:noFill/>
+        </p:spPr>
+        <p:style>
+          <a:lnRef idx="2">
+            <a:schemeClr val="dk1"/>
+          </a:lnRef>
+          <a:fillRef idx="1">
+            <a:schemeClr val="lt1"/>
+          </a:fillRef>
+          <a:effectRef idx="0">
+            <a:schemeClr val="dk1"/>
+          </a:effectRef>
+          <a:fontRef idx="minor">
+            <a:schemeClr val="dk1"/>
+          </a:fontRef>
+        </p:style>
+        <p:txBody>
+          <a:bodyPr rtlCol="0" anchor="ctr"/>
+          <a:lstStyle/>
+          <a:p>
+            <a:pPr algn="ctr"/>
+            <a:endParaRPr lang="ko-KR" altLang="en-US"/>
+          </a:p>
+        </p:txBody>
+      </p:sp>
+      <p:sp>
+        <p:nvSpPr>
+          <p:cNvPr id="8" name="직사각형 7">
+            <a:extLst>
+              <a:ext uri="{FF2B5EF4-FFF2-40B4-BE49-F238E27FC236}">
+                <a16:creationId xmlns:a16="http://schemas.microsoft.com/office/drawing/2014/main" id="{17DEB284-CBA2-4218-8601-6A34F96B6C4A}"/>
+              </a:ext>
+            </a:extLst>
+          </p:cNvPr>
+          <p:cNvSpPr/>
+          <p:nvPr/>
+        </p:nvSpPr>
+        <p:spPr>
+          <a:xfrm>
+            <a:off x="914399" y="2575928"/>
+            <a:ext cx="6363094" cy="303079"/>
+          </a:xfrm>
+          <a:prstGeom prst="rect">
+            <a:avLst/>
+          </a:prstGeom>
+          <a:noFill/>
+        </p:spPr>
+        <p:style>
+          <a:lnRef idx="2">
+            <a:schemeClr val="dk1"/>
+          </a:lnRef>
+          <a:fillRef idx="1">
+            <a:schemeClr val="lt1"/>
+          </a:fillRef>
+          <a:effectRef idx="0">
+            <a:schemeClr val="dk1"/>
+          </a:effectRef>
+          <a:fontRef idx="minor">
+            <a:schemeClr val="dk1"/>
+          </a:fontRef>
+        </p:style>
+        <p:txBody>
+          <a:bodyPr rtlCol="0" anchor="ctr"/>
+          <a:lstStyle/>
+          <a:p>
+            <a:pPr algn="ctr"/>
+            <a:r>
+              <a:rPr lang="en-US" altLang="ko-KR" dirty="0"/>
+              <a:t>Write </a:t>
+            </a:r>
+            <a:r>
+              <a:rPr lang="ko-KR" altLang="en-US" dirty="0"/>
+              <a:t>시</a:t>
+            </a:r>
+            <a:r>
+              <a:rPr lang="en-US" altLang="ko-KR" dirty="0"/>
+              <a:t> data</a:t>
+            </a:r>
+            <a:r>
+              <a:rPr lang="ko-KR" altLang="en-US" dirty="0"/>
+              <a:t>를 함께 보내주지 않으면 </a:t>
+            </a:r>
+            <a:r>
+              <a:rPr lang="en-US" altLang="ko-KR" dirty="0"/>
+              <a:t>exception</a:t>
+            </a:r>
+            <a:endParaRPr lang="ko-KR" altLang="en-US" dirty="0"/>
+          </a:p>
+        </p:txBody>
+      </p:sp>
+      <p:sp>
+        <p:nvSpPr>
+          <p:cNvPr id="11" name="직사각형 10">
+            <a:extLst>
+              <a:ext uri="{FF2B5EF4-FFF2-40B4-BE49-F238E27FC236}">
+                <a16:creationId xmlns:a16="http://schemas.microsoft.com/office/drawing/2014/main" id="{2F567020-6329-44BB-A41D-2E6F0315F1BB}"/>
+              </a:ext>
+            </a:extLst>
+          </p:cNvPr>
+          <p:cNvSpPr/>
+          <p:nvPr/>
+        </p:nvSpPr>
+        <p:spPr>
+          <a:xfrm>
+            <a:off x="914399" y="4098510"/>
+            <a:ext cx="6363094" cy="303079"/>
+          </a:xfrm>
+          <a:prstGeom prst="rect">
+            <a:avLst/>
+          </a:prstGeom>
+          <a:noFill/>
+        </p:spPr>
+        <p:style>
+          <a:lnRef idx="2">
+            <a:schemeClr val="dk1"/>
+          </a:lnRef>
+          <a:fillRef idx="1">
+            <a:schemeClr val="lt1"/>
+          </a:fillRef>
+          <a:effectRef idx="0">
+            <a:schemeClr val="dk1"/>
+          </a:effectRef>
+          <a:fontRef idx="minor">
+            <a:schemeClr val="dk1"/>
+          </a:fontRef>
+        </p:style>
+        <p:txBody>
+          <a:bodyPr rtlCol="0" anchor="ctr"/>
+          <a:lstStyle/>
+          <a:p>
+            <a:pPr algn="ctr"/>
+            <a:endParaRPr lang="ko-KR" altLang="en-US"/>
+          </a:p>
+        </p:txBody>
+      </p:sp>
+      <p:sp>
+        <p:nvSpPr>
+          <p:cNvPr id="12" name="직사각형 11">
+            <a:extLst>
+              <a:ext uri="{FF2B5EF4-FFF2-40B4-BE49-F238E27FC236}">
+                <a16:creationId xmlns:a16="http://schemas.microsoft.com/office/drawing/2014/main" id="{716CAD16-EC45-4E18-9B16-299C2D057E7A}"/>
+              </a:ext>
+            </a:extLst>
+          </p:cNvPr>
+          <p:cNvSpPr/>
+          <p:nvPr/>
+        </p:nvSpPr>
+        <p:spPr>
+          <a:xfrm>
+            <a:off x="914399" y="4385147"/>
+            <a:ext cx="6363094" cy="303079"/>
+          </a:xfrm>
+          <a:prstGeom prst="rect">
+            <a:avLst/>
+          </a:prstGeom>
+          <a:noFill/>
+        </p:spPr>
+        <p:style>
+          <a:lnRef idx="2">
+            <a:schemeClr val="dk1"/>
+          </a:lnRef>
+          <a:fillRef idx="1">
+            <a:schemeClr val="lt1"/>
+          </a:fillRef>
+          <a:effectRef idx="0">
+            <a:schemeClr val="dk1"/>
+          </a:effectRef>
+          <a:fontRef idx="minor">
+            <a:schemeClr val="dk1"/>
+          </a:fontRef>
+        </p:style>
+        <p:txBody>
+          <a:bodyPr rtlCol="0" anchor="ctr"/>
+          <a:lstStyle/>
+          <a:p>
+            <a:pPr algn="ctr"/>
+            <a:r>
+              <a:rPr lang="en-US" altLang="ko-KR" dirty="0"/>
+              <a:t>Read </a:t>
+            </a:r>
+            <a:r>
+              <a:rPr lang="ko-KR" altLang="en-US" dirty="0"/>
+              <a:t>시 </a:t>
+            </a:r>
+            <a:r>
+              <a:rPr lang="en-US" altLang="ko-KR" dirty="0"/>
+              <a:t>data</a:t>
+            </a:r>
+            <a:r>
+              <a:rPr lang="ko-KR" altLang="en-US" dirty="0"/>
+              <a:t>를 함께 보내주면 </a:t>
+            </a:r>
+            <a:r>
+              <a:rPr lang="en-US" altLang="ko-KR" dirty="0"/>
+              <a:t>exception</a:t>
+            </a:r>
+            <a:endParaRPr lang="ko-KR" altLang="en-US" dirty="0"/>
+          </a:p>
+        </p:txBody>
+      </p:sp>
+      <p:pic>
+        <p:nvPicPr>
+          <p:cNvPr id="14" name="그림 13">
+            <a:extLst>
+              <a:ext uri="{FF2B5EF4-FFF2-40B4-BE49-F238E27FC236}">
+                <a16:creationId xmlns:a16="http://schemas.microsoft.com/office/drawing/2014/main" id="{188C5876-11A2-4E50-A0C9-699B4A4189A0}"/>
+              </a:ext>
+            </a:extLst>
+          </p:cNvPr>
+          <p:cNvPicPr>
+            <a:picLocks noChangeAspect="1"/>
+          </p:cNvPicPr>
+          <p:nvPr/>
+        </p:nvPicPr>
+        <p:blipFill>
+          <a:blip r:embed="rId3"/>
+          <a:stretch>
+            <a:fillRect/>
+          </a:stretch>
+        </p:blipFill>
+        <p:spPr>
+          <a:xfrm>
+            <a:off x="605980" y="4854329"/>
+            <a:ext cx="7267575" cy="1533525"/>
+          </a:xfrm>
+          <a:prstGeom prst="rect">
+            <a:avLst/>
+          </a:prstGeom>
+        </p:spPr>
+      </p:pic>
+      <p:sp>
+        <p:nvSpPr>
+          <p:cNvPr id="17" name="직사각형 16">
+            <a:extLst>
+              <a:ext uri="{FF2B5EF4-FFF2-40B4-BE49-F238E27FC236}">
+                <a16:creationId xmlns:a16="http://schemas.microsoft.com/office/drawing/2014/main" id="{A3D48CBB-B3DF-4435-AEE7-374896AE6976}"/>
+              </a:ext>
+            </a:extLst>
+          </p:cNvPr>
+          <p:cNvSpPr/>
+          <p:nvPr/>
+        </p:nvSpPr>
+        <p:spPr>
+          <a:xfrm>
+            <a:off x="963104" y="5844040"/>
+            <a:ext cx="6363094" cy="303079"/>
+          </a:xfrm>
+          <a:prstGeom prst="rect">
+            <a:avLst/>
+          </a:prstGeom>
+          <a:noFill/>
+        </p:spPr>
+        <p:style>
+          <a:lnRef idx="2">
+            <a:schemeClr val="dk1"/>
+          </a:lnRef>
+          <a:fillRef idx="1">
+            <a:schemeClr val="lt1"/>
+          </a:fillRef>
+          <a:effectRef idx="0">
+            <a:schemeClr val="dk1"/>
+          </a:effectRef>
+          <a:fontRef idx="minor">
+            <a:schemeClr val="dk1"/>
+          </a:fontRef>
+        </p:style>
+        <p:txBody>
+          <a:bodyPr rtlCol="0" anchor="ctr"/>
+          <a:lstStyle/>
+          <a:p>
+            <a:pPr algn="ctr"/>
+            <a:endParaRPr lang="ko-KR" altLang="en-US"/>
+          </a:p>
+        </p:txBody>
+      </p:sp>
+      <p:sp>
+        <p:nvSpPr>
+          <p:cNvPr id="18" name="직사각형 17">
+            <a:extLst>
+              <a:ext uri="{FF2B5EF4-FFF2-40B4-BE49-F238E27FC236}">
+                <a16:creationId xmlns:a16="http://schemas.microsoft.com/office/drawing/2014/main" id="{7FC1F054-AA0A-4256-A537-4DE6408A824C}"/>
+              </a:ext>
+            </a:extLst>
+          </p:cNvPr>
+          <p:cNvSpPr/>
+          <p:nvPr/>
+        </p:nvSpPr>
+        <p:spPr>
+          <a:xfrm>
+            <a:off x="963104" y="6130677"/>
+            <a:ext cx="6363094" cy="303079"/>
+          </a:xfrm>
+          <a:prstGeom prst="rect">
+            <a:avLst/>
+          </a:prstGeom>
+          <a:noFill/>
+        </p:spPr>
+        <p:style>
+          <a:lnRef idx="2">
+            <a:schemeClr val="dk1"/>
+          </a:lnRef>
+          <a:fillRef idx="1">
+            <a:schemeClr val="lt1"/>
+          </a:fillRef>
+          <a:effectRef idx="0">
+            <a:schemeClr val="dk1"/>
+          </a:effectRef>
+          <a:fontRef idx="minor">
+            <a:schemeClr val="dk1"/>
+          </a:fontRef>
+        </p:style>
+        <p:txBody>
+          <a:bodyPr rtlCol="0" anchor="ctr"/>
+          <a:lstStyle/>
+          <a:p>
+            <a:pPr algn="ctr"/>
+            <a:r>
+              <a:rPr lang="en-US" altLang="ko-KR" dirty="0"/>
+              <a:t>Read, Write, Ease, Flush</a:t>
+            </a:r>
+            <a:r>
+              <a:rPr lang="ko-KR" altLang="en-US" dirty="0"/>
+              <a:t>를 제외한 다른 </a:t>
+            </a:r>
+            <a:r>
+              <a:rPr lang="en-US" altLang="ko-KR" dirty="0"/>
+              <a:t>opcode </a:t>
+            </a:r>
+            <a:r>
+              <a:rPr lang="ko-KR" altLang="en-US" dirty="0" err="1"/>
+              <a:t>수행시</a:t>
+            </a:r>
+            <a:r>
+              <a:rPr lang="ko-KR" altLang="en-US" dirty="0"/>
+              <a:t> </a:t>
+            </a:r>
+            <a:r>
+              <a:rPr lang="en-US" altLang="ko-KR" dirty="0" err="1"/>
+              <a:t>nullptr</a:t>
+            </a:r>
+            <a:r>
+              <a:rPr lang="en-US" altLang="ko-KR" dirty="0"/>
+              <a:t> error check</a:t>
+            </a:r>
+            <a:endParaRPr lang="ko-KR" altLang="en-US" dirty="0"/>
+          </a:p>
+        </p:txBody>
+      </p:sp>
+    </p:spTree>
+    <p:extLst>
+      <p:ext uri="{BB962C8B-B14F-4D97-AF65-F5344CB8AC3E}">
+        <p14:creationId xmlns:p14="http://schemas.microsoft.com/office/powerpoint/2010/main" val="3630513172"/>
+      </p:ext>
+    </p:extLst>
+  </p:cSld>
+  <p:clrMapOvr>
+    <a:masterClrMapping/>
+  </p:clrMapOvr>
+</p:sld>
+</file>
+
+<file path=ppt/slides/slide7.xml><?xml version="1.0" encoding="utf-8"?>
+<p:sld xmlns:a="http://schemas.openxmlformats.org/drawingml/2006/main" xmlns:r="http://schemas.openxmlformats.org/officeDocument/2006/relationships" xmlns:p="http://schemas.openxmlformats.org/presentationml/2006/main">
+  <p:cSld>
+    <p:spTree>
+      <p:nvGrpSpPr>
+        <p:cNvPr id="1" name=""/>
+        <p:cNvGrpSpPr/>
+        <p:nvPr/>
+      </p:nvGrpSpPr>
+      <p:grpSpPr>
+        <a:xfrm>
+          <a:off x="0" y="0"/>
+          <a:ext cx="0" cy="0"/>
+          <a:chOff x="0" y="0"/>
+          <a:chExt cx="0" cy="0"/>
+        </a:xfrm>
+      </p:grpSpPr>
+      <p:pic>
+        <p:nvPicPr>
+          <p:cNvPr id="5" name="그림 4">
+            <a:extLst>
+              <a:ext uri="{FF2B5EF4-FFF2-40B4-BE49-F238E27FC236}">
+                <a16:creationId xmlns:a16="http://schemas.microsoft.com/office/drawing/2014/main" id="{3BAF5801-E412-4075-AAEC-B0474D1FF8DB}"/>
+              </a:ext>
+            </a:extLst>
+          </p:cNvPr>
+          <p:cNvPicPr>
+            <a:picLocks noChangeAspect="1"/>
+          </p:cNvPicPr>
+          <p:nvPr/>
+        </p:nvPicPr>
+        <p:blipFill>
+          <a:blip r:embed="rId2"/>
+          <a:stretch>
+            <a:fillRect/>
+          </a:stretch>
+        </p:blipFill>
+        <p:spPr>
+          <a:xfrm>
+            <a:off x="605980" y="1125485"/>
+            <a:ext cx="6972300" cy="2324100"/>
+          </a:xfrm>
+          <a:prstGeom prst="rect">
+            <a:avLst/>
+          </a:prstGeom>
+        </p:spPr>
+      </p:pic>
+      <p:sp>
+        <p:nvSpPr>
+          <p:cNvPr id="17" name="직사각형 16">
+            <a:extLst>
+              <a:ext uri="{FF2B5EF4-FFF2-40B4-BE49-F238E27FC236}">
+                <a16:creationId xmlns:a16="http://schemas.microsoft.com/office/drawing/2014/main" id="{B8204BBE-FE67-4C0D-B1F7-0A09F1AED2AF}"/>
+              </a:ext>
+            </a:extLst>
+          </p:cNvPr>
+          <p:cNvSpPr/>
+          <p:nvPr/>
+        </p:nvSpPr>
+        <p:spPr>
+          <a:xfrm>
+            <a:off x="405353" y="1103423"/>
+            <a:ext cx="7381188" cy="2324100"/>
+          </a:xfrm>
+          <a:prstGeom prst="rect">
+            <a:avLst/>
+          </a:prstGeom>
+          <a:solidFill>
+            <a:schemeClr val="bg1">
+              <a:lumMod val="85000"/>
+              <a:alpha val="50000"/>
+            </a:schemeClr>
+          </a:solidFill>
+          <a:ln>
+            <a:noFill/>
+          </a:ln>
+        </p:spPr>
+        <p:style>
+          <a:lnRef idx="0">
+            <a:scrgbClr r="0" g="0" b="0"/>
+          </a:lnRef>
+          <a:fillRef idx="0">
+            <a:scrgbClr r="0" g="0" b="0"/>
+          </a:fillRef>
+          <a:effectRef idx="0">
+            <a:scrgbClr r="0" g="0" b="0"/>
+          </a:effectRef>
+          <a:fontRef idx="minor">
+            <a:schemeClr val="lt1"/>
+          </a:fontRef>
+        </p:style>
+        <p:txBody>
+          <a:bodyPr rtlCol="0" anchor="ctr"/>
+          <a:lstStyle/>
+          <a:p>
+            <a:pPr algn="ctr"/>
+            <a:endParaRPr lang="ko-KR" altLang="en-US"/>
+          </a:p>
+        </p:txBody>
+      </p:sp>
+      <p:sp>
+        <p:nvSpPr>
+          <p:cNvPr id="2" name="제목 1">
+            <a:extLst>
+              <a:ext uri="{FF2B5EF4-FFF2-40B4-BE49-F238E27FC236}">
                 <a16:creationId xmlns:a16="http://schemas.microsoft.com/office/drawing/2014/main" id="{FCE7D263-3C4C-439E-80C3-B2EE4F48B422}"/>
               </a:ext>
             </a:extLst>
@@ -5908,28 +7280,478 @@
           </a:p>
         </p:txBody>
       </p:sp>
-      <p:sp>
-        <p:nvSpPr>
-          <p:cNvPr id="3" name="텍스트 개체 틀 2">
+      <p:pic>
+        <p:nvPicPr>
+          <p:cNvPr id="7" name="그림 6">
             <a:extLst>
               <a:ext uri="{FF2B5EF4-FFF2-40B4-BE49-F238E27FC236}">
-                <a16:creationId xmlns:a16="http://schemas.microsoft.com/office/drawing/2014/main" id="{C208907B-283C-429F-827C-F2F2018A5693}"/>
+                <a16:creationId xmlns:a16="http://schemas.microsoft.com/office/drawing/2014/main" id="{8CDADB71-3434-4F3D-9DBD-DA96963DE51E}"/>
               </a:ext>
             </a:extLst>
           </p:cNvPr>
-          <p:cNvSpPr>
-            <a:spLocks noGrp="1"/>
-          </p:cNvSpPr>
-          <p:nvPr>
-            <p:ph type="body" idx="1"/>
-          </p:nvPr>
+          <p:cNvPicPr>
+            <a:picLocks noChangeAspect="1"/>
+          </p:cNvPicPr>
+          <p:nvPr/>
+        </p:nvPicPr>
+        <p:blipFill>
+          <a:blip r:embed="rId3"/>
+          <a:stretch>
+            <a:fillRect/>
+          </a:stretch>
+        </p:blipFill>
+        <p:spPr>
+          <a:xfrm>
+            <a:off x="605980" y="3498223"/>
+            <a:ext cx="5114925" cy="2590800"/>
+          </a:xfrm>
+          <a:prstGeom prst="rect">
+            <a:avLst/>
+          </a:prstGeom>
+        </p:spPr>
+      </p:pic>
+      <p:pic>
+        <p:nvPicPr>
+          <p:cNvPr id="9" name="그림 8">
+            <a:extLst>
+              <a:ext uri="{FF2B5EF4-FFF2-40B4-BE49-F238E27FC236}">
+                <a16:creationId xmlns:a16="http://schemas.microsoft.com/office/drawing/2014/main" id="{DDD69C0C-D9B6-428A-8D0C-5AFB9AB31241}"/>
+              </a:ext>
+            </a:extLst>
+          </p:cNvPr>
+          <p:cNvPicPr>
+            <a:picLocks noChangeAspect="1"/>
+          </p:cNvPicPr>
+          <p:nvPr/>
+        </p:nvPicPr>
+        <p:blipFill>
+          <a:blip r:embed="rId4"/>
+          <a:stretch>
+            <a:fillRect/>
+          </a:stretch>
+        </p:blipFill>
+        <p:spPr>
+          <a:xfrm>
+            <a:off x="5720905" y="3449585"/>
+            <a:ext cx="4200525" cy="3057525"/>
+          </a:xfrm>
+          <a:prstGeom prst="rect">
+            <a:avLst/>
+          </a:prstGeom>
+        </p:spPr>
+      </p:pic>
+      <p:sp>
+        <p:nvSpPr>
+          <p:cNvPr id="10" name="직사각형 9">
+            <a:extLst>
+              <a:ext uri="{FF2B5EF4-FFF2-40B4-BE49-F238E27FC236}">
+                <a16:creationId xmlns:a16="http://schemas.microsoft.com/office/drawing/2014/main" id="{936E7CD7-14E6-4D14-98FE-4AD1939E2AA6}"/>
+              </a:ext>
+            </a:extLst>
+          </p:cNvPr>
+          <p:cNvSpPr/>
+          <p:nvPr/>
         </p:nvSpPr>
-        <p:spPr/>
+        <p:spPr>
+          <a:xfrm>
+            <a:off x="678729" y="5965744"/>
+            <a:ext cx="4977354" cy="527258"/>
+          </a:xfrm>
+          <a:prstGeom prst="rect">
+            <a:avLst/>
+          </a:prstGeom>
+          <a:noFill/>
+        </p:spPr>
+        <p:style>
+          <a:lnRef idx="2">
+            <a:schemeClr val="dk1"/>
+          </a:lnRef>
+          <a:fillRef idx="1">
+            <a:schemeClr val="lt1"/>
+          </a:fillRef>
+          <a:effectRef idx="0">
+            <a:schemeClr val="dk1"/>
+          </a:effectRef>
+          <a:fontRef idx="minor">
+            <a:schemeClr val="dk1"/>
+          </a:fontRef>
+        </p:style>
         <p:txBody>
-          <a:bodyPr/>
+          <a:bodyPr rtlCol="0" anchor="ctr"/>
           <a:lstStyle/>
           <a:p>
+            <a:pPr algn="ctr"/>
+            <a:r>
+              <a:rPr lang="en-US" altLang="ko-KR" dirty="0"/>
+              <a:t>Write</a:t>
+            </a:r>
+            <a:r>
+              <a:rPr lang="ko-KR" altLang="en-US" dirty="0"/>
+              <a:t>시 실제 </a:t>
+            </a:r>
+            <a:r>
+              <a:rPr lang="en-US" altLang="ko-KR" dirty="0" err="1"/>
+              <a:t>retur</a:t>
+            </a:r>
+            <a:r>
+              <a:rPr lang="ko-KR" altLang="en-US" dirty="0"/>
+              <a:t>되는 </a:t>
+            </a:r>
+            <a:r>
+              <a:rPr lang="en-US" altLang="ko-KR" dirty="0"/>
+              <a:t>data</a:t>
+            </a:r>
+            <a:r>
+              <a:rPr lang="ko-KR" altLang="en-US" dirty="0"/>
+              <a:t>는 없으므로 </a:t>
+            </a:r>
+            <a:r>
+              <a:rPr lang="en-US" altLang="ko-KR" dirty="0"/>
+              <a:t>expect call</a:t>
+            </a:r>
+            <a:r>
+              <a:rPr lang="ko-KR" altLang="en-US" dirty="0"/>
+              <a:t>이 됐는지 </a:t>
+            </a:r>
+            <a:r>
+              <a:rPr lang="en-US" altLang="ko-KR" dirty="0"/>
+              <a:t>mocking</a:t>
+            </a:r>
+            <a:r>
+              <a:rPr lang="ko-KR" altLang="en-US" dirty="0"/>
+              <a:t>을 통한 확인</a:t>
+            </a:r>
+          </a:p>
+        </p:txBody>
+      </p:sp>
+      <p:sp>
+        <p:nvSpPr>
+          <p:cNvPr id="12" name="직사각형 11">
+            <a:extLst>
+              <a:ext uri="{FF2B5EF4-FFF2-40B4-BE49-F238E27FC236}">
+                <a16:creationId xmlns:a16="http://schemas.microsoft.com/office/drawing/2014/main" id="{DF2BC9FC-250A-4D9D-8753-3987322683F1}"/>
+              </a:ext>
+            </a:extLst>
+          </p:cNvPr>
+          <p:cNvSpPr/>
+          <p:nvPr/>
+        </p:nvSpPr>
+        <p:spPr>
+          <a:xfrm>
+            <a:off x="953678" y="2865901"/>
+            <a:ext cx="6363094" cy="303079"/>
+          </a:xfrm>
+          <a:prstGeom prst="rect">
+            <a:avLst/>
+          </a:prstGeom>
+          <a:noFill/>
+        </p:spPr>
+        <p:style>
+          <a:lnRef idx="2">
+            <a:schemeClr val="dk1"/>
+          </a:lnRef>
+          <a:fillRef idx="1">
+            <a:schemeClr val="lt1"/>
+          </a:fillRef>
+          <a:effectRef idx="0">
+            <a:schemeClr val="dk1"/>
+          </a:effectRef>
+          <a:fontRef idx="minor">
+            <a:schemeClr val="dk1"/>
+          </a:fontRef>
+        </p:style>
+        <p:txBody>
+          <a:bodyPr rtlCol="0" anchor="ctr"/>
+          <a:lstStyle/>
+          <a:p>
+            <a:pPr algn="ctr"/>
             <a:endParaRPr lang="ko-KR" altLang="en-US"/>
+          </a:p>
+        </p:txBody>
+      </p:sp>
+      <p:sp>
+        <p:nvSpPr>
+          <p:cNvPr id="13" name="직사각형 12">
+            <a:extLst>
+              <a:ext uri="{FF2B5EF4-FFF2-40B4-BE49-F238E27FC236}">
+                <a16:creationId xmlns:a16="http://schemas.microsoft.com/office/drawing/2014/main" id="{EFE7C03C-8A20-4CD5-8A4C-A7CE1562D2AC}"/>
+              </a:ext>
+            </a:extLst>
+          </p:cNvPr>
+          <p:cNvSpPr/>
+          <p:nvPr/>
+        </p:nvSpPr>
+        <p:spPr>
+          <a:xfrm>
+            <a:off x="1000809" y="4760686"/>
+            <a:ext cx="4626993" cy="573550"/>
+          </a:xfrm>
+          <a:prstGeom prst="rect">
+            <a:avLst/>
+          </a:prstGeom>
+          <a:noFill/>
+        </p:spPr>
+        <p:style>
+          <a:lnRef idx="2">
+            <a:schemeClr val="dk1"/>
+          </a:lnRef>
+          <a:fillRef idx="1">
+            <a:schemeClr val="lt1"/>
+          </a:fillRef>
+          <a:effectRef idx="0">
+            <a:schemeClr val="dk1"/>
+          </a:effectRef>
+          <a:fontRef idx="minor">
+            <a:schemeClr val="dk1"/>
+          </a:fontRef>
+        </p:style>
+        <p:txBody>
+          <a:bodyPr rtlCol="0" anchor="ctr"/>
+          <a:lstStyle/>
+          <a:p>
+            <a:pPr algn="ctr"/>
+            <a:endParaRPr lang="ko-KR" altLang="en-US"/>
+          </a:p>
+        </p:txBody>
+      </p:sp>
+      <p:sp>
+        <p:nvSpPr>
+          <p:cNvPr id="14" name="직사각형 13">
+            <a:extLst>
+              <a:ext uri="{FF2B5EF4-FFF2-40B4-BE49-F238E27FC236}">
+                <a16:creationId xmlns:a16="http://schemas.microsoft.com/office/drawing/2014/main" id="{3AE5A671-2B15-477B-9EBF-04B2DEDBB72F}"/>
+              </a:ext>
+            </a:extLst>
+          </p:cNvPr>
+          <p:cNvSpPr/>
+          <p:nvPr/>
+        </p:nvSpPr>
+        <p:spPr>
+          <a:xfrm>
+            <a:off x="5942027" y="5252451"/>
+            <a:ext cx="3979403" cy="573550"/>
+          </a:xfrm>
+          <a:prstGeom prst="rect">
+            <a:avLst/>
+          </a:prstGeom>
+          <a:noFill/>
+        </p:spPr>
+        <p:style>
+          <a:lnRef idx="2">
+            <a:schemeClr val="dk1"/>
+          </a:lnRef>
+          <a:fillRef idx="1">
+            <a:schemeClr val="lt1"/>
+          </a:fillRef>
+          <a:effectRef idx="0">
+            <a:schemeClr val="dk1"/>
+          </a:effectRef>
+          <a:fontRef idx="minor">
+            <a:schemeClr val="dk1"/>
+          </a:fontRef>
+        </p:style>
+        <p:txBody>
+          <a:bodyPr rtlCol="0" anchor="ctr"/>
+          <a:lstStyle/>
+          <a:p>
+            <a:pPr algn="ctr"/>
+            <a:endParaRPr lang="ko-KR" altLang="en-US"/>
+          </a:p>
+        </p:txBody>
+      </p:sp>
+      <p:sp>
+        <p:nvSpPr>
+          <p:cNvPr id="16" name="직사각형 15">
+            <a:extLst>
+              <a:ext uri="{FF2B5EF4-FFF2-40B4-BE49-F238E27FC236}">
+                <a16:creationId xmlns:a16="http://schemas.microsoft.com/office/drawing/2014/main" id="{5604F653-4E96-4015-A8C2-A9E730DD3C40}"/>
+              </a:ext>
+            </a:extLst>
+          </p:cNvPr>
+          <p:cNvSpPr/>
+          <p:nvPr/>
+        </p:nvSpPr>
+        <p:spPr>
+          <a:xfrm>
+            <a:off x="5902750" y="6229154"/>
+            <a:ext cx="5645564" cy="378539"/>
+          </a:xfrm>
+          <a:prstGeom prst="rect">
+            <a:avLst/>
+          </a:prstGeom>
+          <a:noFill/>
+        </p:spPr>
+        <p:style>
+          <a:lnRef idx="2">
+            <a:schemeClr val="dk1"/>
+          </a:lnRef>
+          <a:fillRef idx="1">
+            <a:schemeClr val="lt1"/>
+          </a:fillRef>
+          <a:effectRef idx="0">
+            <a:schemeClr val="dk1"/>
+          </a:effectRef>
+          <a:fontRef idx="minor">
+            <a:schemeClr val="dk1"/>
+          </a:fontRef>
+        </p:style>
+        <p:txBody>
+          <a:bodyPr rtlCol="0" anchor="ctr"/>
+          <a:lstStyle/>
+          <a:p>
+            <a:pPr algn="ctr"/>
+            <a:r>
+              <a:rPr lang="en-US" altLang="ko-KR" dirty="0"/>
+              <a:t>Read data</a:t>
+            </a:r>
+            <a:r>
+              <a:rPr lang="ko-KR" altLang="en-US" dirty="0"/>
+              <a:t>는 </a:t>
+            </a:r>
+            <a:r>
+              <a:rPr lang="en-US" altLang="ko-KR" dirty="0"/>
+              <a:t>result.txt</a:t>
+            </a:r>
+            <a:r>
+              <a:rPr lang="ko-KR" altLang="en-US" dirty="0"/>
+              <a:t>에 저장되므로 </a:t>
+            </a:r>
+            <a:r>
+              <a:rPr lang="en-US" altLang="ko-KR" dirty="0"/>
+              <a:t>mocking</a:t>
+            </a:r>
+            <a:r>
+              <a:rPr lang="ko-KR" altLang="en-US" dirty="0"/>
+              <a:t>을 통한 호출 확인</a:t>
+            </a:r>
+          </a:p>
+        </p:txBody>
+      </p:sp>
+      <p:sp>
+        <p:nvSpPr>
+          <p:cNvPr id="18" name="직사각형 17">
+            <a:extLst>
+              <a:ext uri="{FF2B5EF4-FFF2-40B4-BE49-F238E27FC236}">
+                <a16:creationId xmlns:a16="http://schemas.microsoft.com/office/drawing/2014/main" id="{38BF006B-8D9B-4AF5-83D7-FAB755323480}"/>
+              </a:ext>
+            </a:extLst>
+          </p:cNvPr>
+          <p:cNvSpPr/>
+          <p:nvPr/>
+        </p:nvSpPr>
+        <p:spPr>
+          <a:xfrm>
+            <a:off x="955250" y="1613706"/>
+            <a:ext cx="6363094" cy="303079"/>
+          </a:xfrm>
+          <a:prstGeom prst="rect">
+            <a:avLst/>
+          </a:prstGeom>
+          <a:noFill/>
+        </p:spPr>
+        <p:style>
+          <a:lnRef idx="2">
+            <a:schemeClr val="dk1"/>
+          </a:lnRef>
+          <a:fillRef idx="1">
+            <a:schemeClr val="lt1"/>
+          </a:fillRef>
+          <a:effectRef idx="0">
+            <a:schemeClr val="dk1"/>
+          </a:effectRef>
+          <a:fontRef idx="minor">
+            <a:schemeClr val="dk1"/>
+          </a:fontRef>
+        </p:style>
+        <p:txBody>
+          <a:bodyPr rtlCol="0" anchor="ctr"/>
+          <a:lstStyle/>
+          <a:p>
+            <a:pPr algn="ctr"/>
+            <a:endParaRPr lang="ko-KR" altLang="en-US"/>
+          </a:p>
+        </p:txBody>
+      </p:sp>
+      <p:sp>
+        <p:nvSpPr>
+          <p:cNvPr id="19" name="왼쪽 중괄호 18">
+            <a:extLst>
+              <a:ext uri="{FF2B5EF4-FFF2-40B4-BE49-F238E27FC236}">
+                <a16:creationId xmlns:a16="http://schemas.microsoft.com/office/drawing/2014/main" id="{DAF7CFE1-2334-4FE9-B404-CF2180440E63}"/>
+              </a:ext>
+            </a:extLst>
+          </p:cNvPr>
+          <p:cNvSpPr/>
+          <p:nvPr/>
+        </p:nvSpPr>
+        <p:spPr>
+          <a:xfrm>
+            <a:off x="7816392" y="1247378"/>
+            <a:ext cx="867266" cy="2036190"/>
+          </a:xfrm>
+          <a:prstGeom prst="leftBrace">
+            <a:avLst/>
+          </a:prstGeom>
+        </p:spPr>
+        <p:style>
+          <a:lnRef idx="3">
+            <a:schemeClr val="accent1"/>
+          </a:lnRef>
+          <a:fillRef idx="0">
+            <a:schemeClr val="accent1"/>
+          </a:fillRef>
+          <a:effectRef idx="2">
+            <a:schemeClr val="accent1"/>
+          </a:effectRef>
+          <a:fontRef idx="minor">
+            <a:schemeClr val="tx1"/>
+          </a:fontRef>
+        </p:style>
+        <p:txBody>
+          <a:bodyPr rtlCol="0" anchor="ctr"/>
+          <a:lstStyle/>
+          <a:p>
+            <a:pPr algn="ctr"/>
+            <a:endParaRPr lang="ko-KR" altLang="en-US"/>
+          </a:p>
+        </p:txBody>
+      </p:sp>
+      <p:sp>
+        <p:nvSpPr>
+          <p:cNvPr id="20" name="TextBox 19">
+            <a:extLst>
+              <a:ext uri="{FF2B5EF4-FFF2-40B4-BE49-F238E27FC236}">
+                <a16:creationId xmlns:a16="http://schemas.microsoft.com/office/drawing/2014/main" id="{FDA165AF-898E-436C-8B7E-0479EAC84866}"/>
+              </a:ext>
+            </a:extLst>
+          </p:cNvPr>
+          <p:cNvSpPr txBox="1"/>
+          <p:nvPr/>
+        </p:nvSpPr>
+        <p:spPr>
+          <a:xfrm>
+            <a:off x="8408709" y="2156210"/>
+            <a:ext cx="1668544" cy="307777"/>
+          </a:xfrm>
+          <a:prstGeom prst="rect">
+            <a:avLst/>
+          </a:prstGeom>
+          <a:noFill/>
+        </p:spPr>
+        <p:txBody>
+          <a:bodyPr wrap="square" rtlCol="0">
+            <a:spAutoFit/>
+          </a:bodyPr>
+          <a:lstStyle/>
+          <a:p>
+            <a:r>
+              <a:rPr lang="en-US" altLang="ko-KR" dirty="0"/>
+              <a:t>Mocking </a:t>
+            </a:r>
+            <a:r>
+              <a:rPr lang="ko-KR" altLang="en-US" dirty="0"/>
+              <a:t>함수</a:t>
+            </a:r>
           </a:p>
         </p:txBody>
       </p:sp>
@@ -5946,7 +7768,7 @@
 </p:sld>
 </file>
 
-<file path=ppt/slides/slide7.xml><?xml version="1.0" encoding="utf-8"?>
+<file path=ppt/slides/slide8.xml><?xml version="1.0" encoding="utf-8"?>
 <p:sld xmlns:a="http://schemas.openxmlformats.org/drawingml/2006/main" xmlns:r="http://schemas.openxmlformats.org/officeDocument/2006/relationships" xmlns:p="http://schemas.openxmlformats.org/presentationml/2006/main">
   <p:cSld>
     <p:spTree>
@@ -6036,7 +7858,7 @@
 </p:sld>
 </file>
 
-<file path=ppt/slides/slide8.xml><?xml version="1.0" encoding="utf-8"?>
+<file path=ppt/slides/slide9.xml><?xml version="1.0" encoding="utf-8"?>
 <p:sld xmlns:a="http://schemas.openxmlformats.org/drawingml/2006/main" xmlns:r="http://schemas.openxmlformats.org/officeDocument/2006/relationships" xmlns:p="http://schemas.openxmlformats.org/presentationml/2006/main">
   <p:cSld>
     <p:spTree>
@@ -6177,119 +7999,6 @@
         </p:txBody>
       </p:sp>
     </p:spTree>
-  </p:cSld>
-  <p:clrMapOvr>
-    <a:masterClrMapping/>
-  </p:clrMapOvr>
-</p:sld>
-</file>
-
-<file path=ppt/slides/slide9.xml><?xml version="1.0" encoding="utf-8"?>
-<p:sld xmlns:a="http://schemas.openxmlformats.org/drawingml/2006/main" xmlns:r="http://schemas.openxmlformats.org/officeDocument/2006/relationships" xmlns:p="http://schemas.openxmlformats.org/presentationml/2006/main">
-  <p:cSld>
-    <p:spTree>
-      <p:nvGrpSpPr>
-        <p:cNvPr id="1" name=""/>
-        <p:cNvGrpSpPr/>
-        <p:nvPr/>
-      </p:nvGrpSpPr>
-      <p:grpSpPr>
-        <a:xfrm>
-          <a:off x="0" y="0"/>
-          <a:ext cx="0" cy="0"/>
-          <a:chOff x="0" y="0"/>
-          <a:chExt cx="0" cy="0"/>
-        </a:xfrm>
-      </p:grpSpPr>
-      <p:sp>
-        <p:nvSpPr>
-          <p:cNvPr id="2" name="제목 1">
-            <a:extLst>
-              <a:ext uri="{FF2B5EF4-FFF2-40B4-BE49-F238E27FC236}">
-                <a16:creationId xmlns:a16="http://schemas.microsoft.com/office/drawing/2014/main" id="{B775D6FF-C6D6-40BC-86EF-11BCF98147DD}"/>
-              </a:ext>
-            </a:extLst>
-          </p:cNvPr>
-          <p:cNvSpPr>
-            <a:spLocks noGrp="1"/>
-          </p:cNvSpPr>
-          <p:nvPr>
-            <p:ph type="title"/>
-          </p:nvPr>
-        </p:nvSpPr>
-        <p:spPr/>
-        <p:txBody>
-          <a:bodyPr>
-            <a:normAutofit fontScale="90000"/>
-          </a:bodyPr>
-          <a:lstStyle/>
-          <a:p>
-            <a:r>
-              <a:rPr lang="en-US" altLang="ko-KR" dirty="0"/>
-              <a:t>OOP Level</a:t>
-            </a:r>
-            <a:r>
-              <a:rPr lang="ko-KR" altLang="en-US" dirty="0"/>
-              <a:t>의 </a:t>
-            </a:r>
-            <a:r>
-              <a:rPr lang="ko-KR" altLang="en-US" dirty="0" err="1"/>
-              <a:t>리팩토링</a:t>
-            </a:r>
-            <a:r>
-              <a:rPr lang="en-US" altLang="ko-KR" dirty="0"/>
-              <a:t> –</a:t>
-            </a:r>
-            <a:r>
-              <a:rPr lang="ko-KR" altLang="en-US" dirty="0"/>
-              <a:t> </a:t>
-            </a:r>
-            <a:r>
-              <a:rPr lang="en-US" altLang="ko-KR" sz="3100" dirty="0" err="1"/>
-              <a:t>CommandHandlerFactory</a:t>
-            </a:r>
-            <a:endParaRPr lang="ko-KR" altLang="en-US" dirty="0"/>
-          </a:p>
-        </p:txBody>
-      </p:sp>
-      <p:sp>
-        <p:nvSpPr>
-          <p:cNvPr id="3" name="텍스트 개체 틀 2">
-            <a:extLst>
-              <a:ext uri="{FF2B5EF4-FFF2-40B4-BE49-F238E27FC236}">
-                <a16:creationId xmlns:a16="http://schemas.microsoft.com/office/drawing/2014/main" id="{5DFD70C0-00DC-474A-99DD-06B487A2AC72}"/>
-              </a:ext>
-            </a:extLst>
-          </p:cNvPr>
-          <p:cNvSpPr>
-            <a:spLocks noGrp="1"/>
-          </p:cNvSpPr>
-          <p:nvPr>
-            <p:ph type="body" idx="1"/>
-          </p:nvPr>
-        </p:nvSpPr>
-        <p:spPr/>
-        <p:txBody>
-          <a:bodyPr/>
-          <a:lstStyle/>
-          <a:p>
-            <a:r>
-              <a:rPr lang="en-US" altLang="ko-KR" dirty="0"/>
-              <a:t>Factory Pattern </a:t>
-            </a:r>
-            <a:r>
-              <a:rPr lang="ko-KR" altLang="en-US" dirty="0"/>
-              <a:t>적용</a:t>
-            </a:r>
-          </a:p>
-        </p:txBody>
-      </p:sp>
-    </p:spTree>
-    <p:extLst>
-      <p:ext uri="{BB962C8B-B14F-4D97-AF65-F5344CB8AC3E}">
-        <p14:creationId xmlns:p14="http://schemas.microsoft.com/office/powerpoint/2010/main" val="573894847"/>
-      </p:ext>
-    </p:extLst>
   </p:cSld>
   <p:clrMapOvr>
     <a:masterClrMapping/>

--- a/발표양식.pptx
+++ b/발표양식.pptx
@@ -256,7 +256,7 @@
       <p15:sldGuideLst xmlns:p15="http://schemas.microsoft.com/office/powerpoint/2012/main"/>
     </p:ext>
     <p:ext uri="GoogleSlidesCustomDataVersion2">
-      <go:slidesCustomData xmlns="" xmlns:mc="http://schemas.openxmlformats.org/markup-compatibility/2006" xmlns:mv="urn:schemas-microsoft-com:mac:vml" xmlns:c="http://schemas.openxmlformats.org/drawingml/2006/chart" xmlns:dgm="http://schemas.openxmlformats.org/drawingml/2006/diagram" xmlns:o="urn:schemas-microsoft-com:office:office" xmlns:v="urn:schemas-microsoft-com:vml" xmlns:pvml="urn:schemas-microsoft-com:office:powerpoint" xmlns:com="http://schemas.openxmlformats.org/drawingml/2006/compatibility" xmlns:p14="http://schemas.microsoft.com/office/powerpoint/2010/main" xmlns:p15="http://schemas.microsoft.com/office/powerpoint/2012/main" xmlns:ahyp="http://schemas.microsoft.com/office/drawing/2018/hyperlinkcolor" xmlns:go="http://customooxmlschemas.google.com/" r:id="rId14" roundtripDataSignature="AMtx7mj5GdbxsaFl02bTEFBl/9s84/Z/Bw=="/>
+      <go:slidesCustomData xmlns:go="http://customooxmlschemas.google.com/" xmlns:ahyp="http://schemas.microsoft.com/office/drawing/2018/hyperlinkcolor" xmlns:p15="http://schemas.microsoft.com/office/powerpoint/2012/main" xmlns:p14="http://schemas.microsoft.com/office/powerpoint/2010/main" xmlns:com="http://schemas.openxmlformats.org/drawingml/2006/compatibility" xmlns:pvml="urn:schemas-microsoft-com:office:powerpoint" xmlns:v="urn:schemas-microsoft-com:vml" xmlns:o="urn:schemas-microsoft-com:office:office" xmlns:dgm="http://schemas.openxmlformats.org/drawingml/2006/diagram" xmlns:c="http://schemas.openxmlformats.org/drawingml/2006/chart" xmlns:mv="urn:schemas-microsoft-com:mac:vml" xmlns:mc="http://schemas.openxmlformats.org/markup-compatibility/2006" xmlns="" r:id="rId14" roundtripDataSignature="AMtx7mj5GdbxsaFl02bTEFBl/9s84/Z/Bw=="/>
     </p:ext>
   </p:extLst>
 </p:presentation>
@@ -6205,49 +6205,32 @@
       </p:sp>
       <p:pic>
         <p:nvPicPr>
-          <p:cNvPr id="2050" name="Picture 2">
+          <p:cNvPr id="4" name="그림 3">
             <a:extLst>
               <a:ext uri="{FF2B5EF4-FFF2-40B4-BE49-F238E27FC236}">
-                <a16:creationId xmlns:a16="http://schemas.microsoft.com/office/drawing/2014/main" id="{2959BB15-7151-46F1-952E-1B09FBC38E78}"/>
+                <a16:creationId xmlns:a16="http://schemas.microsoft.com/office/drawing/2014/main" id="{0911EA85-717E-4AC2-B0B4-AEFF04C54EF7}"/>
               </a:ext>
             </a:extLst>
           </p:cNvPr>
           <p:cNvPicPr>
-            <a:picLocks noChangeAspect="1" noChangeArrowheads="1"/>
+            <a:picLocks noChangeAspect="1"/>
           </p:cNvPicPr>
           <p:nvPr/>
         </p:nvPicPr>
         <p:blipFill>
-          <a:blip r:embed="rId2">
-            <a:extLst>
-              <a:ext uri="{28A0092B-C50C-407E-A947-70E740481C1C}">
-                <a14:useLocalDpi xmlns:a14="http://schemas.microsoft.com/office/drawing/2010/main" val="0"/>
-              </a:ext>
-            </a:extLst>
-          </a:blip>
-          <a:srcRect/>
+          <a:blip r:embed="rId2"/>
           <a:stretch>
             <a:fillRect/>
           </a:stretch>
         </p:blipFill>
-        <p:spPr bwMode="auto">
+        <p:spPr>
           <a:xfrm>
-            <a:off x="256488" y="2045967"/>
-            <a:ext cx="11679024" cy="4501890"/>
+            <a:off x="101503" y="1931972"/>
+            <a:ext cx="11988993" cy="4615885"/>
           </a:xfrm>
           <a:prstGeom prst="rect">
             <a:avLst/>
           </a:prstGeom>
-          <a:noFill/>
-          <a:extLst>
-            <a:ext uri="{909E8E84-426E-40DD-AFC4-6F175D3DCCD1}">
-              <a14:hiddenFill xmlns:a14="http://schemas.microsoft.com/office/drawing/2010/main">
-                <a:solidFill>
-                  <a:srgbClr val="FFFFFF"/>
-                </a:solidFill>
-              </a14:hiddenFill>
-            </a:ext>
-          </a:extLst>
         </p:spPr>
       </p:pic>
     </p:spTree>
@@ -7951,8 +7934,14 @@
       </p:sp>
       <p:sp>
         <p:nvSpPr>
-          <p:cNvPr id="60" name="Google Shape;60;p3"/>
-          <p:cNvSpPr txBox="1">
+          <p:cNvPr id="7" name="텍스트 개체 틀 2">
+            <a:extLst>
+              <a:ext uri="{FF2B5EF4-FFF2-40B4-BE49-F238E27FC236}">
+                <a16:creationId xmlns:a16="http://schemas.microsoft.com/office/drawing/2014/main" id="{C8AAEB7D-DA85-4B17-9921-0CFE71A84383}"/>
+              </a:ext>
+            </a:extLst>
+          </p:cNvPr>
+          <p:cNvSpPr>
             <a:spLocks noGrp="1"/>
           </p:cNvSpPr>
           <p:nvPr>
@@ -7961,40 +7950,353 @@
         </p:nvSpPr>
         <p:spPr>
           <a:xfrm>
-            <a:off x="605980" y="1316376"/>
-            <a:ext cx="10515600" cy="4927800"/>
+            <a:off x="4996399" y="1143783"/>
+            <a:ext cx="5153496" cy="4927686"/>
+          </a:xfrm>
+        </p:spPr>
+        <p:txBody>
+          <a:bodyPr/>
+          <a:lstStyle/>
+          <a:p>
+            <a:r>
+              <a:rPr lang="en-US" altLang="ko-KR" dirty="0" err="1"/>
+              <a:t>updateCommandBuffer</a:t>
+            </a:r>
+            <a:endParaRPr lang="ko-KR" altLang="en-US" dirty="0"/>
+          </a:p>
+        </p:txBody>
+      </p:sp>
+      <p:pic>
+        <p:nvPicPr>
+          <p:cNvPr id="3" name="그림 2">
+            <a:extLst>
+              <a:ext uri="{FF2B5EF4-FFF2-40B4-BE49-F238E27FC236}">
+                <a16:creationId xmlns:a16="http://schemas.microsoft.com/office/drawing/2014/main" id="{EC8572B2-F4AD-486D-9731-B8086868D61E}"/>
+              </a:ext>
+            </a:extLst>
+          </p:cNvPr>
+          <p:cNvPicPr>
+            <a:picLocks noChangeAspect="1"/>
+          </p:cNvPicPr>
+          <p:nvPr/>
+        </p:nvPicPr>
+        <p:blipFill>
+          <a:blip r:embed="rId3"/>
+          <a:stretch>
+            <a:fillRect/>
+          </a:stretch>
+        </p:blipFill>
+        <p:spPr>
+          <a:xfrm>
+            <a:off x="5073785" y="3911109"/>
+            <a:ext cx="7021281" cy="2690469"/>
+          </a:xfrm>
+          <a:prstGeom prst="rect">
+            <a:avLst/>
+          </a:prstGeom>
+        </p:spPr>
+      </p:pic>
+      <p:grpSp>
+        <p:nvGrpSpPr>
+          <p:cNvPr id="13" name="그룹 12">
+            <a:extLst>
+              <a:ext uri="{FF2B5EF4-FFF2-40B4-BE49-F238E27FC236}">
+                <a16:creationId xmlns:a16="http://schemas.microsoft.com/office/drawing/2014/main" id="{08A95E10-64A9-42E2-83BD-09DADBEBA21A}"/>
+              </a:ext>
+            </a:extLst>
+          </p:cNvPr>
+          <p:cNvGrpSpPr/>
+          <p:nvPr/>
+        </p:nvGrpSpPr>
+        <p:grpSpPr>
+          <a:xfrm>
+            <a:off x="387509" y="1300457"/>
+            <a:ext cx="4391881" cy="5557543"/>
+            <a:chOff x="387509" y="1300457"/>
+            <a:chExt cx="4752764" cy="5813912"/>
+          </a:xfrm>
+        </p:grpSpPr>
+        <p:pic>
+          <p:nvPicPr>
+            <p:cNvPr id="5" name="그림 4">
+              <a:extLst>
+                <a:ext uri="{FF2B5EF4-FFF2-40B4-BE49-F238E27FC236}">
+                  <a16:creationId xmlns:a16="http://schemas.microsoft.com/office/drawing/2014/main" id="{0F1CC1BF-C0C2-4E2C-916F-E006C16A9153}"/>
+                </a:ext>
+              </a:extLst>
+            </p:cNvPr>
+            <p:cNvPicPr>
+              <a:picLocks noChangeAspect="1"/>
+            </p:cNvPicPr>
+            <p:nvPr/>
+          </p:nvPicPr>
+          <p:blipFill>
+            <a:blip r:embed="rId4"/>
+            <a:stretch>
+              <a:fillRect/>
+            </a:stretch>
+          </p:blipFill>
+          <p:spPr>
+            <a:xfrm>
+              <a:off x="387509" y="1300457"/>
+              <a:ext cx="4752764" cy="5151306"/>
+            </a:xfrm>
+            <a:prstGeom prst="rect">
+              <a:avLst/>
+            </a:prstGeom>
+          </p:spPr>
+        </p:pic>
+        <p:pic>
+          <p:nvPicPr>
+            <p:cNvPr id="12" name="그림 11">
+              <a:extLst>
+                <a:ext uri="{FF2B5EF4-FFF2-40B4-BE49-F238E27FC236}">
+                  <a16:creationId xmlns:a16="http://schemas.microsoft.com/office/drawing/2014/main" id="{D8BA1E0D-2D53-4174-9198-955FE20444D9}"/>
+                </a:ext>
+              </a:extLst>
+            </p:cNvPr>
+            <p:cNvPicPr>
+              <a:picLocks noChangeAspect="1"/>
+            </p:cNvPicPr>
+            <p:nvPr/>
+          </p:nvPicPr>
+          <p:blipFill>
+            <a:blip r:embed="rId5"/>
+            <a:stretch>
+              <a:fillRect/>
+            </a:stretch>
+          </p:blipFill>
+          <p:spPr>
+            <a:xfrm>
+              <a:off x="455416" y="5981345"/>
+              <a:ext cx="2303973" cy="1133024"/>
+            </a:xfrm>
+            <a:prstGeom prst="rect">
+              <a:avLst/>
+            </a:prstGeom>
+          </p:spPr>
+        </p:pic>
+      </p:grpSp>
+      <p:sp>
+        <p:nvSpPr>
+          <p:cNvPr id="15" name="화살표: 오른쪽 14">
+            <a:extLst>
+              <a:ext uri="{FF2B5EF4-FFF2-40B4-BE49-F238E27FC236}">
+                <a16:creationId xmlns:a16="http://schemas.microsoft.com/office/drawing/2014/main" id="{15639974-50D4-43E4-9534-ADEE7F320BD9}"/>
+              </a:ext>
+            </a:extLst>
+          </p:cNvPr>
+          <p:cNvSpPr/>
+          <p:nvPr/>
+        </p:nvSpPr>
+        <p:spPr>
+          <a:xfrm>
+            <a:off x="4702003" y="4939646"/>
+            <a:ext cx="477041" cy="288417"/>
+          </a:xfrm>
+          <a:prstGeom prst="rightArrow">
+            <a:avLst/>
+          </a:prstGeom>
+        </p:spPr>
+        <p:style>
+          <a:lnRef idx="2">
+            <a:schemeClr val="accent1">
+              <a:shade val="50000"/>
+            </a:schemeClr>
+          </a:lnRef>
+          <a:fillRef idx="1">
+            <a:schemeClr val="accent1"/>
+          </a:fillRef>
+          <a:effectRef idx="0">
+            <a:schemeClr val="accent1"/>
+          </a:effectRef>
+          <a:fontRef idx="minor">
+            <a:schemeClr val="lt1"/>
+          </a:fontRef>
+        </p:style>
+        <p:txBody>
+          <a:bodyPr rtlCol="0" anchor="ctr"/>
+          <a:lstStyle/>
+          <a:p>
+            <a:pPr algn="ctr"/>
+            <a:endParaRPr lang="ko-KR" altLang="en-US"/>
+          </a:p>
+        </p:txBody>
+      </p:sp>
+      <p:sp>
+        <p:nvSpPr>
+          <p:cNvPr id="19" name="TextBox 18">
+            <a:extLst>
+              <a:ext uri="{FF2B5EF4-FFF2-40B4-BE49-F238E27FC236}">
+                <a16:creationId xmlns:a16="http://schemas.microsoft.com/office/drawing/2014/main" id="{D1DF3459-62F3-4663-8B9B-8FD2CEE5BC3E}"/>
+              </a:ext>
+            </a:extLst>
+          </p:cNvPr>
+          <p:cNvSpPr txBox="1"/>
+          <p:nvPr/>
+        </p:nvSpPr>
+        <p:spPr>
+          <a:xfrm>
+            <a:off x="5313183" y="1818038"/>
+            <a:ext cx="6328919" cy="698396"/>
           </a:xfrm>
           <a:prstGeom prst="rect">
             <a:avLst/>
           </a:prstGeom>
           <a:noFill/>
+        </p:spPr>
+        <p:txBody>
+          <a:bodyPr wrap="square" rtlCol="0">
+            <a:spAutoFit/>
+          </a:bodyPr>
+          <a:lstStyle/>
+          <a:p>
+            <a:pPr marL="285750" indent="-285750">
+              <a:lnSpc>
+                <a:spcPct val="150000"/>
+              </a:lnSpc>
+              <a:buFont typeface="Arial" panose="020B0604020202020204" pitchFamily="34" charset="0"/>
+              <a:buChar char="•"/>
+            </a:pPr>
+            <a:r>
+              <a:rPr lang="en-US" altLang="ko-KR" dirty="0"/>
+              <a:t>Command Buffer </a:t>
+            </a:r>
+            <a:r>
+              <a:rPr lang="ko-KR" altLang="en-US" dirty="0"/>
+              <a:t>에 </a:t>
+            </a:r>
+            <a:r>
+              <a:rPr lang="en-US" altLang="ko-KR" dirty="0"/>
+              <a:t>Command</a:t>
+            </a:r>
+            <a:r>
+              <a:rPr lang="ko-KR" altLang="en-US" dirty="0"/>
+              <a:t>를 추가할 때 사용되는 함수</a:t>
+            </a:r>
+            <a:endParaRPr lang="en-US" altLang="ko-KR" dirty="0"/>
+          </a:p>
+          <a:p>
+            <a:pPr marL="285750" indent="-285750">
+              <a:lnSpc>
+                <a:spcPct val="150000"/>
+              </a:lnSpc>
+              <a:buFont typeface="Arial" panose="020B0604020202020204" pitchFamily="34" charset="0"/>
+              <a:buChar char="•"/>
+            </a:pPr>
+            <a:r>
+              <a:rPr lang="ko-KR" altLang="en-US" dirty="0"/>
+              <a:t>성능 최적화를 위한 조건 체크 부분을 함수화</a:t>
+            </a:r>
+            <a:endParaRPr lang="en-US" altLang="ko-KR" dirty="0"/>
+          </a:p>
+        </p:txBody>
+      </p:sp>
+      <p:sp>
+        <p:nvSpPr>
+          <p:cNvPr id="16" name="직사각형 15">
+            <a:extLst>
+              <a:ext uri="{FF2B5EF4-FFF2-40B4-BE49-F238E27FC236}">
+                <a16:creationId xmlns:a16="http://schemas.microsoft.com/office/drawing/2014/main" id="{B772F102-BA93-48DF-BDA0-2CFF218CC062}"/>
+              </a:ext>
+            </a:extLst>
+          </p:cNvPr>
+          <p:cNvSpPr/>
+          <p:nvPr/>
+        </p:nvSpPr>
+        <p:spPr>
+          <a:xfrm>
+            <a:off x="450260" y="1923068"/>
+            <a:ext cx="4251744" cy="4411744"/>
+          </a:xfrm>
+          <a:prstGeom prst="rect">
+            <a:avLst/>
+          </a:prstGeom>
+          <a:solidFill>
+            <a:srgbClr val="000000">
+              <a:alpha val="16078"/>
+            </a:srgbClr>
+          </a:solidFill>
           <a:ln>
             <a:noFill/>
           </a:ln>
         </p:spPr>
+        <p:style>
+          <a:lnRef idx="2">
+            <a:schemeClr val="accent1">
+              <a:shade val="50000"/>
+            </a:schemeClr>
+          </a:lnRef>
+          <a:fillRef idx="1">
+            <a:schemeClr val="accent1"/>
+          </a:fillRef>
+          <a:effectRef idx="0">
+            <a:schemeClr val="accent1"/>
+          </a:effectRef>
+          <a:fontRef idx="minor">
+            <a:schemeClr val="lt1"/>
+          </a:fontRef>
+        </p:style>
         <p:txBody>
-          <a:bodyPr spcFirstLastPara="1" wrap="square" lIns="91425" tIns="45700" rIns="91425" bIns="45700" anchor="t" anchorCtr="0">
-            <a:normAutofit/>
-          </a:bodyPr>
+          <a:bodyPr rtlCol="0" anchor="ctr"/>
           <a:lstStyle/>
           <a:p>
-            <a:pPr marL="228600" lvl="0" indent="-50800" algn="l" rtl="0">
-              <a:lnSpc>
-                <a:spcPct val="90000"/>
-              </a:lnSpc>
-              <a:spcBef>
-                <a:spcPts val="0"/>
-              </a:spcBef>
-              <a:spcAft>
-                <a:spcPts val="0"/>
-              </a:spcAft>
-              <a:buClr>
-                <a:schemeClr val="dk1"/>
-              </a:buClr>
-              <a:buSzPts val="2800"/>
-              <a:buNone/>
-            </a:pPr>
-            <a:endParaRPr dirty="0"/>
+            <a:pPr algn="ctr"/>
+            <a:endParaRPr lang="ko-KR" altLang="en-US"/>
+          </a:p>
+        </p:txBody>
+      </p:sp>
+      <p:sp>
+        <p:nvSpPr>
+          <p:cNvPr id="21" name="직사각형 20">
+            <a:extLst>
+              <a:ext uri="{FF2B5EF4-FFF2-40B4-BE49-F238E27FC236}">
+                <a16:creationId xmlns:a16="http://schemas.microsoft.com/office/drawing/2014/main" id="{7B532E2E-2A38-4D6A-AB43-1F42904EAA5D}"/>
+              </a:ext>
+            </a:extLst>
+          </p:cNvPr>
+          <p:cNvSpPr/>
+          <p:nvPr/>
+        </p:nvSpPr>
+        <p:spPr>
+          <a:xfrm>
+            <a:off x="5447275" y="4939645"/>
+            <a:ext cx="4251744" cy="509047"/>
+          </a:xfrm>
+          <a:prstGeom prst="rect">
+            <a:avLst/>
+          </a:prstGeom>
+          <a:solidFill>
+            <a:srgbClr val="FFFF00">
+              <a:alpha val="16078"/>
+            </a:srgbClr>
+          </a:solidFill>
+          <a:ln>
+            <a:noFill/>
+          </a:ln>
+        </p:spPr>
+        <p:style>
+          <a:lnRef idx="2">
+            <a:schemeClr val="accent1">
+              <a:shade val="50000"/>
+            </a:schemeClr>
+          </a:lnRef>
+          <a:fillRef idx="1">
+            <a:schemeClr val="accent1"/>
+          </a:fillRef>
+          <a:effectRef idx="0">
+            <a:schemeClr val="accent1"/>
+          </a:effectRef>
+          <a:fontRef idx="minor">
+            <a:schemeClr val="lt1"/>
+          </a:fontRef>
+        </p:style>
+        <p:txBody>
+          <a:bodyPr rtlCol="0" anchor="ctr"/>
+          <a:lstStyle/>
+          <a:p>
+            <a:pPr algn="ctr"/>
+            <a:endParaRPr lang="ko-KR" altLang="en-US"/>
           </a:p>
         </p:txBody>
       </p:sp>

--- a/발표양식.pptx
+++ b/발표양식.pptx
@@ -256,7 +256,7 @@
       <p15:sldGuideLst xmlns:p15="http://schemas.microsoft.com/office/powerpoint/2012/main"/>
     </p:ext>
     <p:ext uri="GoogleSlidesCustomDataVersion2">
-      <go:slidesCustomData xmlns:go="http://customooxmlschemas.google.com/" xmlns:ahyp="http://schemas.microsoft.com/office/drawing/2018/hyperlinkcolor" xmlns:p15="http://schemas.microsoft.com/office/powerpoint/2012/main" xmlns:p14="http://schemas.microsoft.com/office/powerpoint/2010/main" xmlns:com="http://schemas.openxmlformats.org/drawingml/2006/compatibility" xmlns:pvml="urn:schemas-microsoft-com:office:powerpoint" xmlns:v="urn:schemas-microsoft-com:vml" xmlns:o="urn:schemas-microsoft-com:office:office" xmlns:dgm="http://schemas.openxmlformats.org/drawingml/2006/diagram" xmlns:c="http://schemas.openxmlformats.org/drawingml/2006/chart" xmlns:mv="urn:schemas-microsoft-com:mac:vml" xmlns:mc="http://schemas.openxmlformats.org/markup-compatibility/2006" xmlns="" r:id="rId14" roundtripDataSignature="AMtx7mj5GdbxsaFl02bTEFBl/9s84/Z/Bw=="/>
+      <go:slidesCustomData xmlns="" xmlns:mc="http://schemas.openxmlformats.org/markup-compatibility/2006" xmlns:mv="urn:schemas-microsoft-com:mac:vml" xmlns:c="http://schemas.openxmlformats.org/drawingml/2006/chart" xmlns:dgm="http://schemas.openxmlformats.org/drawingml/2006/diagram" xmlns:o="urn:schemas-microsoft-com:office:office" xmlns:v="urn:schemas-microsoft-com:vml" xmlns:pvml="urn:schemas-microsoft-com:office:powerpoint" xmlns:com="http://schemas.openxmlformats.org/drawingml/2006/compatibility" xmlns:p14="http://schemas.microsoft.com/office/powerpoint/2010/main" xmlns:p15="http://schemas.microsoft.com/office/powerpoint/2012/main" xmlns:ahyp="http://schemas.microsoft.com/office/drawing/2018/hyperlinkcolor" xmlns:go="http://customooxmlschemas.google.com/" r:id="rId14" roundtripDataSignature="AMtx7mj5GdbxsaFl02bTEFBl/9s84/Z/Bw=="/>
     </p:ext>
   </p:extLst>
 </p:presentation>
@@ -5227,15 +5227,7 @@
           </a:prstGeom>
           <a:noFill/>
           <a:ln w="57150"/>
-          <a:effectLst>
-            <a:glow rad="101600">
-              <a:schemeClr val="bg2">
-                <a:lumMod val="75000"/>
-                <a:lumOff val="25000"/>
-                <a:alpha val="60000"/>
-              </a:schemeClr>
-            </a:glow>
-          </a:effectLst>
+          <a:effectLst/>
         </p:spPr>
         <p:style>
           <a:lnRef idx="2">
@@ -5361,54 +5353,9 @@
           <a:p>
             <a:pPr algn="ctr"/>
             <a:r>
-              <a:rPr lang="ko-KR" altLang="en-US" dirty="0"/>
+              <a:rPr lang="ko-KR" altLang="en-US" b="1" dirty="0"/>
               <a:t>호출</a:t>
             </a:r>
-          </a:p>
-        </p:txBody>
-      </p:sp>
-      <p:sp>
-        <p:nvSpPr>
-          <p:cNvPr id="14" name="직사각형 13">
-            <a:extLst>
-              <a:ext uri="{FF2B5EF4-FFF2-40B4-BE49-F238E27FC236}">
-                <a16:creationId xmlns:a16="http://schemas.microsoft.com/office/drawing/2014/main" id="{71A81BE5-B49F-4A7E-BF98-1D77B4963E28}"/>
-              </a:ext>
-            </a:extLst>
-          </p:cNvPr>
-          <p:cNvSpPr/>
-          <p:nvPr/>
-        </p:nvSpPr>
-        <p:spPr>
-          <a:xfrm>
-            <a:off x="7940835" y="1809444"/>
-            <a:ext cx="3645185" cy="264453"/>
-          </a:xfrm>
-          <a:prstGeom prst="rect">
-            <a:avLst/>
-          </a:prstGeom>
-          <a:noFill/>
-        </p:spPr>
-        <p:style>
-          <a:lnRef idx="2">
-            <a:schemeClr val="dk1"/>
-          </a:lnRef>
-          <a:fillRef idx="1">
-            <a:schemeClr val="lt1"/>
-          </a:fillRef>
-          <a:effectRef idx="0">
-            <a:schemeClr val="dk1"/>
-          </a:effectRef>
-          <a:fontRef idx="minor">
-            <a:schemeClr val="dk1"/>
-          </a:fontRef>
-        </p:style>
-        <p:txBody>
-          <a:bodyPr rtlCol="0" anchor="ctr"/>
-          <a:lstStyle/>
-          <a:p>
-            <a:pPr algn="ctr"/>
-            <a:endParaRPr lang="ko-KR" altLang="en-US"/>
           </a:p>
         </p:txBody>
       </p:sp>
@@ -5427,7 +5374,7 @@
         <p:spPr>
           <a:xfrm>
             <a:off x="318958" y="1809444"/>
-            <a:ext cx="4739018" cy="523220"/>
+            <a:ext cx="4739018" cy="1021562"/>
           </a:xfrm>
           <a:prstGeom prst="rect">
             <a:avLst/>
@@ -5441,48 +5388,165 @@
           <a:lstStyle/>
           <a:p>
             <a:pPr marL="285750" indent="-285750">
+              <a:lnSpc>
+                <a:spcPct val="150000"/>
+              </a:lnSpc>
               <a:buFont typeface="Arial" panose="020B0604020202020204" pitchFamily="34" charset="0"/>
               <a:buChar char="•"/>
             </a:pPr>
             <a:r>
-              <a:rPr lang="en-US" altLang="ko-KR" dirty="0"/>
+              <a:rPr lang="en-US" altLang="ko-KR" b="1" dirty="0"/>
               <a:t>Opcode</a:t>
             </a:r>
             <a:r>
-              <a:rPr lang="ko-KR" altLang="en-US" dirty="0"/>
+              <a:rPr lang="ko-KR" altLang="en-US" b="1" dirty="0"/>
               <a:t>에 따른 </a:t>
             </a:r>
             <a:r>
-              <a:rPr lang="en-US" altLang="ko-KR" dirty="0"/>
+              <a:rPr lang="en-US" altLang="ko-KR" b="1" dirty="0"/>
               <a:t>command handler </a:t>
             </a:r>
             <a:r>
-              <a:rPr lang="ko-KR" altLang="en-US" dirty="0"/>
+              <a:rPr lang="ko-KR" altLang="en-US" b="1" dirty="0"/>
               <a:t>생성</a:t>
             </a:r>
-            <a:endParaRPr lang="en-US" altLang="ko-KR" dirty="0"/>
+            <a:endParaRPr lang="en-US" altLang="ko-KR" b="1" dirty="0"/>
           </a:p>
           <a:p>
             <a:pPr marL="285750" indent="-285750">
+              <a:lnSpc>
+                <a:spcPct val="150000"/>
+              </a:lnSpc>
               <a:buFont typeface="Arial" panose="020B0604020202020204" pitchFamily="34" charset="0"/>
               <a:buChar char="•"/>
             </a:pPr>
             <a:r>
-              <a:rPr lang="en-US" altLang="ko-KR" dirty="0"/>
+              <a:rPr lang="en-US" altLang="ko-KR" b="1" dirty="0"/>
               <a:t>flush, erase</a:t>
             </a:r>
             <a:r>
-              <a:rPr lang="ko-KR" altLang="en-US" dirty="0"/>
+              <a:rPr lang="ko-KR" altLang="en-US" b="1" dirty="0"/>
               <a:t>도 아래에 추가하여 </a:t>
             </a:r>
-            <a:r>
-              <a:rPr lang="en-US" altLang="ko-KR" dirty="0"/>
+            <a:br>
+              <a:rPr lang="en-US" altLang="ko-KR" b="1" dirty="0"/>
+            </a:br>
+            <a:r>
+              <a:rPr lang="en-US" altLang="ko-KR" b="1" dirty="0"/>
               <a:t>factory </a:t>
             </a:r>
             <a:r>
-              <a:rPr lang="ko-KR" altLang="en-US" dirty="0"/>
+              <a:rPr lang="ko-KR" altLang="en-US" b="1" dirty="0"/>
               <a:t>기능 사용함</a:t>
             </a:r>
+          </a:p>
+        </p:txBody>
+      </p:sp>
+      <p:sp>
+        <p:nvSpPr>
+          <p:cNvPr id="15" name="직사각형 14">
+            <a:extLst>
+              <a:ext uri="{FF2B5EF4-FFF2-40B4-BE49-F238E27FC236}">
+                <a16:creationId xmlns:a16="http://schemas.microsoft.com/office/drawing/2014/main" id="{42A7E816-4478-4997-AD8F-3928147B0507}"/>
+              </a:ext>
+            </a:extLst>
+          </p:cNvPr>
+          <p:cNvSpPr/>
+          <p:nvPr/>
+        </p:nvSpPr>
+        <p:spPr>
+          <a:xfrm>
+            <a:off x="7932914" y="1809445"/>
+            <a:ext cx="3624759" cy="301458"/>
+          </a:xfrm>
+          <a:prstGeom prst="rect">
+            <a:avLst/>
+          </a:prstGeom>
+          <a:solidFill>
+            <a:srgbClr val="FFC000">
+              <a:alpha val="19000"/>
+            </a:srgbClr>
+          </a:solidFill>
+          <a:ln>
+            <a:noFill/>
+          </a:ln>
+        </p:spPr>
+        <p:style>
+          <a:lnRef idx="2">
+            <a:schemeClr val="accent1">
+              <a:shade val="50000"/>
+            </a:schemeClr>
+          </a:lnRef>
+          <a:fillRef idx="1">
+            <a:schemeClr val="accent1"/>
+          </a:fillRef>
+          <a:effectRef idx="0">
+            <a:schemeClr val="accent1"/>
+          </a:effectRef>
+          <a:fontRef idx="minor">
+            <a:schemeClr val="lt1"/>
+          </a:fontRef>
+        </p:style>
+        <p:txBody>
+          <a:bodyPr rtlCol="0" anchor="ctr"/>
+          <a:lstStyle/>
+          <a:p>
+            <a:pPr algn="ctr"/>
+            <a:endParaRPr lang="ko-KR" altLang="en-US"/>
+          </a:p>
+        </p:txBody>
+      </p:sp>
+      <p:sp>
+        <p:nvSpPr>
+          <p:cNvPr id="17" name="직사각형 16">
+            <a:extLst>
+              <a:ext uri="{FF2B5EF4-FFF2-40B4-BE49-F238E27FC236}">
+                <a16:creationId xmlns:a16="http://schemas.microsoft.com/office/drawing/2014/main" id="{39996306-0047-4300-A9AC-6CF61B06EE4B}"/>
+              </a:ext>
+            </a:extLst>
+          </p:cNvPr>
+          <p:cNvSpPr/>
+          <p:nvPr/>
+        </p:nvSpPr>
+        <p:spPr>
+          <a:xfrm>
+            <a:off x="5813228" y="5955982"/>
+            <a:ext cx="3624759" cy="301458"/>
+          </a:xfrm>
+          <a:prstGeom prst="rect">
+            <a:avLst/>
+          </a:prstGeom>
+          <a:solidFill>
+            <a:srgbClr val="FFC000">
+              <a:alpha val="19000"/>
+            </a:srgbClr>
+          </a:solidFill>
+          <a:ln>
+            <a:noFill/>
+          </a:ln>
+        </p:spPr>
+        <p:style>
+          <a:lnRef idx="2">
+            <a:schemeClr val="accent1">
+              <a:shade val="50000"/>
+            </a:schemeClr>
+          </a:lnRef>
+          <a:fillRef idx="1">
+            <a:schemeClr val="accent1"/>
+          </a:fillRef>
+          <a:effectRef idx="0">
+            <a:schemeClr val="accent1"/>
+          </a:effectRef>
+          <a:fontRef idx="minor">
+            <a:schemeClr val="lt1"/>
+          </a:fontRef>
+        </p:style>
+        <p:txBody>
+          <a:bodyPr rtlCol="0" anchor="ctr"/>
+          <a:lstStyle/>
+          <a:p>
+            <a:pPr algn="ctr"/>
+            <a:endParaRPr lang="ko-KR" altLang="en-US"/>
           </a:p>
         </p:txBody>
       </p:sp>
@@ -5619,7 +5683,7 @@
         <p:spPr>
           <a:xfrm>
             <a:off x="318958" y="1809444"/>
-            <a:ext cx="4739018" cy="738664"/>
+            <a:ext cx="4739018" cy="954107"/>
           </a:xfrm>
           <a:prstGeom prst="rect">
             <a:avLst/>
@@ -5633,41 +5697,44 @@
           <a:lstStyle/>
           <a:p>
             <a:pPr marL="285750" indent="-285750">
+              <a:lnSpc>
+                <a:spcPct val="150000"/>
+              </a:lnSpc>
               <a:buFont typeface="Arial" panose="020B0604020202020204" pitchFamily="34" charset="0"/>
               <a:buChar char="•"/>
             </a:pPr>
             <a:r>
-              <a:rPr lang="en-US" altLang="ko-KR" dirty="0" err="1"/>
+              <a:rPr lang="en-US" altLang="ko-KR" b="1" dirty="0" err="1"/>
               <a:t>CmdHandler</a:t>
             </a:r>
             <a:r>
-              <a:rPr lang="en-US" altLang="ko-KR" dirty="0"/>
+              <a:rPr lang="en-US" altLang="ko-KR" b="1" dirty="0"/>
               <a:t> base class</a:t>
             </a:r>
             <a:r>
-              <a:rPr lang="ko-KR" altLang="en-US" dirty="0"/>
+              <a:rPr lang="ko-KR" altLang="en-US" b="1" dirty="0"/>
               <a:t>를 통해</a:t>
             </a:r>
             <a:br>
-              <a:rPr lang="en-US" altLang="ko-KR" dirty="0"/>
+              <a:rPr lang="en-US" altLang="ko-KR" b="1" dirty="0"/>
             </a:br>
             <a:r>
-              <a:rPr lang="en-US" altLang="ko-KR" dirty="0"/>
+              <a:rPr lang="en-US" altLang="ko-KR" b="1" dirty="0"/>
               <a:t>opcode</a:t>
             </a:r>
             <a:r>
-              <a:rPr lang="ko-KR" altLang="en-US" dirty="0"/>
+              <a:rPr lang="ko-KR" altLang="en-US" b="1" dirty="0"/>
               <a:t>에 따른 각각의 </a:t>
             </a:r>
             <a:r>
-              <a:rPr lang="en-US" altLang="ko-KR" dirty="0"/>
+              <a:rPr lang="en-US" altLang="ko-KR" b="1" dirty="0"/>
               <a:t>handler </a:t>
             </a:r>
             <a:r>
-              <a:rPr lang="ko-KR" altLang="en-US" dirty="0"/>
+              <a:rPr lang="ko-KR" altLang="en-US" b="1" dirty="0"/>
               <a:t>호출될 수 있도록 함</a:t>
             </a:r>
-            <a:endParaRPr lang="en-US" altLang="ko-KR" dirty="0"/>
+            <a:endParaRPr lang="en-US" altLang="ko-KR" b="1" dirty="0"/>
           </a:p>
           <a:p>
             <a:pPr marL="285750" indent="-285750">
@@ -5700,15 +5767,7 @@
           </a:prstGeom>
           <a:noFill/>
           <a:ln w="57150"/>
-          <a:effectLst>
-            <a:glow rad="101600">
-              <a:schemeClr val="bg2">
-                <a:lumMod val="75000"/>
-                <a:lumOff val="25000"/>
-                <a:alpha val="60000"/>
-              </a:schemeClr>
-            </a:glow>
-          </a:effectLst>
+          <a:effectLst/>
         </p:spPr>
         <p:style>
           <a:lnRef idx="2">
@@ -5804,54 +5863,9 @@
           <a:p>
             <a:pPr algn="ctr"/>
             <a:r>
-              <a:rPr lang="ko-KR" altLang="en-US" dirty="0"/>
+              <a:rPr lang="ko-KR" altLang="en-US" b="1" dirty="0"/>
               <a:t>호출</a:t>
             </a:r>
-          </a:p>
-        </p:txBody>
-      </p:sp>
-      <p:sp>
-        <p:nvSpPr>
-          <p:cNvPr id="18" name="직사각형 17">
-            <a:extLst>
-              <a:ext uri="{FF2B5EF4-FFF2-40B4-BE49-F238E27FC236}">
-                <a16:creationId xmlns:a16="http://schemas.microsoft.com/office/drawing/2014/main" id="{50D4A75E-5D29-4A04-90A5-43859A688211}"/>
-              </a:ext>
-            </a:extLst>
-          </p:cNvPr>
-          <p:cNvSpPr/>
-          <p:nvPr/>
-        </p:nvSpPr>
-        <p:spPr>
-          <a:xfrm>
-            <a:off x="5339039" y="2092248"/>
-            <a:ext cx="3974643" cy="523220"/>
-          </a:xfrm>
-          <a:prstGeom prst="rect">
-            <a:avLst/>
-          </a:prstGeom>
-          <a:noFill/>
-        </p:spPr>
-        <p:style>
-          <a:lnRef idx="2">
-            <a:schemeClr val="dk1"/>
-          </a:lnRef>
-          <a:fillRef idx="1">
-            <a:schemeClr val="lt1"/>
-          </a:fillRef>
-          <a:effectRef idx="0">
-            <a:schemeClr val="dk1"/>
-          </a:effectRef>
-          <a:fontRef idx="minor">
-            <a:schemeClr val="dk1"/>
-          </a:fontRef>
-        </p:style>
-        <p:txBody>
-          <a:bodyPr rtlCol="0" anchor="ctr"/>
-          <a:lstStyle/>
-          <a:p>
-            <a:pPr algn="ctr"/>
-            <a:endParaRPr lang="ko-KR" altLang="en-US"/>
           </a:p>
         </p:txBody>
       </p:sp>
@@ -5887,10 +5901,10 @@
       </p:pic>
       <p:sp>
         <p:nvSpPr>
-          <p:cNvPr id="20" name="직사각형 19">
+          <p:cNvPr id="12" name="직사각형 11">
             <a:extLst>
               <a:ext uri="{FF2B5EF4-FFF2-40B4-BE49-F238E27FC236}">
-                <a16:creationId xmlns:a16="http://schemas.microsoft.com/office/drawing/2014/main" id="{1848C0A8-D4D3-4149-8D7B-D2CF80DFFC0B}"/>
+                <a16:creationId xmlns:a16="http://schemas.microsoft.com/office/drawing/2014/main" id="{B1CEC45B-832E-4C82-B168-01B7E9A3A3F0}"/>
               </a:ext>
             </a:extLst>
           </p:cNvPr>
@@ -5899,26 +5913,89 @@
         </p:nvSpPr>
         <p:spPr>
           <a:xfrm>
-            <a:off x="5486400" y="4441093"/>
-            <a:ext cx="5005633" cy="894477"/>
+            <a:off x="5321646" y="2096219"/>
+            <a:ext cx="3968269" cy="553614"/>
           </a:xfrm>
           <a:prstGeom prst="rect">
             <a:avLst/>
           </a:prstGeom>
-          <a:noFill/>
+          <a:solidFill>
+            <a:srgbClr val="FFC000">
+              <a:alpha val="19000"/>
+            </a:srgbClr>
+          </a:solidFill>
+          <a:ln>
+            <a:noFill/>
+          </a:ln>
         </p:spPr>
         <p:style>
           <a:lnRef idx="2">
-            <a:schemeClr val="dk1"/>
+            <a:schemeClr val="accent1">
+              <a:shade val="50000"/>
+            </a:schemeClr>
           </a:lnRef>
           <a:fillRef idx="1">
-            <a:schemeClr val="lt1"/>
+            <a:schemeClr val="accent1"/>
           </a:fillRef>
           <a:effectRef idx="0">
-            <a:schemeClr val="dk1"/>
+            <a:schemeClr val="accent1"/>
           </a:effectRef>
           <a:fontRef idx="minor">
-            <a:schemeClr val="dk1"/>
+            <a:schemeClr val="lt1"/>
+          </a:fontRef>
+        </p:style>
+        <p:txBody>
+          <a:bodyPr rtlCol="0" anchor="ctr"/>
+          <a:lstStyle/>
+          <a:p>
+            <a:pPr algn="ctr"/>
+            <a:endParaRPr lang="ko-KR" altLang="en-US"/>
+          </a:p>
+        </p:txBody>
+      </p:sp>
+      <p:sp>
+        <p:nvSpPr>
+          <p:cNvPr id="13" name="직사각형 12">
+            <a:extLst>
+              <a:ext uri="{FF2B5EF4-FFF2-40B4-BE49-F238E27FC236}">
+                <a16:creationId xmlns:a16="http://schemas.microsoft.com/office/drawing/2014/main" id="{6923EDFC-621C-42DD-874D-9D745758B5A8}"/>
+              </a:ext>
+            </a:extLst>
+          </p:cNvPr>
+          <p:cNvSpPr/>
+          <p:nvPr/>
+        </p:nvSpPr>
+        <p:spPr>
+          <a:xfrm>
+            <a:off x="5583269" y="4438563"/>
+            <a:ext cx="4903148" cy="911650"/>
+          </a:xfrm>
+          <a:prstGeom prst="rect">
+            <a:avLst/>
+          </a:prstGeom>
+          <a:solidFill>
+            <a:srgbClr val="FFC000">
+              <a:alpha val="19000"/>
+            </a:srgbClr>
+          </a:solidFill>
+          <a:ln>
+            <a:noFill/>
+          </a:ln>
+        </p:spPr>
+        <p:style>
+          <a:lnRef idx="2">
+            <a:schemeClr val="accent1">
+              <a:shade val="50000"/>
+            </a:schemeClr>
+          </a:lnRef>
+          <a:fillRef idx="1">
+            <a:schemeClr val="accent1"/>
+          </a:fillRef>
+          <a:effectRef idx="0">
+            <a:schemeClr val="accent1"/>
+          </a:effectRef>
+          <a:fontRef idx="minor">
+            <a:schemeClr val="lt1"/>
           </a:fontRef>
         </p:style>
         <p:txBody>
@@ -6416,26 +6493,35 @@
         </p:nvSpPr>
         <p:spPr>
           <a:xfrm>
-            <a:off x="914399" y="2289291"/>
+            <a:off x="923826" y="2287628"/>
             <a:ext cx="6363094" cy="303079"/>
           </a:xfrm>
           <a:prstGeom prst="rect">
             <a:avLst/>
           </a:prstGeom>
-          <a:noFill/>
+          <a:solidFill>
+            <a:srgbClr val="FFC000">
+              <a:alpha val="19000"/>
+            </a:srgbClr>
+          </a:solidFill>
+          <a:ln>
+            <a:noFill/>
+          </a:ln>
         </p:spPr>
         <p:style>
           <a:lnRef idx="2">
-            <a:schemeClr val="dk1"/>
+            <a:schemeClr val="accent1">
+              <a:shade val="50000"/>
+            </a:schemeClr>
           </a:lnRef>
           <a:fillRef idx="1">
-            <a:schemeClr val="lt1"/>
+            <a:schemeClr val="accent1"/>
           </a:fillRef>
           <a:effectRef idx="0">
-            <a:schemeClr val="dk1"/>
+            <a:schemeClr val="accent1"/>
           </a:effectRef>
           <a:fontRef idx="minor">
-            <a:schemeClr val="dk1"/>
+            <a:schemeClr val="lt1"/>
           </a:fontRef>
         </p:style>
         <p:txBody>
@@ -6449,10 +6535,138 @@
       </p:sp>
       <p:sp>
         <p:nvSpPr>
-          <p:cNvPr id="7" name="직사각형 6">
+          <p:cNvPr id="9" name="TextBox 8">
             <a:extLst>
               <a:ext uri="{FF2B5EF4-FFF2-40B4-BE49-F238E27FC236}">
-                <a16:creationId xmlns:a16="http://schemas.microsoft.com/office/drawing/2014/main" id="{AFC71855-118E-4295-88E2-EB406AE65170}"/>
+                <a16:creationId xmlns:a16="http://schemas.microsoft.com/office/drawing/2014/main" id="{811F0444-B230-4C3E-97CD-AF01410F3D05}"/>
+              </a:ext>
+            </a:extLst>
+          </p:cNvPr>
+          <p:cNvSpPr txBox="1"/>
+          <p:nvPr/>
+        </p:nvSpPr>
+        <p:spPr>
+          <a:xfrm>
+            <a:off x="923826" y="2618324"/>
+            <a:ext cx="6099142" cy="307777"/>
+          </a:xfrm>
+          <a:prstGeom prst="rect">
+            <a:avLst/>
+          </a:prstGeom>
+          <a:noFill/>
+        </p:spPr>
+        <p:txBody>
+          <a:bodyPr wrap="square">
+            <a:spAutoFit/>
+          </a:bodyPr>
+          <a:lstStyle/>
+          <a:p>
+            <a:pPr algn="ctr"/>
+            <a:r>
+              <a:rPr lang="en-US" altLang="ko-KR" b="1" dirty="0"/>
+              <a:t>Write </a:t>
+            </a:r>
+            <a:r>
+              <a:rPr lang="ko-KR" altLang="en-US" b="1" dirty="0"/>
+              <a:t>시 </a:t>
+            </a:r>
+            <a:r>
+              <a:rPr lang="en-US" altLang="ko-KR" b="1" dirty="0"/>
+              <a:t>LBA</a:t>
+            </a:r>
+            <a:r>
+              <a:rPr lang="ko-KR" altLang="en-US" b="1" dirty="0"/>
+              <a:t> </a:t>
+            </a:r>
+            <a:r>
+              <a:rPr lang="en-US" altLang="ko-KR" b="1" dirty="0"/>
+              <a:t>100</a:t>
+            </a:r>
+            <a:r>
+              <a:rPr lang="ko-KR" altLang="en-US" b="1" dirty="0"/>
+              <a:t> 이상이면 </a:t>
+            </a:r>
+            <a:r>
+              <a:rPr lang="en-US" altLang="ko-KR" b="1" dirty="0"/>
+              <a:t>error</a:t>
+            </a:r>
+            <a:r>
+              <a:rPr lang="ko-KR" altLang="en-US" b="1" dirty="0"/>
+              <a:t>나도록 확인</a:t>
+            </a:r>
+          </a:p>
+        </p:txBody>
+      </p:sp>
+      <p:sp>
+        <p:nvSpPr>
+          <p:cNvPr id="11" name="TextBox 10">
+            <a:extLst>
+              <a:ext uri="{FF2B5EF4-FFF2-40B4-BE49-F238E27FC236}">
+                <a16:creationId xmlns:a16="http://schemas.microsoft.com/office/drawing/2014/main" id="{D1186B1D-FF6D-4D0C-9D19-FE73A8781CC2}"/>
+              </a:ext>
+            </a:extLst>
+          </p:cNvPr>
+          <p:cNvSpPr txBox="1"/>
+          <p:nvPr/>
+        </p:nvSpPr>
+        <p:spPr>
+          <a:xfrm>
+            <a:off x="856821" y="4363146"/>
+            <a:ext cx="6099142" cy="307777"/>
+          </a:xfrm>
+          <a:prstGeom prst="rect">
+            <a:avLst/>
+          </a:prstGeom>
+          <a:noFill/>
+        </p:spPr>
+        <p:txBody>
+          <a:bodyPr wrap="square">
+            <a:spAutoFit/>
+          </a:bodyPr>
+          <a:lstStyle/>
+          <a:p>
+            <a:pPr algn="ctr"/>
+            <a:r>
+              <a:rPr lang="en-US" altLang="ko-KR" b="1" dirty="0"/>
+              <a:t>Read </a:t>
+            </a:r>
+            <a:r>
+              <a:rPr lang="ko-KR" altLang="en-US" b="1" dirty="0"/>
+              <a:t>시 </a:t>
+            </a:r>
+            <a:r>
+              <a:rPr lang="en-US" altLang="ko-KR" b="1" dirty="0"/>
+              <a:t>LBA</a:t>
+            </a:r>
+            <a:r>
+              <a:rPr lang="ko-KR" altLang="en-US" b="1" dirty="0"/>
+              <a:t> </a:t>
+            </a:r>
+            <a:r>
+              <a:rPr lang="en-US" altLang="ko-KR" b="1" dirty="0"/>
+              <a:t>100</a:t>
+            </a:r>
+            <a:r>
+              <a:rPr lang="ko-KR" altLang="en-US" b="1" dirty="0"/>
+              <a:t> 이상이면 </a:t>
+            </a:r>
+            <a:r>
+              <a:rPr lang="en-US" altLang="ko-KR" b="1" dirty="0"/>
+              <a:t>error</a:t>
+            </a:r>
+            <a:r>
+              <a:rPr lang="ko-KR" altLang="en-US" b="1" dirty="0"/>
+              <a:t>나도록 확인</a:t>
+            </a:r>
+          </a:p>
+        </p:txBody>
+      </p:sp>
+      <p:sp>
+        <p:nvSpPr>
+          <p:cNvPr id="12" name="직사각형 11">
+            <a:extLst>
+              <a:ext uri="{FF2B5EF4-FFF2-40B4-BE49-F238E27FC236}">
+                <a16:creationId xmlns:a16="http://schemas.microsoft.com/office/drawing/2014/main" id="{2E183741-4B25-424F-AC8E-5B30C88289E6}"/>
               </a:ext>
             </a:extLst>
           </p:cNvPr>
@@ -6461,26 +6675,35 @@
         </p:nvSpPr>
         <p:spPr>
           <a:xfrm>
-            <a:off x="923826" y="3962552"/>
-            <a:ext cx="5590096" cy="303079"/>
+            <a:off x="883769" y="4006772"/>
+            <a:ext cx="6363094" cy="303079"/>
           </a:xfrm>
           <a:prstGeom prst="rect">
             <a:avLst/>
           </a:prstGeom>
-          <a:noFill/>
+          <a:solidFill>
+            <a:srgbClr val="FFC000">
+              <a:alpha val="19000"/>
+            </a:srgbClr>
+          </a:solidFill>
+          <a:ln>
+            <a:noFill/>
+          </a:ln>
         </p:spPr>
         <p:style>
           <a:lnRef idx="2">
-            <a:schemeClr val="dk1"/>
+            <a:schemeClr val="accent1">
+              <a:shade val="50000"/>
+            </a:schemeClr>
           </a:lnRef>
           <a:fillRef idx="1">
-            <a:schemeClr val="lt1"/>
+            <a:schemeClr val="accent1"/>
           </a:fillRef>
           <a:effectRef idx="0">
-            <a:schemeClr val="dk1"/>
+            <a:schemeClr val="accent1"/>
           </a:effectRef>
           <a:fontRef idx="minor">
-            <a:schemeClr val="dk1"/>
+            <a:schemeClr val="lt1"/>
           </a:fontRef>
         </p:style>
         <p:txBody>
@@ -6489,158 +6712,6 @@
           <a:p>
             <a:pPr algn="ctr"/>
             <a:endParaRPr lang="ko-KR" altLang="en-US"/>
-          </a:p>
-        </p:txBody>
-      </p:sp>
-      <p:sp>
-        <p:nvSpPr>
-          <p:cNvPr id="8" name="직사각형 7">
-            <a:extLst>
-              <a:ext uri="{FF2B5EF4-FFF2-40B4-BE49-F238E27FC236}">
-                <a16:creationId xmlns:a16="http://schemas.microsoft.com/office/drawing/2014/main" id="{FAB753AC-3B08-4B24-BD9F-DF50D36D5A80}"/>
-              </a:ext>
-            </a:extLst>
-          </p:cNvPr>
-          <p:cNvSpPr/>
-          <p:nvPr/>
-        </p:nvSpPr>
-        <p:spPr>
-          <a:xfrm>
-            <a:off x="914399" y="2575928"/>
-            <a:ext cx="6363094" cy="303079"/>
-          </a:xfrm>
-          <a:prstGeom prst="rect">
-            <a:avLst/>
-          </a:prstGeom>
-          <a:noFill/>
-        </p:spPr>
-        <p:style>
-          <a:lnRef idx="2">
-            <a:schemeClr val="dk1"/>
-          </a:lnRef>
-          <a:fillRef idx="1">
-            <a:schemeClr val="lt1"/>
-          </a:fillRef>
-          <a:effectRef idx="0">
-            <a:schemeClr val="dk1"/>
-          </a:effectRef>
-          <a:fontRef idx="minor">
-            <a:schemeClr val="dk1"/>
-          </a:fontRef>
-        </p:style>
-        <p:txBody>
-          <a:bodyPr rtlCol="0" anchor="ctr"/>
-          <a:lstStyle/>
-          <a:p>
-            <a:pPr algn="ctr"/>
-            <a:r>
-              <a:rPr lang="en-US" altLang="ko-KR" dirty="0"/>
-              <a:t>Write </a:t>
-            </a:r>
-            <a:r>
-              <a:rPr lang="ko-KR" altLang="en-US" dirty="0"/>
-              <a:t>시 </a:t>
-            </a:r>
-            <a:r>
-              <a:rPr lang="en-US" altLang="ko-KR" dirty="0"/>
-              <a:t>LBA</a:t>
-            </a:r>
-            <a:r>
-              <a:rPr lang="ko-KR" altLang="en-US" dirty="0"/>
-              <a:t> </a:t>
-            </a:r>
-            <a:r>
-              <a:rPr lang="en-US" altLang="ko-KR" dirty="0"/>
-              <a:t>100</a:t>
-            </a:r>
-            <a:r>
-              <a:rPr lang="ko-KR" altLang="en-US" dirty="0"/>
-              <a:t> 이상이면 </a:t>
-            </a:r>
-            <a:r>
-              <a:rPr lang="en-US" altLang="ko-KR" dirty="0"/>
-              <a:t>error</a:t>
-            </a:r>
-            <a:r>
-              <a:rPr lang="ko-KR" altLang="en-US" dirty="0"/>
-              <a:t>나도록 확인</a:t>
-            </a:r>
-          </a:p>
-        </p:txBody>
-      </p:sp>
-      <p:sp>
-        <p:nvSpPr>
-          <p:cNvPr id="10" name="직사각형 9">
-            <a:extLst>
-              <a:ext uri="{FF2B5EF4-FFF2-40B4-BE49-F238E27FC236}">
-                <a16:creationId xmlns:a16="http://schemas.microsoft.com/office/drawing/2014/main" id="{07F92C4A-6A2D-4B53-8347-03AAF8DAD249}"/>
-              </a:ext>
-            </a:extLst>
-          </p:cNvPr>
-          <p:cNvSpPr/>
-          <p:nvPr/>
-        </p:nvSpPr>
-        <p:spPr>
-          <a:xfrm>
-            <a:off x="914399" y="4265631"/>
-            <a:ext cx="6363094" cy="303079"/>
-          </a:xfrm>
-          <a:prstGeom prst="rect">
-            <a:avLst/>
-          </a:prstGeom>
-          <a:noFill/>
-        </p:spPr>
-        <p:style>
-          <a:lnRef idx="2">
-            <a:schemeClr val="dk1"/>
-          </a:lnRef>
-          <a:fillRef idx="1">
-            <a:schemeClr val="lt1"/>
-          </a:fillRef>
-          <a:effectRef idx="0">
-            <a:schemeClr val="dk1"/>
-          </a:effectRef>
-          <a:fontRef idx="minor">
-            <a:schemeClr val="dk1"/>
-          </a:fontRef>
-        </p:style>
-        <p:txBody>
-          <a:bodyPr rtlCol="0" anchor="ctr"/>
-          <a:lstStyle/>
-          <a:p>
-            <a:pPr algn="ctr"/>
-            <a:r>
-              <a:rPr lang="en-US" altLang="ko-KR" dirty="0"/>
-              <a:t>Read </a:t>
-            </a:r>
-            <a:r>
-              <a:rPr lang="ko-KR" altLang="en-US" dirty="0"/>
-              <a:t>시 </a:t>
-            </a:r>
-            <a:r>
-              <a:rPr lang="en-US" altLang="ko-KR" dirty="0"/>
-              <a:t>LBA</a:t>
-            </a:r>
-            <a:r>
-              <a:rPr lang="ko-KR" altLang="en-US" dirty="0"/>
-              <a:t> </a:t>
-            </a:r>
-            <a:r>
-              <a:rPr lang="en-US" altLang="ko-KR" dirty="0"/>
-              <a:t>100</a:t>
-            </a:r>
-            <a:r>
-              <a:rPr lang="ko-KR" altLang="en-US" dirty="0"/>
-              <a:t> 이상이면 </a:t>
-            </a:r>
-            <a:r>
-              <a:rPr lang="en-US" altLang="ko-KR" dirty="0"/>
-              <a:t>error</a:t>
-            </a:r>
-            <a:r>
-              <a:rPr lang="ko-KR" altLang="en-US" dirty="0"/>
-              <a:t>나도록 확인</a:t>
-            </a:r>
           </a:p>
         </p:txBody>
       </p:sp>
@@ -6751,226 +6822,6 @@
           </a:prstGeom>
         </p:spPr>
       </p:pic>
-      <p:sp>
-        <p:nvSpPr>
-          <p:cNvPr id="7" name="직사각형 6">
-            <a:extLst>
-              <a:ext uri="{FF2B5EF4-FFF2-40B4-BE49-F238E27FC236}">
-                <a16:creationId xmlns:a16="http://schemas.microsoft.com/office/drawing/2014/main" id="{8A07FCA0-69B6-460A-A2EC-0DAC4A6EF404}"/>
-              </a:ext>
-            </a:extLst>
-          </p:cNvPr>
-          <p:cNvSpPr/>
-          <p:nvPr/>
-        </p:nvSpPr>
-        <p:spPr>
-          <a:xfrm>
-            <a:off x="914399" y="2289291"/>
-            <a:ext cx="6363094" cy="303079"/>
-          </a:xfrm>
-          <a:prstGeom prst="rect">
-            <a:avLst/>
-          </a:prstGeom>
-          <a:noFill/>
-        </p:spPr>
-        <p:style>
-          <a:lnRef idx="2">
-            <a:schemeClr val="dk1"/>
-          </a:lnRef>
-          <a:fillRef idx="1">
-            <a:schemeClr val="lt1"/>
-          </a:fillRef>
-          <a:effectRef idx="0">
-            <a:schemeClr val="dk1"/>
-          </a:effectRef>
-          <a:fontRef idx="minor">
-            <a:schemeClr val="dk1"/>
-          </a:fontRef>
-        </p:style>
-        <p:txBody>
-          <a:bodyPr rtlCol="0" anchor="ctr"/>
-          <a:lstStyle/>
-          <a:p>
-            <a:pPr algn="ctr"/>
-            <a:endParaRPr lang="ko-KR" altLang="en-US"/>
-          </a:p>
-        </p:txBody>
-      </p:sp>
-      <p:sp>
-        <p:nvSpPr>
-          <p:cNvPr id="8" name="직사각형 7">
-            <a:extLst>
-              <a:ext uri="{FF2B5EF4-FFF2-40B4-BE49-F238E27FC236}">
-                <a16:creationId xmlns:a16="http://schemas.microsoft.com/office/drawing/2014/main" id="{17DEB284-CBA2-4218-8601-6A34F96B6C4A}"/>
-              </a:ext>
-            </a:extLst>
-          </p:cNvPr>
-          <p:cNvSpPr/>
-          <p:nvPr/>
-        </p:nvSpPr>
-        <p:spPr>
-          <a:xfrm>
-            <a:off x="914399" y="2575928"/>
-            <a:ext cx="6363094" cy="303079"/>
-          </a:xfrm>
-          <a:prstGeom prst="rect">
-            <a:avLst/>
-          </a:prstGeom>
-          <a:noFill/>
-        </p:spPr>
-        <p:style>
-          <a:lnRef idx="2">
-            <a:schemeClr val="dk1"/>
-          </a:lnRef>
-          <a:fillRef idx="1">
-            <a:schemeClr val="lt1"/>
-          </a:fillRef>
-          <a:effectRef idx="0">
-            <a:schemeClr val="dk1"/>
-          </a:effectRef>
-          <a:fontRef idx="minor">
-            <a:schemeClr val="dk1"/>
-          </a:fontRef>
-        </p:style>
-        <p:txBody>
-          <a:bodyPr rtlCol="0" anchor="ctr"/>
-          <a:lstStyle/>
-          <a:p>
-            <a:pPr algn="ctr"/>
-            <a:r>
-              <a:rPr lang="en-US" altLang="ko-KR" dirty="0"/>
-              <a:t>Write </a:t>
-            </a:r>
-            <a:r>
-              <a:rPr lang="ko-KR" altLang="en-US" dirty="0"/>
-              <a:t>시</a:t>
-            </a:r>
-            <a:r>
-              <a:rPr lang="en-US" altLang="ko-KR" dirty="0"/>
-              <a:t> data</a:t>
-            </a:r>
-            <a:r>
-              <a:rPr lang="ko-KR" altLang="en-US" dirty="0"/>
-              <a:t>를 함께 보내주지 않으면 </a:t>
-            </a:r>
-            <a:r>
-              <a:rPr lang="en-US" altLang="ko-KR" dirty="0"/>
-              <a:t>exception</a:t>
-            </a:r>
-            <a:endParaRPr lang="ko-KR" altLang="en-US" dirty="0"/>
-          </a:p>
-        </p:txBody>
-      </p:sp>
-      <p:sp>
-        <p:nvSpPr>
-          <p:cNvPr id="11" name="직사각형 10">
-            <a:extLst>
-              <a:ext uri="{FF2B5EF4-FFF2-40B4-BE49-F238E27FC236}">
-                <a16:creationId xmlns:a16="http://schemas.microsoft.com/office/drawing/2014/main" id="{2F567020-6329-44BB-A41D-2E6F0315F1BB}"/>
-              </a:ext>
-            </a:extLst>
-          </p:cNvPr>
-          <p:cNvSpPr/>
-          <p:nvPr/>
-        </p:nvSpPr>
-        <p:spPr>
-          <a:xfrm>
-            <a:off x="914399" y="4098510"/>
-            <a:ext cx="6363094" cy="303079"/>
-          </a:xfrm>
-          <a:prstGeom prst="rect">
-            <a:avLst/>
-          </a:prstGeom>
-          <a:noFill/>
-        </p:spPr>
-        <p:style>
-          <a:lnRef idx="2">
-            <a:schemeClr val="dk1"/>
-          </a:lnRef>
-          <a:fillRef idx="1">
-            <a:schemeClr val="lt1"/>
-          </a:fillRef>
-          <a:effectRef idx="0">
-            <a:schemeClr val="dk1"/>
-          </a:effectRef>
-          <a:fontRef idx="minor">
-            <a:schemeClr val="dk1"/>
-          </a:fontRef>
-        </p:style>
-        <p:txBody>
-          <a:bodyPr rtlCol="0" anchor="ctr"/>
-          <a:lstStyle/>
-          <a:p>
-            <a:pPr algn="ctr"/>
-            <a:endParaRPr lang="ko-KR" altLang="en-US"/>
-          </a:p>
-        </p:txBody>
-      </p:sp>
-      <p:sp>
-        <p:nvSpPr>
-          <p:cNvPr id="12" name="직사각형 11">
-            <a:extLst>
-              <a:ext uri="{FF2B5EF4-FFF2-40B4-BE49-F238E27FC236}">
-                <a16:creationId xmlns:a16="http://schemas.microsoft.com/office/drawing/2014/main" id="{716CAD16-EC45-4E18-9B16-299C2D057E7A}"/>
-              </a:ext>
-            </a:extLst>
-          </p:cNvPr>
-          <p:cNvSpPr/>
-          <p:nvPr/>
-        </p:nvSpPr>
-        <p:spPr>
-          <a:xfrm>
-            <a:off x="914399" y="4385147"/>
-            <a:ext cx="6363094" cy="303079"/>
-          </a:xfrm>
-          <a:prstGeom prst="rect">
-            <a:avLst/>
-          </a:prstGeom>
-          <a:noFill/>
-        </p:spPr>
-        <p:style>
-          <a:lnRef idx="2">
-            <a:schemeClr val="dk1"/>
-          </a:lnRef>
-          <a:fillRef idx="1">
-            <a:schemeClr val="lt1"/>
-          </a:fillRef>
-          <a:effectRef idx="0">
-            <a:schemeClr val="dk1"/>
-          </a:effectRef>
-          <a:fontRef idx="minor">
-            <a:schemeClr val="dk1"/>
-          </a:fontRef>
-        </p:style>
-        <p:txBody>
-          <a:bodyPr rtlCol="0" anchor="ctr"/>
-          <a:lstStyle/>
-          <a:p>
-            <a:pPr algn="ctr"/>
-            <a:r>
-              <a:rPr lang="en-US" altLang="ko-KR" dirty="0"/>
-              <a:t>Read </a:t>
-            </a:r>
-            <a:r>
-              <a:rPr lang="ko-KR" altLang="en-US" dirty="0"/>
-              <a:t>시 </a:t>
-            </a:r>
-            <a:r>
-              <a:rPr lang="en-US" altLang="ko-KR" dirty="0"/>
-              <a:t>data</a:t>
-            </a:r>
-            <a:r>
-              <a:rPr lang="ko-KR" altLang="en-US" dirty="0"/>
-              <a:t>를 함께 보내주면 </a:t>
-            </a:r>
-            <a:r>
-              <a:rPr lang="en-US" altLang="ko-KR" dirty="0"/>
-              <a:t>exception</a:t>
-            </a:r>
-            <a:endParaRPr lang="ko-KR" altLang="en-US" dirty="0"/>
-          </a:p>
-        </p:txBody>
-      </p:sp>
       <p:pic>
         <p:nvPicPr>
           <p:cNvPr id="14" name="그림 13">
@@ -7003,10 +6854,177 @@
       </p:pic>
       <p:sp>
         <p:nvSpPr>
-          <p:cNvPr id="17" name="직사각형 16">
+          <p:cNvPr id="13" name="TextBox 12">
             <a:extLst>
               <a:ext uri="{FF2B5EF4-FFF2-40B4-BE49-F238E27FC236}">
-                <a16:creationId xmlns:a16="http://schemas.microsoft.com/office/drawing/2014/main" id="{A3D48CBB-B3DF-4435-AEE7-374896AE6976}"/>
+                <a16:creationId xmlns:a16="http://schemas.microsoft.com/office/drawing/2014/main" id="{86FF8CD9-B9E2-4458-8696-1F3B92AE1B3B}"/>
+              </a:ext>
+            </a:extLst>
+          </p:cNvPr>
+          <p:cNvSpPr txBox="1"/>
+          <p:nvPr/>
+        </p:nvSpPr>
+        <p:spPr>
+          <a:xfrm>
+            <a:off x="1095080" y="2659753"/>
+            <a:ext cx="6099142" cy="307777"/>
+          </a:xfrm>
+          <a:prstGeom prst="rect">
+            <a:avLst/>
+          </a:prstGeom>
+          <a:noFill/>
+        </p:spPr>
+        <p:txBody>
+          <a:bodyPr wrap="square">
+            <a:spAutoFit/>
+          </a:bodyPr>
+          <a:lstStyle/>
+          <a:p>
+            <a:pPr algn="ctr"/>
+            <a:r>
+              <a:rPr lang="en-US" altLang="ko-KR" b="1" dirty="0"/>
+              <a:t>Write </a:t>
+            </a:r>
+            <a:r>
+              <a:rPr lang="ko-KR" altLang="en-US" b="1" dirty="0"/>
+              <a:t>시</a:t>
+            </a:r>
+            <a:r>
+              <a:rPr lang="en-US" altLang="ko-KR" b="1" dirty="0"/>
+              <a:t> data</a:t>
+            </a:r>
+            <a:r>
+              <a:rPr lang="ko-KR" altLang="en-US" b="1" dirty="0"/>
+              <a:t>를 함께 보내주지 않으면 </a:t>
+            </a:r>
+            <a:r>
+              <a:rPr lang="en-US" altLang="ko-KR" b="1" dirty="0"/>
+              <a:t>exception</a:t>
+            </a:r>
+            <a:endParaRPr lang="ko-KR" altLang="en-US" b="1" dirty="0"/>
+          </a:p>
+        </p:txBody>
+      </p:sp>
+      <p:sp>
+        <p:nvSpPr>
+          <p:cNvPr id="15" name="TextBox 14">
+            <a:extLst>
+              <a:ext uri="{FF2B5EF4-FFF2-40B4-BE49-F238E27FC236}">
+                <a16:creationId xmlns:a16="http://schemas.microsoft.com/office/drawing/2014/main" id="{7F81FCF9-71C8-45FE-A05D-2B2E17668EE8}"/>
+              </a:ext>
+            </a:extLst>
+          </p:cNvPr>
+          <p:cNvSpPr txBox="1"/>
+          <p:nvPr/>
+        </p:nvSpPr>
+        <p:spPr>
+          <a:xfrm>
+            <a:off x="1046375" y="4447832"/>
+            <a:ext cx="6099142" cy="307777"/>
+          </a:xfrm>
+          <a:prstGeom prst="rect">
+            <a:avLst/>
+          </a:prstGeom>
+          <a:noFill/>
+        </p:spPr>
+        <p:txBody>
+          <a:bodyPr wrap="square">
+            <a:spAutoFit/>
+          </a:bodyPr>
+          <a:lstStyle/>
+          <a:p>
+            <a:pPr algn="ctr"/>
+            <a:r>
+              <a:rPr lang="en-US" altLang="ko-KR" b="1" dirty="0"/>
+              <a:t>Read </a:t>
+            </a:r>
+            <a:r>
+              <a:rPr lang="ko-KR" altLang="en-US" b="1" dirty="0"/>
+              <a:t>시 </a:t>
+            </a:r>
+            <a:r>
+              <a:rPr lang="en-US" altLang="ko-KR" b="1" dirty="0"/>
+              <a:t>data</a:t>
+            </a:r>
+            <a:r>
+              <a:rPr lang="ko-KR" altLang="en-US" b="1" dirty="0"/>
+              <a:t>를 함께 보내주면 </a:t>
+            </a:r>
+            <a:r>
+              <a:rPr lang="en-US" altLang="ko-KR" b="1" dirty="0"/>
+              <a:t>exception</a:t>
+            </a:r>
+            <a:endParaRPr lang="ko-KR" altLang="en-US" b="1" dirty="0"/>
+          </a:p>
+        </p:txBody>
+      </p:sp>
+      <p:sp>
+        <p:nvSpPr>
+          <p:cNvPr id="16" name="TextBox 15">
+            <a:extLst>
+              <a:ext uri="{FF2B5EF4-FFF2-40B4-BE49-F238E27FC236}">
+                <a16:creationId xmlns:a16="http://schemas.microsoft.com/office/drawing/2014/main" id="{4949AA37-894A-4290-B971-AB08556CA2A6}"/>
+              </a:ext>
+            </a:extLst>
+          </p:cNvPr>
+          <p:cNvSpPr txBox="1"/>
+          <p:nvPr/>
+        </p:nvSpPr>
+        <p:spPr>
+          <a:xfrm>
+            <a:off x="953681" y="6178797"/>
+            <a:ext cx="6363094" cy="307777"/>
+          </a:xfrm>
+          <a:prstGeom prst="rect">
+            <a:avLst/>
+          </a:prstGeom>
+          <a:noFill/>
+        </p:spPr>
+        <p:txBody>
+          <a:bodyPr wrap="square">
+            <a:spAutoFit/>
+          </a:bodyPr>
+          <a:lstStyle/>
+          <a:p>
+            <a:pPr algn="ctr"/>
+            <a:r>
+              <a:rPr lang="en-US" altLang="ko-KR" b="1" dirty="0"/>
+              <a:t>Read, Write, Ease, Flush</a:t>
+            </a:r>
+            <a:r>
+              <a:rPr lang="ko-KR" altLang="en-US" b="1" dirty="0"/>
+              <a:t>를 제외한 다른 </a:t>
+            </a:r>
+            <a:r>
+              <a:rPr lang="en-US" altLang="ko-KR" b="1" dirty="0"/>
+              <a:t>opcode </a:t>
+            </a:r>
+            <a:r>
+              <a:rPr lang="ko-KR" altLang="en-US" b="1" dirty="0" err="1"/>
+              <a:t>수행시</a:t>
+            </a:r>
+            <a:r>
+              <a:rPr lang="ko-KR" altLang="en-US" b="1" dirty="0"/>
+              <a:t> </a:t>
+            </a:r>
+            <a:r>
+              <a:rPr lang="en-US" altLang="ko-KR" b="1" dirty="0" err="1"/>
+              <a:t>nullptr</a:t>
+            </a:r>
+            <a:r>
+              <a:rPr lang="en-US" altLang="ko-KR" b="1" dirty="0"/>
+              <a:t> error check</a:t>
+            </a:r>
+            <a:endParaRPr lang="ko-KR" altLang="en-US" b="1" dirty="0"/>
+          </a:p>
+        </p:txBody>
+      </p:sp>
+      <p:sp>
+        <p:nvSpPr>
+          <p:cNvPr id="19" name="직사각형 18">
+            <a:extLst>
+              <a:ext uri="{FF2B5EF4-FFF2-40B4-BE49-F238E27FC236}">
+                <a16:creationId xmlns:a16="http://schemas.microsoft.com/office/drawing/2014/main" id="{C283883D-B632-4F00-AB28-ABB63241A6B5}"/>
               </a:ext>
             </a:extLst>
           </p:cNvPr>
@@ -7015,26 +7033,35 @@
         </p:nvSpPr>
         <p:spPr>
           <a:xfrm>
-            <a:off x="963104" y="5844040"/>
-            <a:ext cx="6363094" cy="303079"/>
+            <a:off x="893497" y="2343338"/>
+            <a:ext cx="5478120" cy="284737"/>
           </a:xfrm>
           <a:prstGeom prst="rect">
             <a:avLst/>
           </a:prstGeom>
-          <a:noFill/>
+          <a:solidFill>
+            <a:srgbClr val="FFC000">
+              <a:alpha val="19000"/>
+            </a:srgbClr>
+          </a:solidFill>
+          <a:ln>
+            <a:noFill/>
+          </a:ln>
         </p:spPr>
         <p:style>
           <a:lnRef idx="2">
-            <a:schemeClr val="dk1"/>
+            <a:schemeClr val="accent1">
+              <a:shade val="50000"/>
+            </a:schemeClr>
           </a:lnRef>
           <a:fillRef idx="1">
-            <a:schemeClr val="lt1"/>
+            <a:schemeClr val="accent1"/>
           </a:fillRef>
           <a:effectRef idx="0">
-            <a:schemeClr val="dk1"/>
+            <a:schemeClr val="accent1"/>
           </a:effectRef>
           <a:fontRef idx="minor">
-            <a:schemeClr val="dk1"/>
+            <a:schemeClr val="lt1"/>
           </a:fontRef>
         </p:style>
         <p:txBody>
@@ -7048,10 +7075,10 @@
       </p:sp>
       <p:sp>
         <p:nvSpPr>
-          <p:cNvPr id="18" name="직사각형 17">
+          <p:cNvPr id="20" name="직사각형 19">
             <a:extLst>
               <a:ext uri="{FF2B5EF4-FFF2-40B4-BE49-F238E27FC236}">
-                <a16:creationId xmlns:a16="http://schemas.microsoft.com/office/drawing/2014/main" id="{7FC1F054-AA0A-4256-A537-4DE6408A824C}"/>
+                <a16:creationId xmlns:a16="http://schemas.microsoft.com/office/drawing/2014/main" id="{861BB5A3-DB94-484F-B619-E87EECE7DD6C}"/>
               </a:ext>
             </a:extLst>
           </p:cNvPr>
@@ -7060,26 +7087,35 @@
         </p:nvSpPr>
         <p:spPr>
           <a:xfrm>
-            <a:off x="963104" y="6130677"/>
+            <a:off x="878218" y="4082118"/>
             <a:ext cx="6363094" cy="303079"/>
           </a:xfrm>
           <a:prstGeom prst="rect">
             <a:avLst/>
           </a:prstGeom>
-          <a:noFill/>
+          <a:solidFill>
+            <a:srgbClr val="FFC000">
+              <a:alpha val="19000"/>
+            </a:srgbClr>
+          </a:solidFill>
+          <a:ln>
+            <a:noFill/>
+          </a:ln>
         </p:spPr>
         <p:style>
           <a:lnRef idx="2">
-            <a:schemeClr val="dk1"/>
+            <a:schemeClr val="accent1">
+              <a:shade val="50000"/>
+            </a:schemeClr>
           </a:lnRef>
           <a:fillRef idx="1">
-            <a:schemeClr val="lt1"/>
+            <a:schemeClr val="accent1"/>
           </a:fillRef>
           <a:effectRef idx="0">
-            <a:schemeClr val="dk1"/>
+            <a:schemeClr val="accent1"/>
           </a:effectRef>
           <a:fontRef idx="minor">
-            <a:schemeClr val="dk1"/>
+            <a:schemeClr val="lt1"/>
           </a:fontRef>
         </p:style>
         <p:txBody>
@@ -7087,35 +7123,61 @@
           <a:lstStyle/>
           <a:p>
             <a:pPr algn="ctr"/>
-            <a:r>
-              <a:rPr lang="en-US" altLang="ko-KR" dirty="0"/>
-              <a:t>Read, Write, Ease, Flush</a:t>
-            </a:r>
-            <a:r>
-              <a:rPr lang="ko-KR" altLang="en-US" dirty="0"/>
-              <a:t>를 제외한 다른 </a:t>
-            </a:r>
-            <a:r>
-              <a:rPr lang="en-US" altLang="ko-KR" dirty="0"/>
-              <a:t>opcode </a:t>
-            </a:r>
-            <a:r>
-              <a:rPr lang="ko-KR" altLang="en-US" dirty="0" err="1"/>
-              <a:t>수행시</a:t>
-            </a:r>
-            <a:r>
-              <a:rPr lang="ko-KR" altLang="en-US" dirty="0"/>
-              <a:t> </a:t>
-            </a:r>
-            <a:r>
-              <a:rPr lang="en-US" altLang="ko-KR" dirty="0" err="1"/>
-              <a:t>nullptr</a:t>
-            </a:r>
-            <a:r>
-              <a:rPr lang="en-US" altLang="ko-KR" dirty="0"/>
-              <a:t> error check</a:t>
-            </a:r>
-            <a:endParaRPr lang="ko-KR" altLang="en-US" dirty="0"/>
+            <a:endParaRPr lang="ko-KR" altLang="en-US"/>
+          </a:p>
+        </p:txBody>
+      </p:sp>
+      <p:sp>
+        <p:nvSpPr>
+          <p:cNvPr id="21" name="직사각형 20">
+            <a:extLst>
+              <a:ext uri="{FF2B5EF4-FFF2-40B4-BE49-F238E27FC236}">
+                <a16:creationId xmlns:a16="http://schemas.microsoft.com/office/drawing/2014/main" id="{CDF76E74-FF5C-4724-A124-994B62DD62D0}"/>
+              </a:ext>
+            </a:extLst>
+          </p:cNvPr>
+          <p:cNvSpPr/>
+          <p:nvPr/>
+        </p:nvSpPr>
+        <p:spPr>
+          <a:xfrm>
+            <a:off x="878218" y="5839190"/>
+            <a:ext cx="3460318" cy="303079"/>
+          </a:xfrm>
+          <a:prstGeom prst="rect">
+            <a:avLst/>
+          </a:prstGeom>
+          <a:solidFill>
+            <a:srgbClr val="FFC000">
+              <a:alpha val="19000"/>
+            </a:srgbClr>
+          </a:solidFill>
+          <a:ln>
+            <a:noFill/>
+          </a:ln>
+        </p:spPr>
+        <p:style>
+          <a:lnRef idx="2">
+            <a:schemeClr val="accent1">
+              <a:shade val="50000"/>
+            </a:schemeClr>
+          </a:lnRef>
+          <a:fillRef idx="1">
+            <a:schemeClr val="accent1"/>
+          </a:fillRef>
+          <a:effectRef idx="0">
+            <a:schemeClr val="accent1"/>
+          </a:effectRef>
+          <a:fontRef idx="minor">
+            <a:schemeClr val="lt1"/>
+          </a:fontRef>
+        </p:style>
+        <p:txBody>
+          <a:bodyPr rtlCol="0" anchor="ctr"/>
+          <a:lstStyle/>
+          <a:p>
+            <a:pPr algn="ctr"/>
+            <a:endParaRPr lang="ko-KR" altLang="en-US"/>
           </a:p>
         </p:txBody>
       </p:sp>
@@ -7202,7 +7264,7 @@
           <a:solidFill>
             <a:schemeClr val="bg1">
               <a:lumMod val="85000"/>
-              <a:alpha val="50000"/>
+              <a:alpha val="16000"/>
             </a:schemeClr>
           </a:solidFill>
           <a:ln>
@@ -7323,338 +7385,6 @@
           </a:prstGeom>
         </p:spPr>
       </p:pic>
-      <p:sp>
-        <p:nvSpPr>
-          <p:cNvPr id="10" name="직사각형 9">
-            <a:extLst>
-              <a:ext uri="{FF2B5EF4-FFF2-40B4-BE49-F238E27FC236}">
-                <a16:creationId xmlns:a16="http://schemas.microsoft.com/office/drawing/2014/main" id="{936E7CD7-14E6-4D14-98FE-4AD1939E2AA6}"/>
-              </a:ext>
-            </a:extLst>
-          </p:cNvPr>
-          <p:cNvSpPr/>
-          <p:nvPr/>
-        </p:nvSpPr>
-        <p:spPr>
-          <a:xfrm>
-            <a:off x="678729" y="5965744"/>
-            <a:ext cx="4977354" cy="527258"/>
-          </a:xfrm>
-          <a:prstGeom prst="rect">
-            <a:avLst/>
-          </a:prstGeom>
-          <a:noFill/>
-        </p:spPr>
-        <p:style>
-          <a:lnRef idx="2">
-            <a:schemeClr val="dk1"/>
-          </a:lnRef>
-          <a:fillRef idx="1">
-            <a:schemeClr val="lt1"/>
-          </a:fillRef>
-          <a:effectRef idx="0">
-            <a:schemeClr val="dk1"/>
-          </a:effectRef>
-          <a:fontRef idx="minor">
-            <a:schemeClr val="dk1"/>
-          </a:fontRef>
-        </p:style>
-        <p:txBody>
-          <a:bodyPr rtlCol="0" anchor="ctr"/>
-          <a:lstStyle/>
-          <a:p>
-            <a:pPr algn="ctr"/>
-            <a:r>
-              <a:rPr lang="en-US" altLang="ko-KR" dirty="0"/>
-              <a:t>Write</a:t>
-            </a:r>
-            <a:r>
-              <a:rPr lang="ko-KR" altLang="en-US" dirty="0"/>
-              <a:t>시 실제 </a:t>
-            </a:r>
-            <a:r>
-              <a:rPr lang="en-US" altLang="ko-KR" dirty="0" err="1"/>
-              <a:t>retur</a:t>
-            </a:r>
-            <a:r>
-              <a:rPr lang="ko-KR" altLang="en-US" dirty="0"/>
-              <a:t>되는 </a:t>
-            </a:r>
-            <a:r>
-              <a:rPr lang="en-US" altLang="ko-KR" dirty="0"/>
-              <a:t>data</a:t>
-            </a:r>
-            <a:r>
-              <a:rPr lang="ko-KR" altLang="en-US" dirty="0"/>
-              <a:t>는 없으므로 </a:t>
-            </a:r>
-            <a:r>
-              <a:rPr lang="en-US" altLang="ko-KR" dirty="0"/>
-              <a:t>expect call</a:t>
-            </a:r>
-            <a:r>
-              <a:rPr lang="ko-KR" altLang="en-US" dirty="0"/>
-              <a:t>이 됐는지 </a:t>
-            </a:r>
-            <a:r>
-              <a:rPr lang="en-US" altLang="ko-KR" dirty="0"/>
-              <a:t>mocking</a:t>
-            </a:r>
-            <a:r>
-              <a:rPr lang="ko-KR" altLang="en-US" dirty="0"/>
-              <a:t>을 통한 확인</a:t>
-            </a:r>
-          </a:p>
-        </p:txBody>
-      </p:sp>
-      <p:sp>
-        <p:nvSpPr>
-          <p:cNvPr id="12" name="직사각형 11">
-            <a:extLst>
-              <a:ext uri="{FF2B5EF4-FFF2-40B4-BE49-F238E27FC236}">
-                <a16:creationId xmlns:a16="http://schemas.microsoft.com/office/drawing/2014/main" id="{DF2BC9FC-250A-4D9D-8753-3987322683F1}"/>
-              </a:ext>
-            </a:extLst>
-          </p:cNvPr>
-          <p:cNvSpPr/>
-          <p:nvPr/>
-        </p:nvSpPr>
-        <p:spPr>
-          <a:xfrm>
-            <a:off x="953678" y="2865901"/>
-            <a:ext cx="6363094" cy="303079"/>
-          </a:xfrm>
-          <a:prstGeom prst="rect">
-            <a:avLst/>
-          </a:prstGeom>
-          <a:noFill/>
-        </p:spPr>
-        <p:style>
-          <a:lnRef idx="2">
-            <a:schemeClr val="dk1"/>
-          </a:lnRef>
-          <a:fillRef idx="1">
-            <a:schemeClr val="lt1"/>
-          </a:fillRef>
-          <a:effectRef idx="0">
-            <a:schemeClr val="dk1"/>
-          </a:effectRef>
-          <a:fontRef idx="minor">
-            <a:schemeClr val="dk1"/>
-          </a:fontRef>
-        </p:style>
-        <p:txBody>
-          <a:bodyPr rtlCol="0" anchor="ctr"/>
-          <a:lstStyle/>
-          <a:p>
-            <a:pPr algn="ctr"/>
-            <a:endParaRPr lang="ko-KR" altLang="en-US"/>
-          </a:p>
-        </p:txBody>
-      </p:sp>
-      <p:sp>
-        <p:nvSpPr>
-          <p:cNvPr id="13" name="직사각형 12">
-            <a:extLst>
-              <a:ext uri="{FF2B5EF4-FFF2-40B4-BE49-F238E27FC236}">
-                <a16:creationId xmlns:a16="http://schemas.microsoft.com/office/drawing/2014/main" id="{EFE7C03C-8A20-4CD5-8A4C-A7CE1562D2AC}"/>
-              </a:ext>
-            </a:extLst>
-          </p:cNvPr>
-          <p:cNvSpPr/>
-          <p:nvPr/>
-        </p:nvSpPr>
-        <p:spPr>
-          <a:xfrm>
-            <a:off x="1000809" y="4760686"/>
-            <a:ext cx="4626993" cy="573550"/>
-          </a:xfrm>
-          <a:prstGeom prst="rect">
-            <a:avLst/>
-          </a:prstGeom>
-          <a:noFill/>
-        </p:spPr>
-        <p:style>
-          <a:lnRef idx="2">
-            <a:schemeClr val="dk1"/>
-          </a:lnRef>
-          <a:fillRef idx="1">
-            <a:schemeClr val="lt1"/>
-          </a:fillRef>
-          <a:effectRef idx="0">
-            <a:schemeClr val="dk1"/>
-          </a:effectRef>
-          <a:fontRef idx="minor">
-            <a:schemeClr val="dk1"/>
-          </a:fontRef>
-        </p:style>
-        <p:txBody>
-          <a:bodyPr rtlCol="0" anchor="ctr"/>
-          <a:lstStyle/>
-          <a:p>
-            <a:pPr algn="ctr"/>
-            <a:endParaRPr lang="ko-KR" altLang="en-US"/>
-          </a:p>
-        </p:txBody>
-      </p:sp>
-      <p:sp>
-        <p:nvSpPr>
-          <p:cNvPr id="14" name="직사각형 13">
-            <a:extLst>
-              <a:ext uri="{FF2B5EF4-FFF2-40B4-BE49-F238E27FC236}">
-                <a16:creationId xmlns:a16="http://schemas.microsoft.com/office/drawing/2014/main" id="{3AE5A671-2B15-477B-9EBF-04B2DEDBB72F}"/>
-              </a:ext>
-            </a:extLst>
-          </p:cNvPr>
-          <p:cNvSpPr/>
-          <p:nvPr/>
-        </p:nvSpPr>
-        <p:spPr>
-          <a:xfrm>
-            <a:off x="5942027" y="5252451"/>
-            <a:ext cx="3979403" cy="573550"/>
-          </a:xfrm>
-          <a:prstGeom prst="rect">
-            <a:avLst/>
-          </a:prstGeom>
-          <a:noFill/>
-        </p:spPr>
-        <p:style>
-          <a:lnRef idx="2">
-            <a:schemeClr val="dk1"/>
-          </a:lnRef>
-          <a:fillRef idx="1">
-            <a:schemeClr val="lt1"/>
-          </a:fillRef>
-          <a:effectRef idx="0">
-            <a:schemeClr val="dk1"/>
-          </a:effectRef>
-          <a:fontRef idx="minor">
-            <a:schemeClr val="dk1"/>
-          </a:fontRef>
-        </p:style>
-        <p:txBody>
-          <a:bodyPr rtlCol="0" anchor="ctr"/>
-          <a:lstStyle/>
-          <a:p>
-            <a:pPr algn="ctr"/>
-            <a:endParaRPr lang="ko-KR" altLang="en-US"/>
-          </a:p>
-        </p:txBody>
-      </p:sp>
-      <p:sp>
-        <p:nvSpPr>
-          <p:cNvPr id="16" name="직사각형 15">
-            <a:extLst>
-              <a:ext uri="{FF2B5EF4-FFF2-40B4-BE49-F238E27FC236}">
-                <a16:creationId xmlns:a16="http://schemas.microsoft.com/office/drawing/2014/main" id="{5604F653-4E96-4015-A8C2-A9E730DD3C40}"/>
-              </a:ext>
-            </a:extLst>
-          </p:cNvPr>
-          <p:cNvSpPr/>
-          <p:nvPr/>
-        </p:nvSpPr>
-        <p:spPr>
-          <a:xfrm>
-            <a:off x="5902750" y="6229154"/>
-            <a:ext cx="5645564" cy="378539"/>
-          </a:xfrm>
-          <a:prstGeom prst="rect">
-            <a:avLst/>
-          </a:prstGeom>
-          <a:noFill/>
-        </p:spPr>
-        <p:style>
-          <a:lnRef idx="2">
-            <a:schemeClr val="dk1"/>
-          </a:lnRef>
-          <a:fillRef idx="1">
-            <a:schemeClr val="lt1"/>
-          </a:fillRef>
-          <a:effectRef idx="0">
-            <a:schemeClr val="dk1"/>
-          </a:effectRef>
-          <a:fontRef idx="minor">
-            <a:schemeClr val="dk1"/>
-          </a:fontRef>
-        </p:style>
-        <p:txBody>
-          <a:bodyPr rtlCol="0" anchor="ctr"/>
-          <a:lstStyle/>
-          <a:p>
-            <a:pPr algn="ctr"/>
-            <a:r>
-              <a:rPr lang="en-US" altLang="ko-KR" dirty="0"/>
-              <a:t>Read data</a:t>
-            </a:r>
-            <a:r>
-              <a:rPr lang="ko-KR" altLang="en-US" dirty="0"/>
-              <a:t>는 </a:t>
-            </a:r>
-            <a:r>
-              <a:rPr lang="en-US" altLang="ko-KR" dirty="0"/>
-              <a:t>result.txt</a:t>
-            </a:r>
-            <a:r>
-              <a:rPr lang="ko-KR" altLang="en-US" dirty="0"/>
-              <a:t>에 저장되므로 </a:t>
-            </a:r>
-            <a:r>
-              <a:rPr lang="en-US" altLang="ko-KR" dirty="0"/>
-              <a:t>mocking</a:t>
-            </a:r>
-            <a:r>
-              <a:rPr lang="ko-KR" altLang="en-US" dirty="0"/>
-              <a:t>을 통한 호출 확인</a:t>
-            </a:r>
-          </a:p>
-        </p:txBody>
-      </p:sp>
-      <p:sp>
-        <p:nvSpPr>
-          <p:cNvPr id="18" name="직사각형 17">
-            <a:extLst>
-              <a:ext uri="{FF2B5EF4-FFF2-40B4-BE49-F238E27FC236}">
-                <a16:creationId xmlns:a16="http://schemas.microsoft.com/office/drawing/2014/main" id="{38BF006B-8D9B-4AF5-83D7-FAB755323480}"/>
-              </a:ext>
-            </a:extLst>
-          </p:cNvPr>
-          <p:cNvSpPr/>
-          <p:nvPr/>
-        </p:nvSpPr>
-        <p:spPr>
-          <a:xfrm>
-            <a:off x="955250" y="1613706"/>
-            <a:ext cx="6363094" cy="303079"/>
-          </a:xfrm>
-          <a:prstGeom prst="rect">
-            <a:avLst/>
-          </a:prstGeom>
-          <a:noFill/>
-        </p:spPr>
-        <p:style>
-          <a:lnRef idx="2">
-            <a:schemeClr val="dk1"/>
-          </a:lnRef>
-          <a:fillRef idx="1">
-            <a:schemeClr val="lt1"/>
-          </a:fillRef>
-          <a:effectRef idx="0">
-            <a:schemeClr val="dk1"/>
-          </a:effectRef>
-          <a:fontRef idx="minor">
-            <a:schemeClr val="dk1"/>
-          </a:fontRef>
-        </p:style>
-        <p:txBody>
-          <a:bodyPr rtlCol="0" anchor="ctr"/>
-          <a:lstStyle/>
-          <a:p>
-            <a:pPr algn="ctr"/>
-            <a:endParaRPr lang="ko-KR" altLang="en-US"/>
-          </a:p>
-        </p:txBody>
-      </p:sp>
       <p:sp>
         <p:nvSpPr>
           <p:cNvPr id="19" name="왼쪽 중괄호 18">
@@ -7728,13 +7458,361 @@
           <a:lstStyle/>
           <a:p>
             <a:r>
-              <a:rPr lang="en-US" altLang="ko-KR" dirty="0"/>
+              <a:rPr lang="en-US" altLang="ko-KR" b="1" dirty="0"/>
               <a:t>Mocking </a:t>
             </a:r>
             <a:r>
-              <a:rPr lang="ko-KR" altLang="en-US" dirty="0"/>
+              <a:rPr lang="ko-KR" altLang="en-US" b="1" dirty="0"/>
               <a:t>함수</a:t>
             </a:r>
+          </a:p>
+        </p:txBody>
+      </p:sp>
+      <p:sp>
+        <p:nvSpPr>
+          <p:cNvPr id="21" name="TextBox 20">
+            <a:extLst>
+              <a:ext uri="{FF2B5EF4-FFF2-40B4-BE49-F238E27FC236}">
+                <a16:creationId xmlns:a16="http://schemas.microsoft.com/office/drawing/2014/main" id="{BCB3F9F7-6A7F-43FA-839C-04DA6D6D37FC}"/>
+              </a:ext>
+            </a:extLst>
+          </p:cNvPr>
+          <p:cNvSpPr txBox="1"/>
+          <p:nvPr/>
+        </p:nvSpPr>
+        <p:spPr>
+          <a:xfrm>
+            <a:off x="-28282" y="6024637"/>
+            <a:ext cx="6099142" cy="523220"/>
+          </a:xfrm>
+          <a:prstGeom prst="rect">
+            <a:avLst/>
+          </a:prstGeom>
+          <a:noFill/>
+        </p:spPr>
+        <p:txBody>
+          <a:bodyPr wrap="square">
+            <a:spAutoFit/>
+          </a:bodyPr>
+          <a:lstStyle/>
+          <a:p>
+            <a:pPr algn="ctr"/>
+            <a:r>
+              <a:rPr lang="en-US" altLang="ko-KR" b="1" dirty="0"/>
+              <a:t>Write</a:t>
+            </a:r>
+            <a:r>
+              <a:rPr lang="ko-KR" altLang="en-US" b="1" dirty="0"/>
+              <a:t>시 실제 </a:t>
+            </a:r>
+            <a:r>
+              <a:rPr lang="en-US" altLang="ko-KR" b="1" dirty="0"/>
+              <a:t>return</a:t>
+            </a:r>
+            <a:r>
+              <a:rPr lang="ko-KR" altLang="en-US" b="1" dirty="0"/>
+              <a:t>되는 </a:t>
+            </a:r>
+            <a:r>
+              <a:rPr lang="en-US" altLang="ko-KR" b="1" dirty="0"/>
+              <a:t>data</a:t>
+            </a:r>
+            <a:r>
+              <a:rPr lang="ko-KR" altLang="en-US" b="1" dirty="0"/>
+              <a:t>는 없으므로</a:t>
+            </a:r>
+            <a:endParaRPr lang="en-US" altLang="ko-KR" b="1" dirty="0"/>
+          </a:p>
+          <a:p>
+            <a:pPr algn="ctr"/>
+            <a:r>
+              <a:rPr lang="en-US" altLang="ko-KR" b="1" dirty="0"/>
+              <a:t>expect call</a:t>
+            </a:r>
+            <a:r>
+              <a:rPr lang="ko-KR" altLang="en-US" b="1" dirty="0"/>
+              <a:t>이 됐는지 </a:t>
+            </a:r>
+            <a:r>
+              <a:rPr lang="en-US" altLang="ko-KR" b="1" dirty="0"/>
+              <a:t>mocking</a:t>
+            </a:r>
+            <a:r>
+              <a:rPr lang="ko-KR" altLang="en-US" b="1" dirty="0"/>
+              <a:t>을 통한 확인</a:t>
+            </a:r>
+          </a:p>
+        </p:txBody>
+      </p:sp>
+      <p:sp>
+        <p:nvSpPr>
+          <p:cNvPr id="22" name="TextBox 21">
+            <a:extLst>
+              <a:ext uri="{FF2B5EF4-FFF2-40B4-BE49-F238E27FC236}">
+                <a16:creationId xmlns:a16="http://schemas.microsoft.com/office/drawing/2014/main" id="{047385D7-110A-4EE7-9A2B-D11FD3C708A8}"/>
+              </a:ext>
+            </a:extLst>
+          </p:cNvPr>
+          <p:cNvSpPr txBox="1"/>
+          <p:nvPr/>
+        </p:nvSpPr>
+        <p:spPr>
+          <a:xfrm>
+            <a:off x="5498183" y="6376806"/>
+            <a:ext cx="6113282" cy="307777"/>
+          </a:xfrm>
+          <a:prstGeom prst="rect">
+            <a:avLst/>
+          </a:prstGeom>
+          <a:noFill/>
+        </p:spPr>
+        <p:txBody>
+          <a:bodyPr wrap="square">
+            <a:spAutoFit/>
+          </a:bodyPr>
+          <a:lstStyle/>
+          <a:p>
+            <a:pPr algn="ctr"/>
+            <a:r>
+              <a:rPr lang="en-US" altLang="ko-KR" b="1" dirty="0"/>
+              <a:t>Read data</a:t>
+            </a:r>
+            <a:r>
+              <a:rPr lang="ko-KR" altLang="en-US" b="1" dirty="0"/>
+              <a:t>는 </a:t>
+            </a:r>
+            <a:r>
+              <a:rPr lang="en-US" altLang="ko-KR" b="1" dirty="0"/>
+              <a:t>result.txt</a:t>
+            </a:r>
+            <a:r>
+              <a:rPr lang="ko-KR" altLang="en-US" b="1" dirty="0"/>
+              <a:t>에 저장되므로 </a:t>
+            </a:r>
+            <a:r>
+              <a:rPr lang="en-US" altLang="ko-KR" b="1" dirty="0"/>
+              <a:t>mocking</a:t>
+            </a:r>
+            <a:r>
+              <a:rPr lang="ko-KR" altLang="en-US" b="1" dirty="0"/>
+              <a:t>을 통한 호출 확인</a:t>
+            </a:r>
+          </a:p>
+        </p:txBody>
+      </p:sp>
+      <p:sp>
+        <p:nvSpPr>
+          <p:cNvPr id="23" name="직사각형 22">
+            <a:extLst>
+              <a:ext uri="{FF2B5EF4-FFF2-40B4-BE49-F238E27FC236}">
+                <a16:creationId xmlns:a16="http://schemas.microsoft.com/office/drawing/2014/main" id="{97DE4834-3F85-43AE-875B-1A3518961AE8}"/>
+              </a:ext>
+            </a:extLst>
+          </p:cNvPr>
+          <p:cNvSpPr/>
+          <p:nvPr/>
+        </p:nvSpPr>
+        <p:spPr>
+          <a:xfrm>
+            <a:off x="6023841" y="5244295"/>
+            <a:ext cx="3932396" cy="602870"/>
+          </a:xfrm>
+          <a:prstGeom prst="rect">
+            <a:avLst/>
+          </a:prstGeom>
+          <a:solidFill>
+            <a:srgbClr val="FFC000">
+              <a:alpha val="19000"/>
+            </a:srgbClr>
+          </a:solidFill>
+          <a:ln>
+            <a:noFill/>
+          </a:ln>
+        </p:spPr>
+        <p:style>
+          <a:lnRef idx="2">
+            <a:schemeClr val="accent1">
+              <a:shade val="50000"/>
+            </a:schemeClr>
+          </a:lnRef>
+          <a:fillRef idx="1">
+            <a:schemeClr val="accent1"/>
+          </a:fillRef>
+          <a:effectRef idx="0">
+            <a:schemeClr val="accent1"/>
+          </a:effectRef>
+          <a:fontRef idx="minor">
+            <a:schemeClr val="lt1"/>
+          </a:fontRef>
+        </p:style>
+        <p:txBody>
+          <a:bodyPr rtlCol="0" anchor="ctr"/>
+          <a:lstStyle/>
+          <a:p>
+            <a:pPr algn="ctr"/>
+            <a:endParaRPr lang="ko-KR" altLang="en-US"/>
+          </a:p>
+        </p:txBody>
+      </p:sp>
+      <p:sp>
+        <p:nvSpPr>
+          <p:cNvPr id="25" name="직사각형 24">
+            <a:extLst>
+              <a:ext uri="{FF2B5EF4-FFF2-40B4-BE49-F238E27FC236}">
+                <a16:creationId xmlns:a16="http://schemas.microsoft.com/office/drawing/2014/main" id="{78E3653E-76AF-40B6-A6FA-2F413CF1599E}"/>
+              </a:ext>
+            </a:extLst>
+          </p:cNvPr>
+          <p:cNvSpPr/>
+          <p:nvPr/>
+        </p:nvSpPr>
+        <p:spPr>
+          <a:xfrm>
+            <a:off x="880114" y="4796547"/>
+            <a:ext cx="4805984" cy="612032"/>
+          </a:xfrm>
+          <a:prstGeom prst="rect">
+            <a:avLst/>
+          </a:prstGeom>
+          <a:solidFill>
+            <a:srgbClr val="FFC000">
+              <a:alpha val="19000"/>
+            </a:srgbClr>
+          </a:solidFill>
+          <a:ln>
+            <a:noFill/>
+          </a:ln>
+        </p:spPr>
+        <p:style>
+          <a:lnRef idx="2">
+            <a:schemeClr val="accent1">
+              <a:shade val="50000"/>
+            </a:schemeClr>
+          </a:lnRef>
+          <a:fillRef idx="1">
+            <a:schemeClr val="accent1"/>
+          </a:fillRef>
+          <a:effectRef idx="0">
+            <a:schemeClr val="accent1"/>
+          </a:effectRef>
+          <a:fontRef idx="minor">
+            <a:schemeClr val="lt1"/>
+          </a:fontRef>
+        </p:style>
+        <p:txBody>
+          <a:bodyPr rtlCol="0" anchor="ctr"/>
+          <a:lstStyle/>
+          <a:p>
+            <a:pPr algn="ctr"/>
+            <a:endParaRPr lang="ko-KR" altLang="en-US"/>
+          </a:p>
+        </p:txBody>
+      </p:sp>
+      <p:sp>
+        <p:nvSpPr>
+          <p:cNvPr id="26" name="직사각형 25">
+            <a:extLst>
+              <a:ext uri="{FF2B5EF4-FFF2-40B4-BE49-F238E27FC236}">
+                <a16:creationId xmlns:a16="http://schemas.microsoft.com/office/drawing/2014/main" id="{817211C9-1A1E-441A-8B0D-88F72F1FAF65}"/>
+              </a:ext>
+            </a:extLst>
+          </p:cNvPr>
+          <p:cNvSpPr/>
+          <p:nvPr/>
+        </p:nvSpPr>
+        <p:spPr>
+          <a:xfrm>
+            <a:off x="903574" y="1622984"/>
+            <a:ext cx="6674705" cy="322616"/>
+          </a:xfrm>
+          <a:prstGeom prst="rect">
+            <a:avLst/>
+          </a:prstGeom>
+          <a:solidFill>
+            <a:srgbClr val="FFC000">
+              <a:alpha val="19000"/>
+            </a:srgbClr>
+          </a:solidFill>
+          <a:ln>
+            <a:noFill/>
+          </a:ln>
+        </p:spPr>
+        <p:style>
+          <a:lnRef idx="2">
+            <a:schemeClr val="accent1">
+              <a:shade val="50000"/>
+            </a:schemeClr>
+          </a:lnRef>
+          <a:fillRef idx="1">
+            <a:schemeClr val="accent1"/>
+          </a:fillRef>
+          <a:effectRef idx="0">
+            <a:schemeClr val="accent1"/>
+          </a:effectRef>
+          <a:fontRef idx="minor">
+            <a:schemeClr val="lt1"/>
+          </a:fontRef>
+        </p:style>
+        <p:txBody>
+          <a:bodyPr rtlCol="0" anchor="ctr"/>
+          <a:lstStyle/>
+          <a:p>
+            <a:pPr algn="ctr"/>
+            <a:endParaRPr lang="ko-KR" altLang="en-US"/>
+          </a:p>
+        </p:txBody>
+      </p:sp>
+      <p:sp>
+        <p:nvSpPr>
+          <p:cNvPr id="27" name="직사각형 26">
+            <a:extLst>
+              <a:ext uri="{FF2B5EF4-FFF2-40B4-BE49-F238E27FC236}">
+                <a16:creationId xmlns:a16="http://schemas.microsoft.com/office/drawing/2014/main" id="{08B63DE6-F8A7-466B-AFB0-7A85AB6B0FE9}"/>
+              </a:ext>
+            </a:extLst>
+          </p:cNvPr>
+          <p:cNvSpPr/>
+          <p:nvPr/>
+        </p:nvSpPr>
+        <p:spPr>
+          <a:xfrm>
+            <a:off x="933426" y="2862149"/>
+            <a:ext cx="6674705" cy="322616"/>
+          </a:xfrm>
+          <a:prstGeom prst="rect">
+            <a:avLst/>
+          </a:prstGeom>
+          <a:solidFill>
+            <a:srgbClr val="FFC000">
+              <a:alpha val="19000"/>
+            </a:srgbClr>
+          </a:solidFill>
+          <a:ln>
+            <a:noFill/>
+          </a:ln>
+        </p:spPr>
+        <p:style>
+          <a:lnRef idx="2">
+            <a:schemeClr val="accent1">
+              <a:shade val="50000"/>
+            </a:schemeClr>
+          </a:lnRef>
+          <a:fillRef idx="1">
+            <a:schemeClr val="accent1"/>
+          </a:fillRef>
+          <a:effectRef idx="0">
+            <a:schemeClr val="accent1"/>
+          </a:effectRef>
+          <a:fontRef idx="minor">
+            <a:schemeClr val="lt1"/>
+          </a:fontRef>
+        </p:style>
+        <p:txBody>
+          <a:bodyPr rtlCol="0" anchor="ctr"/>
+          <a:lstStyle/>
+          <a:p>
+            <a:pPr algn="ctr"/>
+            <a:endParaRPr lang="ko-KR" altLang="en-US"/>
           </a:p>
         </p:txBody>
       </p:sp>
@@ -8159,22 +8237,22 @@
               <a:buChar char="•"/>
             </a:pPr>
             <a:r>
-              <a:rPr lang="en-US" altLang="ko-KR" dirty="0"/>
+              <a:rPr lang="en-US" altLang="ko-KR" b="1" dirty="0"/>
               <a:t>Command Buffer </a:t>
             </a:r>
             <a:r>
-              <a:rPr lang="ko-KR" altLang="en-US" dirty="0"/>
+              <a:rPr lang="ko-KR" altLang="en-US" b="1" dirty="0"/>
               <a:t>에 </a:t>
             </a:r>
             <a:r>
-              <a:rPr lang="en-US" altLang="ko-KR" dirty="0"/>
+              <a:rPr lang="en-US" altLang="ko-KR" b="1" dirty="0"/>
               <a:t>Command</a:t>
             </a:r>
             <a:r>
-              <a:rPr lang="ko-KR" altLang="en-US" dirty="0"/>
+              <a:rPr lang="ko-KR" altLang="en-US" b="1" dirty="0"/>
               <a:t>를 추가할 때 사용되는 함수</a:t>
             </a:r>
-            <a:endParaRPr lang="en-US" altLang="ko-KR" dirty="0"/>
+            <a:endParaRPr lang="en-US" altLang="ko-KR" b="1" dirty="0"/>
           </a:p>
           <a:p>
             <a:pPr marL="285750" indent="-285750">
@@ -8185,10 +8263,10 @@
               <a:buChar char="•"/>
             </a:pPr>
             <a:r>
-              <a:rPr lang="ko-KR" altLang="en-US" dirty="0"/>
+              <a:rPr lang="ko-KR" altLang="en-US" b="1" dirty="0"/>
               <a:t>성능 최적화를 위한 조건 체크 부분을 함수화</a:t>
             </a:r>
-            <a:endParaRPr lang="en-US" altLang="ko-KR" dirty="0"/>
+            <a:endParaRPr lang="en-US" altLang="ko-KR" b="1" dirty="0"/>
           </a:p>
         </p:txBody>
       </p:sp>
